--- a/spring15/slidesS15/propositional-algebra.pptx
+++ b/spring15/slidesS15/propositional-algebra.pptx
@@ -6,25 +6,31 @@
     <p:sldMasterId id="2147483651" r:id="rId2"/>
   </p:sldMasterIdLst>
   <p:notesMasterIdLst>
-    <p:notesMasterId r:id="rId11"/>
+    <p:notesMasterId r:id="rId17"/>
   </p:notesMasterIdLst>
   <p:handoutMasterIdLst>
-    <p:handoutMasterId r:id="rId12"/>
+    <p:handoutMasterId r:id="rId18"/>
   </p:handoutMasterIdLst>
   <p:sldIdLst>
     <p:sldId id="392" r:id="rId3"/>
     <p:sldId id="447" r:id="rId4"/>
     <p:sldId id="488" r:id="rId5"/>
-    <p:sldId id="491" r:id="rId6"/>
-    <p:sldId id="493" r:id="rId7"/>
-    <p:sldId id="489" r:id="rId8"/>
-    <p:sldId id="492" r:id="rId9"/>
-    <p:sldId id="455" r:id="rId10"/>
+    <p:sldId id="493" r:id="rId6"/>
+    <p:sldId id="491" r:id="rId7"/>
+    <p:sldId id="496" r:id="rId8"/>
+    <p:sldId id="495" r:id="rId9"/>
+    <p:sldId id="489" r:id="rId10"/>
+    <p:sldId id="494" r:id="rId11"/>
+    <p:sldId id="497" r:id="rId12"/>
+    <p:sldId id="498" r:id="rId13"/>
+    <p:sldId id="499" r:id="rId14"/>
+    <p:sldId id="492" r:id="rId15"/>
+    <p:sldId id="455" r:id="rId16"/>
   </p:sldIdLst>
   <p:sldSz cx="9144000" cy="6858000" type="screen4x3"/>
   <p:notesSz cx="9601200" cy="7315200"/>
   <p:custDataLst>
-    <p:tags r:id="rId14"/>
+    <p:tags r:id="rId20"/>
   </p:custDataLst>
   <p:defaultTextStyle>
     <a:defPPr>
@@ -914,6 +920,416 @@
 </p:notes>
 </file>
 
+<file path=ppt/notesSlides/notesSlide10.xml><?xml version="1.0" encoding="utf-8"?>
+<p:notes xmlns:a="http://schemas.openxmlformats.org/drawingml/2006/main" xmlns:r="http://schemas.openxmlformats.org/officeDocument/2006/relationships" xmlns:p="http://schemas.openxmlformats.org/presentationml/2006/main">
+  <p:cSld>
+    <p:spTree>
+      <p:nvGrpSpPr>
+        <p:cNvPr id="1" name=""/>
+        <p:cNvGrpSpPr/>
+        <p:nvPr/>
+      </p:nvGrpSpPr>
+      <p:grpSpPr>
+        <a:xfrm>
+          <a:off x="0" y="0"/>
+          <a:ext cx="0" cy="0"/>
+          <a:chOff x="0" y="0"/>
+          <a:chExt cx="0" cy="0"/>
+        </a:xfrm>
+      </p:grpSpPr>
+      <p:sp>
+        <p:nvSpPr>
+          <p:cNvPr id="2" name="Slide Image Placeholder 1"/>
+          <p:cNvSpPr>
+            <a:spLocks noGrp="1" noRot="1" noChangeAspect="1"/>
+          </p:cNvSpPr>
+          <p:nvPr>
+            <p:ph type="sldImg"/>
+          </p:nvPr>
+        </p:nvSpPr>
+        <p:spPr/>
+      </p:sp>
+      <p:sp>
+        <p:nvSpPr>
+          <p:cNvPr id="3" name="Notes Placeholder 2"/>
+          <p:cNvSpPr>
+            <a:spLocks noGrp="1"/>
+          </p:cNvSpPr>
+          <p:nvPr>
+            <p:ph type="body" idx="1"/>
+          </p:nvPr>
+        </p:nvSpPr>
+        <p:spPr/>
+        <p:txBody>
+          <a:bodyPr>
+            <a:normAutofit/>
+          </a:bodyPr>
+          <a:lstStyle/>
+          <a:p>
+            <a:endParaRPr lang="en-US"/>
+          </a:p>
+        </p:txBody>
+      </p:sp>
+      <p:sp>
+        <p:nvSpPr>
+          <p:cNvPr id="4" name="Slide Number Placeholder 3"/>
+          <p:cNvSpPr>
+            <a:spLocks noGrp="1"/>
+          </p:cNvSpPr>
+          <p:nvPr>
+            <p:ph type="sldNum" sz="quarter" idx="10"/>
+          </p:nvPr>
+        </p:nvSpPr>
+        <p:spPr/>
+        <p:txBody>
+          <a:bodyPr/>
+          <a:lstStyle/>
+          <a:p>
+            <a:fld id="{A02B9F3F-3042-489F-AF35-1A733968F079}" type="slidenum">
+              <a:rPr lang="en-US" smtClean="0"/>
+              <a:pPr/>
+              <a:t>10</a:t>
+            </a:fld>
+            <a:endParaRPr lang="en-US"/>
+          </a:p>
+        </p:txBody>
+      </p:sp>
+    </p:spTree>
+  </p:cSld>
+  <p:clrMapOvr>
+    <a:masterClrMapping/>
+  </p:clrMapOvr>
+</p:notes>
+</file>
+
+<file path=ppt/notesSlides/notesSlide11.xml><?xml version="1.0" encoding="utf-8"?>
+<p:notes xmlns:a="http://schemas.openxmlformats.org/drawingml/2006/main" xmlns:r="http://schemas.openxmlformats.org/officeDocument/2006/relationships" xmlns:p="http://schemas.openxmlformats.org/presentationml/2006/main">
+  <p:cSld>
+    <p:spTree>
+      <p:nvGrpSpPr>
+        <p:cNvPr id="1" name=""/>
+        <p:cNvGrpSpPr/>
+        <p:nvPr/>
+      </p:nvGrpSpPr>
+      <p:grpSpPr>
+        <a:xfrm>
+          <a:off x="0" y="0"/>
+          <a:ext cx="0" cy="0"/>
+          <a:chOff x="0" y="0"/>
+          <a:chExt cx="0" cy="0"/>
+        </a:xfrm>
+      </p:grpSpPr>
+      <p:sp>
+        <p:nvSpPr>
+          <p:cNvPr id="2" name="Slide Image Placeholder 1"/>
+          <p:cNvSpPr>
+            <a:spLocks noGrp="1" noRot="1" noChangeAspect="1"/>
+          </p:cNvSpPr>
+          <p:nvPr>
+            <p:ph type="sldImg"/>
+          </p:nvPr>
+        </p:nvSpPr>
+        <p:spPr/>
+      </p:sp>
+      <p:sp>
+        <p:nvSpPr>
+          <p:cNvPr id="3" name="Notes Placeholder 2"/>
+          <p:cNvSpPr>
+            <a:spLocks noGrp="1"/>
+          </p:cNvSpPr>
+          <p:nvPr>
+            <p:ph type="body" idx="1"/>
+          </p:nvPr>
+        </p:nvSpPr>
+        <p:spPr/>
+        <p:txBody>
+          <a:bodyPr>
+            <a:normAutofit/>
+          </a:bodyPr>
+          <a:lstStyle/>
+          <a:p>
+            <a:endParaRPr lang="en-US"/>
+          </a:p>
+        </p:txBody>
+      </p:sp>
+      <p:sp>
+        <p:nvSpPr>
+          <p:cNvPr id="4" name="Slide Number Placeholder 3"/>
+          <p:cNvSpPr>
+            <a:spLocks noGrp="1"/>
+          </p:cNvSpPr>
+          <p:nvPr>
+            <p:ph type="sldNum" sz="quarter" idx="10"/>
+          </p:nvPr>
+        </p:nvSpPr>
+        <p:spPr/>
+        <p:txBody>
+          <a:bodyPr/>
+          <a:lstStyle/>
+          <a:p>
+            <a:fld id="{A02B9F3F-3042-489F-AF35-1A733968F079}" type="slidenum">
+              <a:rPr lang="en-US" smtClean="0"/>
+              <a:pPr/>
+              <a:t>11</a:t>
+            </a:fld>
+            <a:endParaRPr lang="en-US"/>
+          </a:p>
+        </p:txBody>
+      </p:sp>
+    </p:spTree>
+  </p:cSld>
+  <p:clrMapOvr>
+    <a:masterClrMapping/>
+  </p:clrMapOvr>
+</p:notes>
+</file>
+
+<file path=ppt/notesSlides/notesSlide12.xml><?xml version="1.0" encoding="utf-8"?>
+<p:notes xmlns:a="http://schemas.openxmlformats.org/drawingml/2006/main" xmlns:r="http://schemas.openxmlformats.org/officeDocument/2006/relationships" xmlns:p="http://schemas.openxmlformats.org/presentationml/2006/main">
+  <p:cSld>
+    <p:spTree>
+      <p:nvGrpSpPr>
+        <p:cNvPr id="1" name=""/>
+        <p:cNvGrpSpPr/>
+        <p:nvPr/>
+      </p:nvGrpSpPr>
+      <p:grpSpPr>
+        <a:xfrm>
+          <a:off x="0" y="0"/>
+          <a:ext cx="0" cy="0"/>
+          <a:chOff x="0" y="0"/>
+          <a:chExt cx="0" cy="0"/>
+        </a:xfrm>
+      </p:grpSpPr>
+      <p:sp>
+        <p:nvSpPr>
+          <p:cNvPr id="2" name="Slide Image Placeholder 1"/>
+          <p:cNvSpPr>
+            <a:spLocks noGrp="1" noRot="1" noChangeAspect="1"/>
+          </p:cNvSpPr>
+          <p:nvPr>
+            <p:ph type="sldImg"/>
+          </p:nvPr>
+        </p:nvSpPr>
+        <p:spPr/>
+      </p:sp>
+      <p:sp>
+        <p:nvSpPr>
+          <p:cNvPr id="3" name="Notes Placeholder 2"/>
+          <p:cNvSpPr>
+            <a:spLocks noGrp="1"/>
+          </p:cNvSpPr>
+          <p:nvPr>
+            <p:ph type="body" idx="1"/>
+          </p:nvPr>
+        </p:nvSpPr>
+        <p:spPr/>
+        <p:txBody>
+          <a:bodyPr>
+            <a:normAutofit/>
+          </a:bodyPr>
+          <a:lstStyle/>
+          <a:p>
+            <a:endParaRPr lang="en-US"/>
+          </a:p>
+        </p:txBody>
+      </p:sp>
+      <p:sp>
+        <p:nvSpPr>
+          <p:cNvPr id="4" name="Slide Number Placeholder 3"/>
+          <p:cNvSpPr>
+            <a:spLocks noGrp="1"/>
+          </p:cNvSpPr>
+          <p:nvPr>
+            <p:ph type="sldNum" sz="quarter" idx="10"/>
+          </p:nvPr>
+        </p:nvSpPr>
+        <p:spPr/>
+        <p:txBody>
+          <a:bodyPr/>
+          <a:lstStyle/>
+          <a:p>
+            <a:fld id="{A02B9F3F-3042-489F-AF35-1A733968F079}" type="slidenum">
+              <a:rPr lang="en-US" smtClean="0"/>
+              <a:pPr/>
+              <a:t>12</a:t>
+            </a:fld>
+            <a:endParaRPr lang="en-US"/>
+          </a:p>
+        </p:txBody>
+      </p:sp>
+    </p:spTree>
+  </p:cSld>
+  <p:clrMapOvr>
+    <a:masterClrMapping/>
+  </p:clrMapOvr>
+</p:notes>
+</file>
+
+<file path=ppt/notesSlides/notesSlide13.xml><?xml version="1.0" encoding="utf-8"?>
+<p:notes xmlns:a="http://schemas.openxmlformats.org/drawingml/2006/main" xmlns:r="http://schemas.openxmlformats.org/officeDocument/2006/relationships" xmlns:p="http://schemas.openxmlformats.org/presentationml/2006/main">
+  <p:cSld>
+    <p:spTree>
+      <p:nvGrpSpPr>
+        <p:cNvPr id="1" name=""/>
+        <p:cNvGrpSpPr/>
+        <p:nvPr/>
+      </p:nvGrpSpPr>
+      <p:grpSpPr>
+        <a:xfrm>
+          <a:off x="0" y="0"/>
+          <a:ext cx="0" cy="0"/>
+          <a:chOff x="0" y="0"/>
+          <a:chExt cx="0" cy="0"/>
+        </a:xfrm>
+      </p:grpSpPr>
+      <p:sp>
+        <p:nvSpPr>
+          <p:cNvPr id="2" name="Slide Image Placeholder 1"/>
+          <p:cNvSpPr>
+            <a:spLocks noGrp="1" noRot="1" noChangeAspect="1"/>
+          </p:cNvSpPr>
+          <p:nvPr>
+            <p:ph type="sldImg"/>
+          </p:nvPr>
+        </p:nvSpPr>
+        <p:spPr/>
+      </p:sp>
+      <p:sp>
+        <p:nvSpPr>
+          <p:cNvPr id="3" name="Notes Placeholder 2"/>
+          <p:cNvSpPr>
+            <a:spLocks noGrp="1"/>
+          </p:cNvSpPr>
+          <p:nvPr>
+            <p:ph type="body" idx="1"/>
+          </p:nvPr>
+        </p:nvSpPr>
+        <p:spPr/>
+        <p:txBody>
+          <a:bodyPr>
+            <a:normAutofit/>
+          </a:bodyPr>
+          <a:lstStyle/>
+          <a:p>
+            <a:endParaRPr lang="en-US"/>
+          </a:p>
+        </p:txBody>
+      </p:sp>
+      <p:sp>
+        <p:nvSpPr>
+          <p:cNvPr id="4" name="Slide Number Placeholder 3"/>
+          <p:cNvSpPr>
+            <a:spLocks noGrp="1"/>
+          </p:cNvSpPr>
+          <p:nvPr>
+            <p:ph type="sldNum" sz="quarter" idx="10"/>
+          </p:nvPr>
+        </p:nvSpPr>
+        <p:spPr/>
+        <p:txBody>
+          <a:bodyPr/>
+          <a:lstStyle/>
+          <a:p>
+            <a:fld id="{A02B9F3F-3042-489F-AF35-1A733968F079}" type="slidenum">
+              <a:rPr lang="en-US" smtClean="0"/>
+              <a:pPr/>
+              <a:t>13</a:t>
+            </a:fld>
+            <a:endParaRPr lang="en-US"/>
+          </a:p>
+        </p:txBody>
+      </p:sp>
+    </p:spTree>
+  </p:cSld>
+  <p:clrMapOvr>
+    <a:masterClrMapping/>
+  </p:clrMapOvr>
+</p:notes>
+</file>
+
+<file path=ppt/notesSlides/notesSlide14.xml><?xml version="1.0" encoding="utf-8"?>
+<p:notes xmlns:a="http://schemas.openxmlformats.org/drawingml/2006/main" xmlns:r="http://schemas.openxmlformats.org/officeDocument/2006/relationships" xmlns:p="http://schemas.openxmlformats.org/presentationml/2006/main">
+  <p:cSld>
+    <p:spTree>
+      <p:nvGrpSpPr>
+        <p:cNvPr id="1" name=""/>
+        <p:cNvGrpSpPr/>
+        <p:nvPr/>
+      </p:nvGrpSpPr>
+      <p:grpSpPr>
+        <a:xfrm>
+          <a:off x="0" y="0"/>
+          <a:ext cx="0" cy="0"/>
+          <a:chOff x="0" y="0"/>
+          <a:chExt cx="0" cy="0"/>
+        </a:xfrm>
+      </p:grpSpPr>
+      <p:sp>
+        <p:nvSpPr>
+          <p:cNvPr id="2" name="Slide Image Placeholder 1"/>
+          <p:cNvSpPr>
+            <a:spLocks noGrp="1" noRot="1" noChangeAspect="1"/>
+          </p:cNvSpPr>
+          <p:nvPr>
+            <p:ph type="sldImg"/>
+          </p:nvPr>
+        </p:nvSpPr>
+        <p:spPr/>
+      </p:sp>
+      <p:sp>
+        <p:nvSpPr>
+          <p:cNvPr id="3" name="Notes Placeholder 2"/>
+          <p:cNvSpPr>
+            <a:spLocks noGrp="1"/>
+          </p:cNvSpPr>
+          <p:nvPr>
+            <p:ph type="body" idx="1"/>
+          </p:nvPr>
+        </p:nvSpPr>
+        <p:spPr/>
+        <p:txBody>
+          <a:bodyPr>
+            <a:normAutofit/>
+          </a:bodyPr>
+          <a:lstStyle/>
+          <a:p>
+            <a:endParaRPr lang="en-US"/>
+          </a:p>
+        </p:txBody>
+      </p:sp>
+      <p:sp>
+        <p:nvSpPr>
+          <p:cNvPr id="4" name="Slide Number Placeholder 3"/>
+          <p:cNvSpPr>
+            <a:spLocks noGrp="1"/>
+          </p:cNvSpPr>
+          <p:nvPr>
+            <p:ph type="sldNum" sz="quarter" idx="10"/>
+          </p:nvPr>
+        </p:nvSpPr>
+        <p:spPr/>
+        <p:txBody>
+          <a:bodyPr/>
+          <a:lstStyle/>
+          <a:p>
+            <a:fld id="{A02B9F3F-3042-489F-AF35-1A733968F079}" type="slidenum">
+              <a:rPr lang="en-US" smtClean="0"/>
+              <a:pPr/>
+              <a:t>14</a:t>
+            </a:fld>
+            <a:endParaRPr lang="en-US"/>
+          </a:p>
+        </p:txBody>
+      </p:sp>
+    </p:spTree>
+  </p:cSld>
+  <p:clrMapOvr>
+    <a:masterClrMapping/>
+  </p:clrMapOvr>
+</p:notes>
+</file>
+
 <file path=ppt/notesSlides/notesSlide2.xml><?xml version="1.0" encoding="utf-8"?>
 <p:notes xmlns:a="http://schemas.openxmlformats.org/drawingml/2006/main" xmlns:r="http://schemas.openxmlformats.org/officeDocument/2006/relationships" xmlns:p="http://schemas.openxmlformats.org/presentationml/2006/main">
   <p:cSld>
@@ -1475,6 +1891,88 @@
               <a:rPr lang="en-US" smtClean="0"/>
               <a:pPr/>
               <a:t>8</a:t>
+            </a:fld>
+            <a:endParaRPr lang="en-US"/>
+          </a:p>
+        </p:txBody>
+      </p:sp>
+    </p:spTree>
+  </p:cSld>
+  <p:clrMapOvr>
+    <a:masterClrMapping/>
+  </p:clrMapOvr>
+</p:notes>
+</file>
+
+<file path=ppt/notesSlides/notesSlide9.xml><?xml version="1.0" encoding="utf-8"?>
+<p:notes xmlns:a="http://schemas.openxmlformats.org/drawingml/2006/main" xmlns:r="http://schemas.openxmlformats.org/officeDocument/2006/relationships" xmlns:p="http://schemas.openxmlformats.org/presentationml/2006/main">
+  <p:cSld>
+    <p:spTree>
+      <p:nvGrpSpPr>
+        <p:cNvPr id="1" name=""/>
+        <p:cNvGrpSpPr/>
+        <p:nvPr/>
+      </p:nvGrpSpPr>
+      <p:grpSpPr>
+        <a:xfrm>
+          <a:off x="0" y="0"/>
+          <a:ext cx="0" cy="0"/>
+          <a:chOff x="0" y="0"/>
+          <a:chExt cx="0" cy="0"/>
+        </a:xfrm>
+      </p:grpSpPr>
+      <p:sp>
+        <p:nvSpPr>
+          <p:cNvPr id="2" name="Slide Image Placeholder 1"/>
+          <p:cNvSpPr>
+            <a:spLocks noGrp="1" noRot="1" noChangeAspect="1"/>
+          </p:cNvSpPr>
+          <p:nvPr>
+            <p:ph type="sldImg"/>
+          </p:nvPr>
+        </p:nvSpPr>
+        <p:spPr/>
+      </p:sp>
+      <p:sp>
+        <p:nvSpPr>
+          <p:cNvPr id="3" name="Notes Placeholder 2"/>
+          <p:cNvSpPr>
+            <a:spLocks noGrp="1"/>
+          </p:cNvSpPr>
+          <p:nvPr>
+            <p:ph type="body" idx="1"/>
+          </p:nvPr>
+        </p:nvSpPr>
+        <p:spPr/>
+        <p:txBody>
+          <a:bodyPr>
+            <a:normAutofit/>
+          </a:bodyPr>
+          <a:lstStyle/>
+          <a:p>
+            <a:endParaRPr lang="en-US"/>
+          </a:p>
+        </p:txBody>
+      </p:sp>
+      <p:sp>
+        <p:nvSpPr>
+          <p:cNvPr id="4" name="Slide Number Placeholder 3"/>
+          <p:cNvSpPr>
+            <a:spLocks noGrp="1"/>
+          </p:cNvSpPr>
+          <p:nvPr>
+            <p:ph type="sldNum" sz="quarter" idx="10"/>
+          </p:nvPr>
+        </p:nvSpPr>
+        <p:spPr/>
+        <p:txBody>
+          <a:bodyPr/>
+          <a:lstStyle/>
+          <a:p>
+            <a:fld id="{A02B9F3F-3042-489F-AF35-1A733968F079}" type="slidenum">
+              <a:rPr lang="en-US" smtClean="0"/>
+              <a:pPr/>
+              <a:t>9</a:t>
             </a:fld>
             <a:endParaRPr lang="en-US"/>
           </a:p>
@@ -5567,7 +6065,7 @@
 </p:sld>
 </file>
 
-<file path=ppt/slides/slide2.xml><?xml version="1.0" encoding="utf-8"?>
+<file path=ppt/slides/slide10.xml><?xml version="1.0" encoding="utf-8"?>
 <p:sld xmlns:a="http://schemas.openxmlformats.org/drawingml/2006/main" xmlns:r="http://schemas.openxmlformats.org/officeDocument/2006/relationships" xmlns:p="http://schemas.openxmlformats.org/presentationml/2006/main">
   <p:cSld>
     <p:spTree>
@@ -5584,83 +6082,177 @@
           <a:chExt cx="0" cy="0"/>
         </a:xfrm>
       </p:grpSpPr>
-      <p:sp>
-        <p:nvSpPr>
-          <p:cNvPr id="5" name="TextBox 4"/>
-          <p:cNvSpPr txBox="1"/>
-          <p:nvPr/>
-        </p:nvSpPr>
-        <p:spPr>
-          <a:xfrm>
-            <a:off x="531140" y="1844664"/>
-            <a:ext cx="8117560" cy="3139321"/>
-          </a:xfrm>
-          <a:prstGeom prst="rect">
-            <a:avLst/>
-          </a:prstGeom>
-          <a:noFill/>
-        </p:spPr>
-        <p:txBody>
-          <a:bodyPr wrap="square" rtlCol="0">
-            <a:spAutoFit/>
-          </a:bodyPr>
-          <a:lstStyle/>
-          <a:p>
-            <a:pPr algn="l"/>
-            <a:r>
-              <a:rPr lang="en-US" sz="6600" dirty="0" smtClean="0">
-                <a:solidFill>
-                  <a:srgbClr val="000000"/>
-                </a:solidFill>
-                <a:latin typeface="Comic Sans MS" pitchFamily="66" charset="0"/>
-              </a:rPr>
-              <a:t>Use </a:t>
-            </a:r>
-            <a:r>
-              <a:rPr lang="en-US" sz="6600" dirty="0" smtClean="0">
-                <a:solidFill>
-                  <a:srgbClr val="000000"/>
-                </a:solidFill>
-                <a:latin typeface="Comic Sans MS" pitchFamily="66" charset="0"/>
-              </a:rPr>
-              <a:t>an</a:t>
-            </a:r>
-            <a:r>
-              <a:rPr lang="en-US" sz="6600" dirty="0" smtClean="0">
-                <a:solidFill>
-                  <a:srgbClr val="BB0FAB"/>
-                </a:solidFill>
-                <a:latin typeface="Comic Sans MS" pitchFamily="66" charset="0"/>
-              </a:rPr>
-              <a:t> algebra of equivalence</a:t>
-            </a:r>
-            <a:r>
-              <a:rPr lang="en-US" sz="6600" dirty="0" smtClean="0">
-                <a:latin typeface="Comic Sans MS" pitchFamily="66" charset="0"/>
-              </a:rPr>
-              <a:t> to prove</a:t>
-            </a:r>
-          </a:p>
-          <a:p>
-            <a:pPr algn="l"/>
-            <a:r>
-              <a:rPr lang="en-US" sz="6600" dirty="0" smtClean="0">
-                <a:latin typeface="Comic Sans MS" pitchFamily="66" charset="0"/>
-              </a:rPr>
-              <a:t>formulas equivalent</a:t>
-            </a:r>
-            <a:r>
-              <a:rPr lang="en-US" sz="6600" dirty="0" smtClean="0">
-                <a:latin typeface="Comic Sans MS" pitchFamily="66" charset="0"/>
-              </a:rPr>
-              <a:t>.</a:t>
-            </a:r>
-            <a:endParaRPr lang="en-US" sz="6600" dirty="0">
-              <a:latin typeface="Comic Sans MS" pitchFamily="66" charset="0"/>
-            </a:endParaRPr>
-          </a:p>
-        </p:txBody>
-      </p:sp>
+      <p:graphicFrame>
+        <p:nvGraphicFramePr>
+          <p:cNvPr id="24" name="Object 23"/>
+          <p:cNvGraphicFramePr>
+            <a:graphicFrameLocks noChangeAspect="1"/>
+          </p:cNvGraphicFramePr>
+          <p:nvPr>
+            <p:extLst>
+              <p:ext uri="{D42A27DB-BD31-4B8C-83A1-F6EECF244321}">
+                <p14:modId xmlns:p14="http://schemas.microsoft.com/office/powerpoint/2010/main" val="1115113381"/>
+              </p:ext>
+            </p:extLst>
+          </p:nvPr>
+        </p:nvGraphicFramePr>
+        <p:xfrm>
+          <a:off x="1398588" y="4559300"/>
+          <a:ext cx="6484937" cy="1689100"/>
+        </p:xfrm>
+        <a:graphic>
+          <a:graphicData uri="http://schemas.openxmlformats.org/presentationml/2006/ole">
+            <mc:AlternateContent xmlns:mc="http://schemas.openxmlformats.org/markup-compatibility/2006">
+              <mc:Choice xmlns:v="urn:schemas-microsoft-com:vml" Requires="v">
+                <p:oleObj spid="_x0000_s423976" name="Equation" r:id="rId4" imgW="1854200" imgH="482600" progId="Equation.DSMT4">
+                  <p:embed/>
+                </p:oleObj>
+              </mc:Choice>
+              <mc:Fallback>
+                <p:oleObj name="Equation" r:id="rId4" imgW="1854200" imgH="482600" progId="Equation.DSMT4">
+                  <p:embed/>
+                  <p:pic>
+                    <p:nvPicPr>
+                      <p:cNvPr id="0" name=""/>
+                      <p:cNvPicPr/>
+                      <p:nvPr/>
+                    </p:nvPicPr>
+                    <p:blipFill>
+                      <a:blip r:embed="rId5"/>
+                      <a:stretch>
+                        <a:fillRect/>
+                      </a:stretch>
+                    </p:blipFill>
+                    <p:spPr>
+                      <a:xfrm>
+                        <a:off x="1398588" y="4559300"/>
+                        <a:ext cx="6484937" cy="1689100"/>
+                      </a:xfrm>
+                      <a:prstGeom prst="rect">
+                        <a:avLst/>
+                      </a:prstGeom>
+                    </p:spPr>
+                  </p:pic>
+                </p:oleObj>
+              </mc:Fallback>
+            </mc:AlternateContent>
+          </a:graphicData>
+        </a:graphic>
+      </p:graphicFrame>
+      <p:graphicFrame>
+        <p:nvGraphicFramePr>
+          <p:cNvPr id="23" name="Object 22"/>
+          <p:cNvGraphicFramePr>
+            <a:graphicFrameLocks noChangeAspect="1"/>
+          </p:cNvGraphicFramePr>
+          <p:nvPr>
+            <p:extLst>
+              <p:ext uri="{D42A27DB-BD31-4B8C-83A1-F6EECF244321}">
+                <p14:modId xmlns:p14="http://schemas.microsoft.com/office/powerpoint/2010/main" val="1867529253"/>
+              </p:ext>
+            </p:extLst>
+          </p:nvPr>
+        </p:nvGraphicFramePr>
+        <p:xfrm>
+          <a:off x="2108200" y="1206500"/>
+          <a:ext cx="4797425" cy="1689100"/>
+        </p:xfrm>
+        <a:graphic>
+          <a:graphicData uri="http://schemas.openxmlformats.org/presentationml/2006/ole">
+            <mc:AlternateContent xmlns:mc="http://schemas.openxmlformats.org/markup-compatibility/2006">
+              <mc:Choice xmlns:v="urn:schemas-microsoft-com:vml" Requires="v">
+                <p:oleObj spid="_x0000_s423977" name="Equation" r:id="rId6" imgW="1371600" imgH="482600" progId="Equation.DSMT4">
+                  <p:embed/>
+                </p:oleObj>
+              </mc:Choice>
+              <mc:Fallback>
+                <p:oleObj name="Equation" r:id="rId6" imgW="1371600" imgH="482600" progId="Equation.DSMT4">
+                  <p:embed/>
+                  <p:pic>
+                    <p:nvPicPr>
+                      <p:cNvPr id="0" name=""/>
+                      <p:cNvPicPr/>
+                      <p:nvPr/>
+                    </p:nvPicPr>
+                    <p:blipFill>
+                      <a:blip r:embed="rId7"/>
+                      <a:stretch>
+                        <a:fillRect/>
+                      </a:stretch>
+                    </p:blipFill>
+                    <p:spPr>
+                      <a:xfrm>
+                        <a:off x="2108200" y="1206500"/>
+                        <a:ext cx="4797425" cy="1689100"/>
+                      </a:xfrm>
+                      <a:prstGeom prst="rect">
+                        <a:avLst/>
+                      </a:prstGeom>
+                    </p:spPr>
+                  </p:pic>
+                </p:oleObj>
+              </mc:Fallback>
+            </mc:AlternateContent>
+          </a:graphicData>
+        </a:graphic>
+      </p:graphicFrame>
+      <p:graphicFrame>
+        <p:nvGraphicFramePr>
+          <p:cNvPr id="20" name="Object 19"/>
+          <p:cNvGraphicFramePr>
+            <a:graphicFrameLocks noChangeAspect="1"/>
+          </p:cNvGraphicFramePr>
+          <p:nvPr>
+            <p:extLst>
+              <p:ext uri="{D42A27DB-BD31-4B8C-83A1-F6EECF244321}">
+                <p14:modId xmlns:p14="http://schemas.microsoft.com/office/powerpoint/2010/main" val="2898798102"/>
+              </p:ext>
+            </p:extLst>
+          </p:nvPr>
+        </p:nvGraphicFramePr>
+        <p:xfrm>
+          <a:off x="1485900" y="2908300"/>
+          <a:ext cx="6307138" cy="1689100"/>
+        </p:xfrm>
+        <a:graphic>
+          <a:graphicData uri="http://schemas.openxmlformats.org/presentationml/2006/ole">
+            <mc:AlternateContent xmlns:mc="http://schemas.openxmlformats.org/markup-compatibility/2006">
+              <mc:Choice xmlns:v="urn:schemas-microsoft-com:vml" Requires="v">
+                <p:oleObj spid="_x0000_s423978" name="Equation" r:id="rId8" imgW="1803400" imgH="482600" progId="Equation.DSMT4">
+                  <p:embed/>
+                </p:oleObj>
+              </mc:Choice>
+              <mc:Fallback>
+                <p:oleObj name="Equation" r:id="rId8" imgW="1803400" imgH="482600" progId="Equation.DSMT4">
+                  <p:embed/>
+                  <p:pic>
+                    <p:nvPicPr>
+                      <p:cNvPr id="0" name=""/>
+                      <p:cNvPicPr/>
+                      <p:nvPr/>
+                    </p:nvPicPr>
+                    <p:blipFill>
+                      <a:blip r:embed="rId9"/>
+                      <a:stretch>
+                        <a:fillRect/>
+                      </a:stretch>
+                    </p:blipFill>
+                    <p:spPr>
+                      <a:xfrm>
+                        <a:off x="1485900" y="2908300"/>
+                        <a:ext cx="6307138" cy="1689100"/>
+                      </a:xfrm>
+                      <a:prstGeom prst="rect">
+                        <a:avLst/>
+                      </a:prstGeom>
+                    </p:spPr>
+                  </p:pic>
+                </p:oleObj>
+              </mc:Fallback>
+            </mc:AlternateContent>
+          </a:graphicData>
+        </a:graphic>
+      </p:graphicFrame>
       <p:sp>
         <p:nvSpPr>
           <p:cNvPr id="9" name="Title 1"/>
@@ -5673,7 +6265,7 @@
         </p:nvSpPr>
         <p:spPr>
           <a:xfrm>
-            <a:off x="1663700" y="363538"/>
+            <a:off x="1651000" y="363538"/>
             <a:ext cx="6794500" cy="1003300"/>
           </a:xfrm>
         </p:spPr>
@@ -5683,7 +6275,7 @@
           <a:p>
             <a:r>
               <a:rPr lang="en-US" sz="4000" dirty="0" smtClean="0"/>
-              <a:t>Proving Equivalence</a:t>
+              <a:t>Algebra for Equivalence</a:t>
             </a:r>
             <a:endParaRPr lang="en-US" sz="4000" dirty="0"/>
           </a:p>
@@ -5716,150 +6308,299 @@
             <a:fld id="{3251DA95-B240-47FE-901D-B78FC8E8E532}" type="slidenum">
               <a:rPr lang="en-US" smtClean="0"/>
               <a:pPr/>
-              <a:t>2</a:t>
+              <a:t>10</a:t>
             </a:fld>
             <a:endParaRPr lang="en-US" dirty="0"/>
           </a:p>
         </p:txBody>
       </p:sp>
-    </p:spTree>
-  </p:cSld>
-  <p:clrMapOvr>
-    <a:masterClrMapping/>
-  </p:clrMapOvr>
-  <p:transition xmlns:p14="http://schemas.microsoft.com/office/powerpoint/2010/main" spd="slow" advClick="0">
-    <p:fade/>
-  </p:transition>
-  <p:timing>
-    <p:tnLst>
-      <p:par>
-        <p:cTn xmlns:p14="http://schemas.microsoft.com/office/powerpoint/2010/main" id="1" dur="indefinite" restart="never" nodeType="tmRoot"/>
-      </p:par>
-    </p:tnLst>
-  </p:timing>
-</p:sld>
-</file>
-
-<file path=ppt/slides/slide3.xml><?xml version="1.0" encoding="utf-8"?>
-<p:sld xmlns:a="http://schemas.openxmlformats.org/drawingml/2006/main" xmlns:r="http://schemas.openxmlformats.org/officeDocument/2006/relationships" xmlns:p="http://schemas.openxmlformats.org/presentationml/2006/main" show="0">
-  <p:cSld>
-    <p:spTree>
-      <p:nvGrpSpPr>
-        <p:cNvPr id="1" name=""/>
-        <p:cNvGrpSpPr/>
-        <p:nvPr/>
-      </p:nvGrpSpPr>
-      <p:grpSpPr>
-        <a:xfrm>
-          <a:off x="0" y="0"/>
-          <a:ext cx="0" cy="0"/>
-          <a:chOff x="0" y="0"/>
-          <a:chExt cx="0" cy="0"/>
-        </a:xfrm>
-      </p:grpSpPr>
-      <p:sp>
-        <p:nvSpPr>
-          <p:cNvPr id="5" name="TextBox 4"/>
-          <p:cNvSpPr txBox="1"/>
+      <p:grpSp>
+        <p:nvGrpSpPr>
+          <p:cNvPr id="3" name="Group 2"/>
+          <p:cNvGrpSpPr/>
           <p:nvPr/>
-        </p:nvSpPr>
-        <p:spPr>
+        </p:nvGrpSpPr>
+        <p:grpSpPr>
           <a:xfrm>
-            <a:off x="124740" y="1717665"/>
-            <a:ext cx="8985240" cy="4247317"/>
+            <a:off x="2247900" y="2540000"/>
+            <a:ext cx="3759199" cy="901700"/>
+            <a:chOff x="2247900" y="2540000"/>
+            <a:chExt cx="3759199" cy="901700"/>
           </a:xfrm>
-          <a:prstGeom prst="rect">
+        </p:grpSpPr>
+        <p:sp>
+          <p:nvSpPr>
+            <p:cNvPr id="18" name="TextBox 17"/>
+            <p:cNvSpPr txBox="1"/>
+            <p:nvPr/>
+          </p:nvSpPr>
+          <p:spPr>
+            <a:xfrm>
+              <a:off x="2247900" y="2598003"/>
+              <a:ext cx="3171962" cy="830997"/>
+            </a:xfrm>
+            <a:prstGeom prst="rect">
+              <a:avLst/>
+            </a:prstGeom>
+            <a:noFill/>
+          </p:spPr>
+          <p:txBody>
+            <a:bodyPr wrap="none" rtlCol="0">
+              <a:spAutoFit/>
+            </a:bodyPr>
+            <a:lstStyle/>
+            <a:p>
+              <a:pPr algn="l"/>
+              <a:r>
+                <a:rPr lang="en-US" sz="4800" dirty="0" smtClean="0">
+                  <a:solidFill>
+                    <a:srgbClr val="FF03E3"/>
+                  </a:solidFill>
+                  <a:latin typeface="Comic Sans MS" pitchFamily="66" charset="0"/>
+                </a:rPr>
+                <a:t>Distribute </a:t>
+              </a:r>
+              <a:endParaRPr lang="en-US" sz="4800" dirty="0" smtClean="0">
+                <a:latin typeface="Comic Sans MS" pitchFamily="66" charset="0"/>
+              </a:endParaRPr>
+            </a:p>
+          </p:txBody>
+        </p:sp>
+        <p:graphicFrame>
+          <p:nvGraphicFramePr>
+            <p:cNvPr id="2" name="Object 1"/>
+            <p:cNvGraphicFramePr>
+              <a:graphicFrameLocks noChangeAspect="1"/>
+            </p:cNvGraphicFramePr>
+            <p:nvPr>
+              <p:extLst>
+                <p:ext uri="{D42A27DB-BD31-4B8C-83A1-F6EECF244321}">
+                  <p14:modId xmlns:p14="http://schemas.microsoft.com/office/powerpoint/2010/main" val="2744847856"/>
+                </p:ext>
+              </p:extLst>
+            </p:nvPr>
+          </p:nvGraphicFramePr>
+          <p:xfrm>
+            <a:off x="5423646" y="2540000"/>
+            <a:ext cx="583453" cy="901700"/>
+          </p:xfrm>
+          <a:graphic>
+            <a:graphicData uri="http://schemas.openxmlformats.org/presentationml/2006/ole">
+              <mc:AlternateContent xmlns:mc="http://schemas.openxmlformats.org/markup-compatibility/2006">
+                <mc:Choice xmlns:v="urn:schemas-microsoft-com:vml" Requires="v">
+                  <p:oleObj spid="_x0000_s423979" name="Equation" r:id="rId10" imgW="139700" imgH="215900" progId="Equation.DSMT4">
+                    <p:embed/>
+                  </p:oleObj>
+                </mc:Choice>
+                <mc:Fallback>
+                  <p:oleObj name="Equation" r:id="rId10" imgW="139700" imgH="215900" progId="Equation.DSMT4">
+                    <p:embed/>
+                    <p:pic>
+                      <p:nvPicPr>
+                        <p:cNvPr id="0" name=""/>
+                        <p:cNvPicPr/>
+                        <p:nvPr/>
+                      </p:nvPicPr>
+                      <p:blipFill>
+                        <a:blip r:embed="rId11"/>
+                        <a:stretch>
+                          <a:fillRect/>
+                        </a:stretch>
+                      </p:blipFill>
+                      <p:spPr>
+                        <a:xfrm>
+                          <a:off x="5423646" y="2540000"/>
+                          <a:ext cx="583453" cy="901700"/>
+                        </a:xfrm>
+                        <a:prstGeom prst="rect">
+                          <a:avLst/>
+                        </a:prstGeom>
+                      </p:spPr>
+                    </p:pic>
+                  </p:oleObj>
+                </mc:Fallback>
+              </mc:AlternateContent>
+            </a:graphicData>
+          </a:graphic>
+        </p:graphicFrame>
+      </p:grpSp>
+      <p:grpSp>
+        <p:nvGrpSpPr>
+          <p:cNvPr id="6" name="Group 5"/>
+          <p:cNvGrpSpPr/>
+          <p:nvPr/>
+        </p:nvGrpSpPr>
+        <p:grpSpPr>
+          <a:xfrm>
+            <a:off x="2286000" y="4399189"/>
+            <a:ext cx="3803650" cy="922111"/>
+            <a:chOff x="1054100" y="4361089"/>
+            <a:chExt cx="3803650" cy="922111"/>
+          </a:xfrm>
+        </p:grpSpPr>
+        <p:sp>
+          <p:nvSpPr>
+            <p:cNvPr id="21" name="TextBox 20"/>
+            <p:cNvSpPr txBox="1"/>
+            <p:nvPr/>
+          </p:nvSpPr>
+          <p:spPr>
+            <a:xfrm>
+              <a:off x="1054100" y="4401403"/>
+              <a:ext cx="3171962" cy="830997"/>
+            </a:xfrm>
+            <a:prstGeom prst="rect">
+              <a:avLst/>
+            </a:prstGeom>
+            <a:noFill/>
+          </p:spPr>
+          <p:txBody>
+            <a:bodyPr wrap="none" rtlCol="0">
+              <a:spAutoFit/>
+            </a:bodyPr>
+            <a:lstStyle/>
+            <a:p>
+              <a:pPr algn="l"/>
+              <a:r>
+                <a:rPr lang="en-US" sz="4800" dirty="0" smtClean="0">
+                  <a:solidFill>
+                    <a:srgbClr val="FF03E3"/>
+                  </a:solidFill>
+                  <a:latin typeface="Comic Sans MS" pitchFamily="66" charset="0"/>
+                </a:rPr>
+                <a:t>Distribute</a:t>
+              </a:r>
+              <a:endParaRPr lang="en-US" sz="4800" dirty="0" smtClean="0">
+                <a:latin typeface="Comic Sans MS" pitchFamily="66" charset="0"/>
+              </a:endParaRPr>
+            </a:p>
+          </p:txBody>
+        </p:sp>
+        <p:graphicFrame>
+          <p:nvGraphicFramePr>
+            <p:cNvPr id="5" name="Object 4"/>
+            <p:cNvGraphicFramePr>
+              <a:graphicFrameLocks noChangeAspect="1"/>
+            </p:cNvGraphicFramePr>
+            <p:nvPr>
+              <p:extLst>
+                <p:ext uri="{D42A27DB-BD31-4B8C-83A1-F6EECF244321}">
+                  <p14:modId xmlns:p14="http://schemas.microsoft.com/office/powerpoint/2010/main" val="1633955392"/>
+                </p:ext>
+              </p:extLst>
+            </p:nvPr>
+          </p:nvGraphicFramePr>
+          <p:xfrm>
+            <a:off x="4178300" y="4361089"/>
+            <a:ext cx="679450" cy="922111"/>
+          </p:xfrm>
+          <a:graphic>
+            <a:graphicData uri="http://schemas.openxmlformats.org/presentationml/2006/ole">
+              <mc:AlternateContent xmlns:mc="http://schemas.openxmlformats.org/markup-compatibility/2006">
+                <mc:Choice xmlns:v="urn:schemas-microsoft-com:vml" Requires="v">
+                  <p:oleObj spid="_x0000_s423980" name="Equation" r:id="rId12" imgW="177800" imgH="241300" progId="Equation.DSMT4">
+                    <p:embed/>
+                  </p:oleObj>
+                </mc:Choice>
+                <mc:Fallback>
+                  <p:oleObj name="Equation" r:id="rId12" imgW="177800" imgH="241300" progId="Equation.DSMT4">
+                    <p:embed/>
+                    <p:pic>
+                      <p:nvPicPr>
+                        <p:cNvPr id="0" name=""/>
+                        <p:cNvPicPr/>
+                        <p:nvPr/>
+                      </p:nvPicPr>
+                      <p:blipFill>
+                        <a:blip r:embed="rId13"/>
+                        <a:stretch>
+                          <a:fillRect/>
+                        </a:stretch>
+                      </p:blipFill>
+                      <p:spPr>
+                        <a:xfrm>
+                          <a:off x="4178300" y="4361089"/>
+                          <a:ext cx="679450" cy="922111"/>
+                        </a:xfrm>
+                        <a:prstGeom prst="rect">
+                          <a:avLst/>
+                        </a:prstGeom>
+                      </p:spPr>
+                    </p:pic>
+                  </p:oleObj>
+                </mc:Fallback>
+              </mc:AlternateContent>
+            </a:graphicData>
+          </a:graphic>
+        </p:graphicFrame>
+      </p:grpSp>
+      <p:sp>
+        <p:nvSpPr>
+          <p:cNvPr id="25" name="Rounded Rectangle 24"/>
+          <p:cNvSpPr/>
+          <p:nvPr/>
+        </p:nvSpPr>
+        <p:spPr bwMode="auto">
+          <a:xfrm>
+            <a:off x="965200" y="4533900"/>
+            <a:ext cx="7289800" cy="1879600"/>
+          </a:xfrm>
+          <a:prstGeom prst="roundRect">
             <a:avLst/>
           </a:prstGeom>
           <a:noFill/>
+          <a:ln w="41275" cap="flat" cmpd="sng" algn="ctr">
+            <a:solidFill>
+              <a:srgbClr val="FF03E3"/>
+            </a:solidFill>
+            <a:prstDash val="sysDash"/>
+            <a:round/>
+            <a:headEnd type="none" w="med" len="med"/>
+            <a:tailEnd type="none" w="med" len="med"/>
+          </a:ln>
+          <a:effectLst/>
         </p:spPr>
         <p:txBody>
-          <a:bodyPr wrap="square" rtlCol="0">
-            <a:spAutoFit/>
+          <a:bodyPr vert="horz" wrap="none" lIns="91440" tIns="45720" rIns="91440" bIns="45720" numCol="1" rtlCol="0" anchor="ctr" anchorCtr="0" compatLnSpc="1">
+            <a:prstTxWarp prst="textNoShape">
+              <a:avLst/>
+            </a:prstTxWarp>
           </a:bodyPr>
           <a:lstStyle/>
           <a:p>
-            <a:pPr algn="l"/>
-            <a:r>
-              <a:rPr lang="en-US" sz="5400" dirty="0" smtClean="0">
-                <a:latin typeface="Comic Sans MS" pitchFamily="66" charset="0"/>
-              </a:rPr>
-              <a:t>The text describes a bunch of algebraic rules to prove that propositional formulas are equivalent</a:t>
-            </a:r>
-          </a:p>
-          <a:p>
-            <a:pPr algn="l"/>
-            <a:endParaRPr lang="en-US" sz="5400" dirty="0">
-              <a:latin typeface="Comic Sans MS" pitchFamily="66" charset="0"/>
+            <a:pPr marL="0" marR="0" indent="0" algn="ctr" defTabSz="914400" rtl="0" eaLnBrk="1" fontAlgn="base" latinLnBrk="0" hangingPunct="1">
+              <a:lnSpc>
+                <a:spcPct val="100000"/>
+              </a:lnSpc>
+              <a:spcBef>
+                <a:spcPct val="0"/>
+              </a:spcBef>
+              <a:spcAft>
+                <a:spcPct val="0"/>
+              </a:spcAft>
+              <a:buClrTx/>
+              <a:buSzTx/>
+              <a:buFontTx/>
+              <a:buNone/>
+              <a:tabLst/>
+            </a:pPr>
+            <a:endParaRPr kumimoji="0" lang="en-US" sz="3200" b="0" i="0" u="none" strike="noStrike" cap="none" normalizeH="0" baseline="0" smtClean="0">
+              <a:ln>
+                <a:noFill/>
+              </a:ln>
+              <a:solidFill>
+                <a:schemeClr val="tx1"/>
+              </a:solidFill>
+              <a:effectLst/>
+              <a:latin typeface="Times New Roman" pitchFamily="18" charset="0"/>
             </a:endParaRPr>
-          </a:p>
-        </p:txBody>
-      </p:sp>
-      <p:sp>
-        <p:nvSpPr>
-          <p:cNvPr id="9" name="Title 1"/>
-          <p:cNvSpPr>
-            <a:spLocks noGrp="1"/>
-          </p:cNvSpPr>
-          <p:nvPr>
-            <p:ph type="title"/>
-          </p:nvPr>
-        </p:nvSpPr>
-        <p:spPr>
-          <a:xfrm>
-            <a:off x="1651000" y="363538"/>
-            <a:ext cx="6794500" cy="1003300"/>
-          </a:xfrm>
-        </p:spPr>
-        <p:txBody>
-          <a:bodyPr/>
-          <a:lstStyle/>
-          <a:p>
-            <a:r>
-              <a:rPr lang="en-US" sz="4000" dirty="0" smtClean="0"/>
-              <a:t>Proving Validity</a:t>
-            </a:r>
-            <a:endParaRPr lang="en-US" sz="4000" dirty="0"/>
-          </a:p>
-        </p:txBody>
-      </p:sp>
-      <p:sp>
-        <p:nvSpPr>
-          <p:cNvPr id="4" name="Slide Number Placeholder 2"/>
-          <p:cNvSpPr>
-            <a:spLocks noGrp="1"/>
-          </p:cNvSpPr>
-          <p:nvPr>
-            <p:ph type="sldNum" sz="quarter" idx="10"/>
-          </p:nvPr>
-        </p:nvSpPr>
-        <p:spPr>
-          <a:xfrm>
-            <a:off x="7333815" y="6553200"/>
-            <a:ext cx="1810186" cy="276999"/>
-          </a:xfrm>
-        </p:spPr>
-        <p:txBody>
-          <a:bodyPr/>
-          <a:lstStyle/>
-          <a:p>
-            <a:r>
-              <a:rPr lang="en-US" dirty="0" smtClean="0"/>
-              <a:t>propositional algebra.</a:t>
-            </a:r>
-            <a:fld id="{3251DA95-B240-47FE-901D-B78FC8E8E532}" type="slidenum">
-              <a:rPr lang="en-US" smtClean="0"/>
-              <a:pPr/>
-              <a:t>3</a:t>
-            </a:fld>
-            <a:endParaRPr lang="en-US" dirty="0"/>
           </a:p>
         </p:txBody>
       </p:sp>
     </p:spTree>
     <p:extLst>
       <p:ext uri="{BB962C8B-B14F-4D97-AF65-F5344CB8AC3E}">
-        <p14:creationId xmlns:p14="http://schemas.microsoft.com/office/powerpoint/2010/main" val="2402037063"/>
+        <p14:creationId xmlns:p14="http://schemas.microsoft.com/office/powerpoint/2010/main" val="4280191596"/>
       </p:ext>
     </p:extLst>
   </p:cSld>
@@ -5872,14 +6613,459 @@
   <p:timing>
     <p:tnLst>
       <p:par>
-        <p:cTn xmlns:p14="http://schemas.microsoft.com/office/powerpoint/2010/main" id="1" dur="indefinite" restart="never" nodeType="tmRoot"/>
+        <p:cTn xmlns:p14="http://schemas.microsoft.com/office/powerpoint/2010/main" id="1" dur="indefinite" restart="never" nodeType="tmRoot">
+          <p:childTnLst>
+            <p:seq concurrent="1" nextAc="seek">
+              <p:cTn id="2" dur="indefinite" nodeType="mainSeq">
+                <p:childTnLst>
+                  <p:par>
+                    <p:cTn id="3" fill="hold">
+                      <p:stCondLst>
+                        <p:cond delay="indefinite"/>
+                      </p:stCondLst>
+                      <p:childTnLst>
+                        <p:par>
+                          <p:cTn id="4" fill="hold">
+                            <p:stCondLst>
+                              <p:cond delay="0"/>
+                            </p:stCondLst>
+                            <p:childTnLst>
+                              <p:par>
+                                <p:cTn id="5" presetID="10" presetClass="entr" presetSubtype="0" fill="hold" nodeType="clickEffect">
+                                  <p:stCondLst>
+                                    <p:cond delay="0"/>
+                                  </p:stCondLst>
+                                  <p:childTnLst>
+                                    <p:set>
+                                      <p:cBhvr>
+                                        <p:cTn id="6" dur="1" fill="hold">
+                                          <p:stCondLst>
+                                            <p:cond delay="0"/>
+                                          </p:stCondLst>
+                                        </p:cTn>
+                                        <p:tgtEl>
+                                          <p:spTgt spid="3"/>
+                                        </p:tgtEl>
+                                        <p:attrNameLst>
+                                          <p:attrName>style.visibility</p:attrName>
+                                        </p:attrNameLst>
+                                      </p:cBhvr>
+                                      <p:to>
+                                        <p:strVal val="visible"/>
+                                      </p:to>
+                                    </p:set>
+                                    <p:animEffect transition="in" filter="fade">
+                                      <p:cBhvr>
+                                        <p:cTn id="7" dur="500"/>
+                                        <p:tgtEl>
+                                          <p:spTgt spid="3"/>
+                                        </p:tgtEl>
+                                      </p:cBhvr>
+                                    </p:animEffect>
+                                  </p:childTnLst>
+                                </p:cTn>
+                              </p:par>
+                            </p:childTnLst>
+                          </p:cTn>
+                        </p:par>
+                      </p:childTnLst>
+                    </p:cTn>
+                  </p:par>
+                  <p:par>
+                    <p:cTn id="8" fill="hold">
+                      <p:stCondLst>
+                        <p:cond delay="indefinite"/>
+                      </p:stCondLst>
+                      <p:childTnLst>
+                        <p:par>
+                          <p:cTn id="9" fill="hold">
+                            <p:stCondLst>
+                              <p:cond delay="0"/>
+                            </p:stCondLst>
+                            <p:childTnLst>
+                              <p:par>
+                                <p:cTn id="10" presetID="10" presetClass="entr" presetSubtype="0" fill="hold" nodeType="clickEffect">
+                                  <p:stCondLst>
+                                    <p:cond delay="0"/>
+                                  </p:stCondLst>
+                                  <p:childTnLst>
+                                    <p:set>
+                                      <p:cBhvr>
+                                        <p:cTn id="11" dur="1" fill="hold">
+                                          <p:stCondLst>
+                                            <p:cond delay="0"/>
+                                          </p:stCondLst>
+                                        </p:cTn>
+                                        <p:tgtEl>
+                                          <p:spTgt spid="20"/>
+                                        </p:tgtEl>
+                                        <p:attrNameLst>
+                                          <p:attrName>style.visibility</p:attrName>
+                                        </p:attrNameLst>
+                                      </p:cBhvr>
+                                      <p:to>
+                                        <p:strVal val="visible"/>
+                                      </p:to>
+                                    </p:set>
+                                    <p:animEffect transition="in" filter="fade">
+                                      <p:cBhvr>
+                                        <p:cTn id="12" dur="1000"/>
+                                        <p:tgtEl>
+                                          <p:spTgt spid="20"/>
+                                        </p:tgtEl>
+                                      </p:cBhvr>
+                                    </p:animEffect>
+                                  </p:childTnLst>
+                                </p:cTn>
+                              </p:par>
+                              <p:par>
+                                <p:cTn id="13" presetID="9" presetClass="exit" presetSubtype="0" fill="hold" nodeType="withEffect">
+                                  <p:stCondLst>
+                                    <p:cond delay="0"/>
+                                  </p:stCondLst>
+                                  <p:childTnLst>
+                                    <p:animEffect transition="out" filter="dissolve">
+                                      <p:cBhvr>
+                                        <p:cTn id="14" dur="500"/>
+                                        <p:tgtEl>
+                                          <p:spTgt spid="3"/>
+                                        </p:tgtEl>
+                                      </p:cBhvr>
+                                    </p:animEffect>
+                                    <p:set>
+                                      <p:cBhvr>
+                                        <p:cTn id="15" dur="1" fill="hold">
+                                          <p:stCondLst>
+                                            <p:cond delay="499"/>
+                                          </p:stCondLst>
+                                        </p:cTn>
+                                        <p:tgtEl>
+                                          <p:spTgt spid="3"/>
+                                        </p:tgtEl>
+                                        <p:attrNameLst>
+                                          <p:attrName>style.visibility</p:attrName>
+                                        </p:attrNameLst>
+                                      </p:cBhvr>
+                                      <p:to>
+                                        <p:strVal val="hidden"/>
+                                      </p:to>
+                                    </p:set>
+                                  </p:childTnLst>
+                                </p:cTn>
+                              </p:par>
+                            </p:childTnLst>
+                          </p:cTn>
+                        </p:par>
+                      </p:childTnLst>
+                    </p:cTn>
+                  </p:par>
+                  <p:par>
+                    <p:cTn id="16" fill="hold">
+                      <p:stCondLst>
+                        <p:cond delay="indefinite"/>
+                      </p:stCondLst>
+                      <p:childTnLst>
+                        <p:par>
+                          <p:cTn id="17" fill="hold">
+                            <p:stCondLst>
+                              <p:cond delay="0"/>
+                            </p:stCondLst>
+                            <p:childTnLst>
+                              <p:par>
+                                <p:cTn id="18" presetID="10" presetClass="entr" presetSubtype="0" fill="hold" nodeType="clickEffect">
+                                  <p:stCondLst>
+                                    <p:cond delay="0"/>
+                                  </p:stCondLst>
+                                  <p:childTnLst>
+                                    <p:set>
+                                      <p:cBhvr>
+                                        <p:cTn id="19" dur="1" fill="hold">
+                                          <p:stCondLst>
+                                            <p:cond delay="0"/>
+                                          </p:stCondLst>
+                                        </p:cTn>
+                                        <p:tgtEl>
+                                          <p:spTgt spid="6"/>
+                                        </p:tgtEl>
+                                        <p:attrNameLst>
+                                          <p:attrName>style.visibility</p:attrName>
+                                        </p:attrNameLst>
+                                      </p:cBhvr>
+                                      <p:to>
+                                        <p:strVal val="visible"/>
+                                      </p:to>
+                                    </p:set>
+                                    <p:animEffect transition="in" filter="fade">
+                                      <p:cBhvr>
+                                        <p:cTn id="20" dur="1000"/>
+                                        <p:tgtEl>
+                                          <p:spTgt spid="6"/>
+                                        </p:tgtEl>
+                                      </p:cBhvr>
+                                    </p:animEffect>
+                                  </p:childTnLst>
+                                </p:cTn>
+                              </p:par>
+                            </p:childTnLst>
+                          </p:cTn>
+                        </p:par>
+                      </p:childTnLst>
+                    </p:cTn>
+                  </p:par>
+                  <p:par>
+                    <p:cTn id="21" fill="hold">
+                      <p:stCondLst>
+                        <p:cond delay="indefinite"/>
+                      </p:stCondLst>
+                      <p:childTnLst>
+                        <p:par>
+                          <p:cTn id="22" fill="hold">
+                            <p:stCondLst>
+                              <p:cond delay="0"/>
+                            </p:stCondLst>
+                            <p:childTnLst>
+                              <p:par>
+                                <p:cTn id="23" presetID="10" presetClass="entr" presetSubtype="0" fill="hold" nodeType="clickEffect">
+                                  <p:stCondLst>
+                                    <p:cond delay="0"/>
+                                  </p:stCondLst>
+                                  <p:childTnLst>
+                                    <p:set>
+                                      <p:cBhvr>
+                                        <p:cTn id="24" dur="1" fill="hold">
+                                          <p:stCondLst>
+                                            <p:cond delay="0"/>
+                                          </p:stCondLst>
+                                        </p:cTn>
+                                        <p:tgtEl>
+                                          <p:spTgt spid="24"/>
+                                        </p:tgtEl>
+                                        <p:attrNameLst>
+                                          <p:attrName>style.visibility</p:attrName>
+                                        </p:attrNameLst>
+                                      </p:cBhvr>
+                                      <p:to>
+                                        <p:strVal val="visible"/>
+                                      </p:to>
+                                    </p:set>
+                                    <p:animEffect transition="in" filter="fade">
+                                      <p:cBhvr>
+                                        <p:cTn id="25" dur="500"/>
+                                        <p:tgtEl>
+                                          <p:spTgt spid="24"/>
+                                        </p:tgtEl>
+                                      </p:cBhvr>
+                                    </p:animEffect>
+                                  </p:childTnLst>
+                                </p:cTn>
+                              </p:par>
+                              <p:par>
+                                <p:cTn id="26" presetID="9" presetClass="exit" presetSubtype="0" fill="hold" nodeType="withEffect">
+                                  <p:stCondLst>
+                                    <p:cond delay="0"/>
+                                  </p:stCondLst>
+                                  <p:childTnLst>
+                                    <p:animEffect transition="out" filter="dissolve">
+                                      <p:cBhvr>
+                                        <p:cTn id="27" dur="500"/>
+                                        <p:tgtEl>
+                                          <p:spTgt spid="6"/>
+                                        </p:tgtEl>
+                                      </p:cBhvr>
+                                    </p:animEffect>
+                                    <p:set>
+                                      <p:cBhvr>
+                                        <p:cTn id="28" dur="1" fill="hold">
+                                          <p:stCondLst>
+                                            <p:cond delay="499"/>
+                                          </p:stCondLst>
+                                        </p:cTn>
+                                        <p:tgtEl>
+                                          <p:spTgt spid="6"/>
+                                        </p:tgtEl>
+                                        <p:attrNameLst>
+                                          <p:attrName>style.visibility</p:attrName>
+                                        </p:attrNameLst>
+                                      </p:cBhvr>
+                                      <p:to>
+                                        <p:strVal val="hidden"/>
+                                      </p:to>
+                                    </p:set>
+                                  </p:childTnLst>
+                                </p:cTn>
+                              </p:par>
+                            </p:childTnLst>
+                          </p:cTn>
+                        </p:par>
+                      </p:childTnLst>
+                    </p:cTn>
+                  </p:par>
+                  <p:par>
+                    <p:cTn id="29" fill="hold">
+                      <p:stCondLst>
+                        <p:cond delay="indefinite"/>
+                      </p:stCondLst>
+                      <p:childTnLst>
+                        <p:par>
+                          <p:cTn id="30" fill="hold">
+                            <p:stCondLst>
+                              <p:cond delay="0"/>
+                            </p:stCondLst>
+                            <p:childTnLst>
+                              <p:par>
+                                <p:cTn id="31" presetID="15" presetClass="entr" presetSubtype="0" fill="hold" grpId="0" nodeType="clickEffect">
+                                  <p:stCondLst>
+                                    <p:cond delay="0"/>
+                                  </p:stCondLst>
+                                  <p:childTnLst>
+                                    <p:set>
+                                      <p:cBhvr>
+                                        <p:cTn id="32" dur="1" fill="hold">
+                                          <p:stCondLst>
+                                            <p:cond delay="0"/>
+                                          </p:stCondLst>
+                                        </p:cTn>
+                                        <p:tgtEl>
+                                          <p:spTgt spid="25"/>
+                                        </p:tgtEl>
+                                        <p:attrNameLst>
+                                          <p:attrName>style.visibility</p:attrName>
+                                        </p:attrNameLst>
+                                      </p:cBhvr>
+                                      <p:to>
+                                        <p:strVal val="visible"/>
+                                      </p:to>
+                                    </p:set>
+                                    <p:anim calcmode="lin" valueType="num">
+                                      <p:cBhvr>
+                                        <p:cTn id="33" dur="1000" fill="hold"/>
+                                        <p:tgtEl>
+                                          <p:spTgt spid="25"/>
+                                        </p:tgtEl>
+                                        <p:attrNameLst>
+                                          <p:attrName>ppt_w</p:attrName>
+                                        </p:attrNameLst>
+                                      </p:cBhvr>
+                                      <p:tavLst>
+                                        <p:tav tm="0">
+                                          <p:val>
+                                            <p:fltVal val="0"/>
+                                          </p:val>
+                                        </p:tav>
+                                        <p:tav tm="100000">
+                                          <p:val>
+                                            <p:strVal val="#ppt_w"/>
+                                          </p:val>
+                                        </p:tav>
+                                      </p:tavLst>
+                                    </p:anim>
+                                    <p:anim calcmode="lin" valueType="num">
+                                      <p:cBhvr>
+                                        <p:cTn id="34" dur="1000" fill="hold"/>
+                                        <p:tgtEl>
+                                          <p:spTgt spid="25"/>
+                                        </p:tgtEl>
+                                        <p:attrNameLst>
+                                          <p:attrName>ppt_h</p:attrName>
+                                        </p:attrNameLst>
+                                      </p:cBhvr>
+                                      <p:tavLst>
+                                        <p:tav tm="0">
+                                          <p:val>
+                                            <p:fltVal val="0"/>
+                                          </p:val>
+                                        </p:tav>
+                                        <p:tav tm="100000">
+                                          <p:val>
+                                            <p:strVal val="#ppt_h"/>
+                                          </p:val>
+                                        </p:tav>
+                                      </p:tavLst>
+                                    </p:anim>
+                                    <p:anim calcmode="lin" valueType="num">
+                                      <p:cBhvr>
+                                        <p:cTn id="35" dur="1000" fill="hold"/>
+                                        <p:tgtEl>
+                                          <p:spTgt spid="25"/>
+                                        </p:tgtEl>
+                                        <p:attrNameLst>
+                                          <p:attrName>ppt_x</p:attrName>
+                                        </p:attrNameLst>
+                                      </p:cBhvr>
+                                      <p:tavLst>
+                                        <p:tav tm="0" fmla="#ppt_x+(cos(-2*pi*(1-$))*-#ppt_x-sin(-2*pi*(1-$))*(1-#ppt_y))*(1-$)">
+                                          <p:val>
+                                            <p:fltVal val="0"/>
+                                          </p:val>
+                                        </p:tav>
+                                        <p:tav tm="100000">
+                                          <p:val>
+                                            <p:fltVal val="1"/>
+                                          </p:val>
+                                        </p:tav>
+                                      </p:tavLst>
+                                    </p:anim>
+                                    <p:anim calcmode="lin" valueType="num">
+                                      <p:cBhvr>
+                                        <p:cTn id="36" dur="1000" fill="hold"/>
+                                        <p:tgtEl>
+                                          <p:spTgt spid="25"/>
+                                        </p:tgtEl>
+                                        <p:attrNameLst>
+                                          <p:attrName>ppt_y</p:attrName>
+                                        </p:attrNameLst>
+                                      </p:cBhvr>
+                                      <p:tavLst>
+                                        <p:tav tm="0" fmla="#ppt_y+(sin(-2*pi*(1-$))*-#ppt_x+cos(-2*pi*(1-$))*(1-#ppt_y))*(1-$)">
+                                          <p:val>
+                                            <p:fltVal val="0"/>
+                                          </p:val>
+                                        </p:tav>
+                                        <p:tav tm="100000">
+                                          <p:val>
+                                            <p:fltVal val="1"/>
+                                          </p:val>
+                                        </p:tav>
+                                      </p:tavLst>
+                                    </p:anim>
+                                  </p:childTnLst>
+                                </p:cTn>
+                              </p:par>
+                            </p:childTnLst>
+                          </p:cTn>
+                        </p:par>
+                      </p:childTnLst>
+                    </p:cTn>
+                  </p:par>
+                </p:childTnLst>
+              </p:cTn>
+              <p:prevCondLst>
+                <p:cond evt="onPrev" delay="0">
+                  <p:tgtEl>
+                    <p:sldTgt/>
+                  </p:tgtEl>
+                </p:cond>
+              </p:prevCondLst>
+              <p:nextCondLst>
+                <p:cond evt="onNext" delay="0">
+                  <p:tgtEl>
+                    <p:sldTgt/>
+                  </p:tgtEl>
+                </p:cond>
+              </p:nextCondLst>
+            </p:seq>
+          </p:childTnLst>
+        </p:cTn>
       </p:par>
     </p:tnLst>
+    <p:bldLst>
+      <p:bldP spid="25" grpId="0" animBg="1"/>
+    </p:bldLst>
   </p:timing>
 </p:sld>
 </file>
 
-<file path=ppt/slides/slide4.xml><?xml version="1.0" encoding="utf-8"?>
+<file path=ppt/slides/slide11.xml><?xml version="1.0" encoding="utf-8"?>
 <p:sld xmlns:a="http://schemas.openxmlformats.org/drawingml/2006/main" xmlns:r="http://schemas.openxmlformats.org/officeDocument/2006/relationships" xmlns:p="http://schemas.openxmlformats.org/presentationml/2006/main">
   <p:cSld>
     <p:spTree>
@@ -5904,8 +7090,8 @@
         </p:nvSpPr>
         <p:spPr>
           <a:xfrm>
-            <a:off x="455613" y="1270000"/>
-            <a:ext cx="8267700" cy="939800"/>
+            <a:off x="2092783" y="1320800"/>
+            <a:ext cx="4993817" cy="939800"/>
           </a:xfrm>
           <a:prstGeom prst="rect">
             <a:avLst/>
@@ -5922,57 +7108,15 @@
             <a:r>
               <a:rPr lang="en-US" sz="5400" dirty="0" smtClean="0">
                 <a:solidFill>
-                  <a:schemeClr val="accent1">
-                    <a:lumMod val="50000"/>
-                  </a:schemeClr>
-                </a:solidFill>
-                <a:latin typeface="Comic Sans MS" pitchFamily="66" charset="0"/>
-              </a:rPr>
-              <a:t>Rules </a:t>
-            </a:r>
-            <a:r>
-              <a:rPr lang="en-US" sz="5400" dirty="0" smtClean="0">
-                <a:solidFill>
-                  <a:schemeClr val="accent1">
-                    <a:lumMod val="50000"/>
-                  </a:schemeClr>
-                </a:solidFill>
-                <a:latin typeface="Comic Sans MS" pitchFamily="66" charset="0"/>
-              </a:rPr>
-              <a:t>for </a:t>
-            </a:r>
-            <a:r>
-              <a:rPr lang="en-US" sz="4000" dirty="0" smtClean="0">
-                <a:solidFill>
-                  <a:schemeClr val="accent1">
-                    <a:lumMod val="50000"/>
-                  </a:schemeClr>
-                </a:solidFill>
-                <a:latin typeface="Comic Sans MS" pitchFamily="66" charset="0"/>
-              </a:rPr>
-              <a:t>XOR</a:t>
-            </a:r>
-            <a:r>
-              <a:rPr lang="en-US" sz="5400" dirty="0" smtClean="0">
-                <a:solidFill>
                   <a:srgbClr val="FF03E3"/>
                 </a:solidFill>
                 <a:latin typeface="Comic Sans MS" pitchFamily="66" charset="0"/>
               </a:rPr>
-              <a:t> and </a:t>
-            </a:r>
-            <a:r>
-              <a:rPr lang="en-US" sz="4000" dirty="0" smtClean="0">
-                <a:solidFill>
-                  <a:srgbClr val="0000E5"/>
-                </a:solidFill>
-                <a:latin typeface="Comic Sans MS" pitchFamily="66" charset="0"/>
-              </a:rPr>
-              <a:t>IMPLIES</a:t>
-            </a:r>
-            <a:endParaRPr lang="en-US" sz="4000" dirty="0">
+              <a:t>Simplification</a:t>
+            </a:r>
+            <a:endParaRPr lang="en-US" sz="5400" dirty="0">
               <a:solidFill>
-                <a:srgbClr val="0000E5"/>
+                <a:srgbClr val="FF03E3"/>
               </a:solidFill>
               <a:latin typeface="Comic Sans MS" pitchFamily="66" charset="0"/>
             </a:endParaRPr>
@@ -6034,72 +7178,40 @@
             <a:fld id="{3251DA95-B240-47FE-901D-B78FC8E8E532}" type="slidenum">
               <a:rPr lang="en-US" smtClean="0"/>
               <a:pPr/>
-              <a:t>4</a:t>
+              <a:t>11</a:t>
             </a:fld>
             <a:endParaRPr lang="en-US" dirty="0"/>
           </a:p>
         </p:txBody>
       </p:sp>
-      <p:sp>
-        <p:nvSpPr>
-          <p:cNvPr id="2" name="TextBox 1"/>
-          <p:cNvSpPr txBox="1"/>
-          <p:nvPr/>
-        </p:nvSpPr>
-        <p:spPr>
-          <a:xfrm>
-            <a:off x="889000" y="4894977"/>
-            <a:ext cx="5083205" cy="923330"/>
-          </a:xfrm>
-          <a:prstGeom prst="rect">
-            <a:avLst/>
-          </a:prstGeom>
-          <a:noFill/>
-        </p:spPr>
-        <p:txBody>
-          <a:bodyPr wrap="none" rtlCol="0">
-            <a:spAutoFit/>
-          </a:bodyPr>
-          <a:lstStyle/>
-          <a:p>
-            <a:pPr algn="l"/>
-            <a:r>
-              <a:rPr lang="en-US" sz="5400" dirty="0" smtClean="0">
-                <a:latin typeface="Comic Sans MS" pitchFamily="66" charset="0"/>
-              </a:rPr>
-              <a:t>Apply to get an </a:t>
-            </a:r>
-          </a:p>
-        </p:txBody>
-      </p:sp>
       <p:graphicFrame>
         <p:nvGraphicFramePr>
-          <p:cNvPr id="6" name="Object 5"/>
+          <p:cNvPr id="3" name="Object 2"/>
           <p:cNvGraphicFramePr>
             <a:graphicFrameLocks noChangeAspect="1"/>
           </p:cNvGraphicFramePr>
           <p:nvPr>
             <p:extLst>
               <p:ext uri="{D42A27DB-BD31-4B8C-83A1-F6EECF244321}">
-                <p14:modId xmlns:p14="http://schemas.microsoft.com/office/powerpoint/2010/main" val="322079862"/>
+                <p14:modId xmlns:p14="http://schemas.microsoft.com/office/powerpoint/2010/main" val="3087578611"/>
               </p:ext>
             </p:extLst>
           </p:nvPr>
         </p:nvGraphicFramePr>
         <p:xfrm>
-          <a:off x="5397500" y="4064000"/>
-          <a:ext cx="139700" cy="215900"/>
+          <a:off x="700088" y="2143125"/>
+          <a:ext cx="7653337" cy="1285875"/>
         </p:xfrm>
         <a:graphic>
           <a:graphicData uri="http://schemas.openxmlformats.org/presentationml/2006/ole">
             <mc:AlternateContent xmlns:mc="http://schemas.openxmlformats.org/markup-compatibility/2006">
               <mc:Choice xmlns:v="urn:schemas-microsoft-com:vml" Requires="v">
-                <p:oleObj spid="_x0000_s419867" name="Equation" r:id="rId4" imgW="139700" imgH="215900" progId="Equation.DSMT4">
+                <p:oleObj spid="_x0000_s424968" name="Equation" r:id="rId4" imgW="1511300" imgH="254000" progId="Equation.DSMT4">
                   <p:embed/>
                 </p:oleObj>
               </mc:Choice>
               <mc:Fallback>
-                <p:oleObj name="Equation" r:id="rId4" imgW="139700" imgH="215900" progId="Equation.DSMT4">
+                <p:oleObj name="Equation" r:id="rId4" imgW="1511300" imgH="254000" progId="Equation.DSMT4">
                   <p:embed/>
                   <p:pic>
                     <p:nvPicPr>
@@ -6115,8 +7227,8 @@
                     </p:blipFill>
                     <p:spPr>
                       <a:xfrm>
-                        <a:off x="5397500" y="4064000"/>
-                        <a:ext cx="139700" cy="215900"/>
+                        <a:off x="700088" y="2143125"/>
+                        <a:ext cx="7653337" cy="1285875"/>
                       </a:xfrm>
                       <a:prstGeom prst="rect">
                         <a:avLst/>
@@ -6131,32 +7243,32 @@
       </p:graphicFrame>
       <p:graphicFrame>
         <p:nvGraphicFramePr>
-          <p:cNvPr id="7" name="Object 6"/>
+          <p:cNvPr id="6" name="Object 5"/>
           <p:cNvGraphicFramePr>
             <a:graphicFrameLocks noChangeAspect="1"/>
           </p:cNvGraphicFramePr>
           <p:nvPr>
             <p:extLst>
               <p:ext uri="{D42A27DB-BD31-4B8C-83A1-F6EECF244321}">
-                <p14:modId xmlns:p14="http://schemas.microsoft.com/office/powerpoint/2010/main" val="534518872"/>
+                <p14:modId xmlns:p14="http://schemas.microsoft.com/office/powerpoint/2010/main" val="651358854"/>
               </p:ext>
             </p:extLst>
           </p:nvPr>
         </p:nvGraphicFramePr>
         <p:xfrm>
-          <a:off x="452438" y="2203450"/>
-          <a:ext cx="8275637" cy="2628900"/>
+          <a:off x="641350" y="3251200"/>
+          <a:ext cx="7718425" cy="1285875"/>
         </p:xfrm>
         <a:graphic>
           <a:graphicData uri="http://schemas.openxmlformats.org/presentationml/2006/ole">
             <mc:AlternateContent xmlns:mc="http://schemas.openxmlformats.org/markup-compatibility/2006">
               <mc:Choice xmlns:v="urn:schemas-microsoft-com:vml" Requires="v">
-                <p:oleObj spid="_x0000_s419868" name="Equation" r:id="rId6" imgW="2159000" imgH="685800" progId="Equation.DSMT4">
+                <p:oleObj spid="_x0000_s424969" name="Equation" r:id="rId6" imgW="1524000" imgH="254000" progId="Equation.DSMT4">
                   <p:embed/>
                 </p:oleObj>
               </mc:Choice>
               <mc:Fallback>
-                <p:oleObj name="Equation" r:id="rId6" imgW="2159000" imgH="685800" progId="Equation.DSMT4">
+                <p:oleObj name="Equation" r:id="rId6" imgW="1524000" imgH="254000" progId="Equation.DSMT4">
                   <p:embed/>
                   <p:pic>
                     <p:nvPicPr>
@@ -6172,8 +7284,8 @@
                     </p:blipFill>
                     <p:spPr>
                       <a:xfrm>
-                        <a:off x="452438" y="2203450"/>
-                        <a:ext cx="8275637" cy="2628900"/>
+                        <a:off x="641350" y="3251200"/>
+                        <a:ext cx="7718425" cy="1285875"/>
                       </a:xfrm>
                       <a:prstGeom prst="rect">
                         <a:avLst/>
@@ -6189,271 +7301,7 @@
     </p:spTree>
     <p:extLst>
       <p:ext uri="{BB962C8B-B14F-4D97-AF65-F5344CB8AC3E}">
-        <p14:creationId xmlns:p14="http://schemas.microsoft.com/office/powerpoint/2010/main" val="427619550"/>
-      </p:ext>
-    </p:extLst>
-  </p:cSld>
-  <p:clrMapOvr>
-    <a:masterClrMapping/>
-  </p:clrMapOvr>
-  <p:transition xmlns:p14="http://schemas.microsoft.com/office/powerpoint/2010/main" spd="slow" advClick="0">
-    <p:fade/>
-  </p:transition>
-  <p:timing>
-    <p:tnLst>
-      <p:par>
-        <p:cTn xmlns:p14="http://schemas.microsoft.com/office/powerpoint/2010/main" id="1" dur="indefinite" restart="never" nodeType="tmRoot"/>
-      </p:par>
-    </p:tnLst>
-  </p:timing>
-</p:sld>
-</file>
-
-<file path=ppt/slides/slide5.xml><?xml version="1.0" encoding="utf-8"?>
-<p:sld xmlns:a="http://schemas.openxmlformats.org/drawingml/2006/main" xmlns:r="http://schemas.openxmlformats.org/officeDocument/2006/relationships" xmlns:p="http://schemas.openxmlformats.org/presentationml/2006/main">
-  <p:cSld>
-    <p:spTree>
-      <p:nvGrpSpPr>
-        <p:cNvPr id="1" name=""/>
-        <p:cNvGrpSpPr/>
-        <p:nvPr/>
-      </p:nvGrpSpPr>
-      <p:grpSpPr>
-        <a:xfrm>
-          <a:off x="0" y="0"/>
-          <a:ext cx="0" cy="0"/>
-          <a:chOff x="0" y="0"/>
-          <a:chExt cx="0" cy="0"/>
-        </a:xfrm>
-      </p:grpSpPr>
-      <p:sp>
-        <p:nvSpPr>
-          <p:cNvPr id="5" name="TextBox 4"/>
-          <p:cNvSpPr txBox="1"/>
-          <p:nvPr/>
-        </p:nvSpPr>
-        <p:spPr>
-          <a:xfrm>
-            <a:off x="1724483" y="1320800"/>
-            <a:ext cx="5729960" cy="923330"/>
-          </a:xfrm>
-          <a:prstGeom prst="rect">
-            <a:avLst/>
-          </a:prstGeom>
-          <a:noFill/>
-        </p:spPr>
-        <p:txBody>
-          <a:bodyPr wrap="square" rtlCol="0">
-            <a:spAutoFit/>
-          </a:bodyPr>
-          <a:lstStyle/>
-          <a:p>
-            <a:pPr algn="l"/>
-            <a:r>
-              <a:rPr lang="en-US" sz="5400" dirty="0" err="1" smtClean="0">
-                <a:solidFill>
-                  <a:srgbClr val="FF03E3"/>
-                </a:solidFill>
-                <a:latin typeface="Comic Sans MS" pitchFamily="66" charset="0"/>
-              </a:rPr>
-              <a:t>DeMorgan’s</a:t>
-            </a:r>
-            <a:r>
-              <a:rPr lang="en-US" sz="5400" dirty="0" smtClean="0">
-                <a:solidFill>
-                  <a:srgbClr val="FF03E3"/>
-                </a:solidFill>
-                <a:latin typeface="Comic Sans MS" pitchFamily="66" charset="0"/>
-              </a:rPr>
-              <a:t> law</a:t>
-            </a:r>
-            <a:endParaRPr lang="en-US" sz="5400" dirty="0">
-              <a:solidFill>
-                <a:srgbClr val="FF03E3"/>
-              </a:solidFill>
-              <a:latin typeface="Comic Sans MS" pitchFamily="66" charset="0"/>
-            </a:endParaRPr>
-          </a:p>
-        </p:txBody>
-      </p:sp>
-      <p:sp>
-        <p:nvSpPr>
-          <p:cNvPr id="9" name="Title 1"/>
-          <p:cNvSpPr>
-            <a:spLocks noGrp="1"/>
-          </p:cNvSpPr>
-          <p:nvPr>
-            <p:ph type="title"/>
-          </p:nvPr>
-        </p:nvSpPr>
-        <p:spPr>
-          <a:xfrm>
-            <a:off x="1651000" y="363538"/>
-            <a:ext cx="6794500" cy="1003300"/>
-          </a:xfrm>
-        </p:spPr>
-        <p:txBody>
-          <a:bodyPr/>
-          <a:lstStyle/>
-          <a:p>
-            <a:r>
-              <a:rPr lang="en-US" sz="4000" dirty="0" smtClean="0"/>
-              <a:t>Algebra for Equivalence</a:t>
-            </a:r>
-            <a:endParaRPr lang="en-US" sz="4000" dirty="0"/>
-          </a:p>
-        </p:txBody>
-      </p:sp>
-      <p:sp>
-        <p:nvSpPr>
-          <p:cNvPr id="4" name="Slide Number Placeholder 2"/>
-          <p:cNvSpPr>
-            <a:spLocks noGrp="1"/>
-          </p:cNvSpPr>
-          <p:nvPr>
-            <p:ph type="sldNum" sz="quarter" idx="10"/>
-          </p:nvPr>
-        </p:nvSpPr>
-        <p:spPr>
-          <a:xfrm>
-            <a:off x="7333815" y="6553200"/>
-            <a:ext cx="1810186" cy="276999"/>
-          </a:xfrm>
-        </p:spPr>
-        <p:txBody>
-          <a:bodyPr/>
-          <a:lstStyle/>
-          <a:p>
-            <a:r>
-              <a:rPr lang="en-US" dirty="0" smtClean="0"/>
-              <a:t>propositional algebra.</a:t>
-            </a:r>
-            <a:fld id="{3251DA95-B240-47FE-901D-B78FC8E8E532}" type="slidenum">
-              <a:rPr lang="en-US" smtClean="0"/>
-              <a:pPr/>
-              <a:t>5</a:t>
-            </a:fld>
-            <a:endParaRPr lang="en-US" dirty="0"/>
-          </a:p>
-        </p:txBody>
-      </p:sp>
-      <p:graphicFrame>
-        <p:nvGraphicFramePr>
-          <p:cNvPr id="3" name="Object 2"/>
-          <p:cNvGraphicFramePr>
-            <a:graphicFrameLocks noChangeAspect="1"/>
-          </p:cNvGraphicFramePr>
-          <p:nvPr>
-            <p:extLst>
-              <p:ext uri="{D42A27DB-BD31-4B8C-83A1-F6EECF244321}">
-                <p14:modId xmlns:p14="http://schemas.microsoft.com/office/powerpoint/2010/main" val="2845571022"/>
-              </p:ext>
-            </p:extLst>
-          </p:nvPr>
-        </p:nvGraphicFramePr>
-        <p:xfrm>
-          <a:off x="1255713" y="2387600"/>
-          <a:ext cx="6640512" cy="2025650"/>
-        </p:xfrm>
-        <a:graphic>
-          <a:graphicData uri="http://schemas.openxmlformats.org/presentationml/2006/ole">
-            <mc:AlternateContent xmlns:mc="http://schemas.openxmlformats.org/markup-compatibility/2006">
-              <mc:Choice xmlns:v="urn:schemas-microsoft-com:vml" Requires="v">
-                <p:oleObj spid="_x0000_s1026" name="Equation" r:id="rId4" imgW="1498600" imgH="457200" progId="Equation.DSMT4">
-                  <p:embed/>
-                </p:oleObj>
-              </mc:Choice>
-              <mc:Fallback>
-                <p:oleObj name="Equation" r:id="rId4" imgW="1498600" imgH="457200" progId="Equation.DSMT4">
-                  <p:embed/>
-                  <p:pic>
-                    <p:nvPicPr>
-                      <p:cNvPr id="0" name=""/>
-                      <p:cNvPicPr/>
-                      <p:nvPr/>
-                    </p:nvPicPr>
-                    <p:blipFill>
-                      <a:blip r:embed="rId5"/>
-                      <a:stretch>
-                        <a:fillRect/>
-                      </a:stretch>
-                    </p:blipFill>
-                    <p:spPr>
-                      <a:xfrm>
-                        <a:off x="1255713" y="2387600"/>
-                        <a:ext cx="6640512" cy="2025650"/>
-                      </a:xfrm>
-                      <a:prstGeom prst="rect">
-                        <a:avLst/>
-                      </a:prstGeom>
-                    </p:spPr>
-                  </p:pic>
-                </p:oleObj>
-              </mc:Fallback>
-            </mc:AlternateContent>
-          </a:graphicData>
-        </a:graphic>
-      </p:graphicFrame>
-      <p:sp>
-        <p:nvSpPr>
-          <p:cNvPr id="2" name="TextBox 1"/>
-          <p:cNvSpPr txBox="1"/>
-          <p:nvPr/>
-        </p:nvSpPr>
-        <p:spPr>
-          <a:xfrm>
-            <a:off x="406400" y="4336177"/>
-            <a:ext cx="8421935" cy="1754327"/>
-          </a:xfrm>
-          <a:prstGeom prst="rect">
-            <a:avLst/>
-          </a:prstGeom>
-          <a:noFill/>
-        </p:spPr>
-        <p:txBody>
-          <a:bodyPr wrap="none" rtlCol="0">
-            <a:spAutoFit/>
-          </a:bodyPr>
-          <a:lstStyle/>
-          <a:p>
-            <a:pPr algn="l"/>
-            <a:r>
-              <a:rPr lang="en-US" sz="5400" dirty="0" smtClean="0">
-                <a:latin typeface="Comic Sans MS" pitchFamily="66" charset="0"/>
-              </a:rPr>
-              <a:t>rewrite left to right until </a:t>
-            </a:r>
-          </a:p>
-          <a:p>
-            <a:pPr algn="l"/>
-            <a:r>
-              <a:rPr lang="en-US" sz="4000" dirty="0" smtClean="0">
-                <a:solidFill>
-                  <a:srgbClr val="0000FF"/>
-                </a:solidFill>
-                <a:latin typeface="Comic Sans MS" pitchFamily="66" charset="0"/>
-              </a:rPr>
-              <a:t>NOT</a:t>
-            </a:r>
-            <a:r>
-              <a:rPr lang="en-US" sz="5400" dirty="0" smtClean="0">
-                <a:latin typeface="Comic Sans MS" pitchFamily="66" charset="0"/>
-              </a:rPr>
-              <a:t>’s onl</a:t>
-            </a:r>
-            <a:r>
-              <a:rPr lang="en-US" sz="5400" dirty="0" smtClean="0">
-                <a:latin typeface="Comic Sans MS" pitchFamily="66" charset="0"/>
-              </a:rPr>
-              <a:t>y on variables</a:t>
-            </a:r>
-          </a:p>
-        </p:txBody>
-      </p:sp>
-    </p:spTree>
-    <p:extLst>
-      <p:ext uri="{BB962C8B-B14F-4D97-AF65-F5344CB8AC3E}">
-        <p14:creationId xmlns:p14="http://schemas.microsoft.com/office/powerpoint/2010/main" val="2749065415"/>
+        <p14:creationId xmlns:p14="http://schemas.microsoft.com/office/powerpoint/2010/main" val="2496316401"/>
       </p:ext>
     </p:extLst>
   </p:cSld>
@@ -6524,317 +7372,33 @@
                       </p:childTnLst>
                     </p:cTn>
                   </p:par>
-                </p:childTnLst>
-              </p:cTn>
-              <p:prevCondLst>
-                <p:cond evt="onPrev" delay="0">
-                  <p:tgtEl>
-                    <p:sldTgt/>
-                  </p:tgtEl>
-                </p:cond>
-              </p:prevCondLst>
-              <p:nextCondLst>
-                <p:cond evt="onNext" delay="0">
-                  <p:tgtEl>
-                    <p:sldTgt/>
-                  </p:tgtEl>
-                </p:cond>
-              </p:nextCondLst>
-            </p:seq>
-          </p:childTnLst>
-        </p:cTn>
-      </p:par>
-    </p:tnLst>
-  </p:timing>
-</p:sld>
-</file>
-
-<file path=ppt/slides/slide6.xml><?xml version="1.0" encoding="utf-8"?>
-<p:sld xmlns:a="http://schemas.openxmlformats.org/drawingml/2006/main" xmlns:r="http://schemas.openxmlformats.org/officeDocument/2006/relationships" xmlns:p="http://schemas.openxmlformats.org/presentationml/2006/main">
-  <p:cSld>
-    <p:spTree>
-      <p:nvGrpSpPr>
-        <p:cNvPr id="1" name=""/>
-        <p:cNvGrpSpPr/>
-        <p:nvPr/>
-      </p:nvGrpSpPr>
-      <p:grpSpPr>
-        <a:xfrm>
-          <a:off x="0" y="0"/>
-          <a:ext cx="0" cy="0"/>
-          <a:chOff x="0" y="0"/>
-          <a:chExt cx="0" cy="0"/>
-        </a:xfrm>
-      </p:grpSpPr>
-      <p:sp>
-        <p:nvSpPr>
-          <p:cNvPr id="5" name="TextBox 4"/>
-          <p:cNvSpPr txBox="1"/>
-          <p:nvPr/>
-        </p:nvSpPr>
-        <p:spPr>
-          <a:xfrm>
-            <a:off x="1610640" y="1331772"/>
-            <a:ext cx="5996660" cy="923330"/>
-          </a:xfrm>
-          <a:prstGeom prst="rect">
-            <a:avLst/>
-          </a:prstGeom>
-          <a:noFill/>
-        </p:spPr>
-        <p:txBody>
-          <a:bodyPr wrap="square" rtlCol="0">
-            <a:spAutoFit/>
-          </a:bodyPr>
-          <a:lstStyle/>
-          <a:p>
-            <a:pPr algn="l"/>
-            <a:r>
-              <a:rPr lang="en-US" sz="5400" dirty="0" smtClean="0">
-                <a:solidFill>
-                  <a:srgbClr val="FF03E3"/>
-                </a:solidFill>
-                <a:latin typeface="Comic Sans MS" pitchFamily="66" charset="0"/>
-              </a:rPr>
-              <a:t>Distributive </a:t>
-            </a:r>
-            <a:r>
-              <a:rPr lang="en-US" sz="5400" dirty="0" smtClean="0">
-                <a:solidFill>
-                  <a:srgbClr val="FF03E3"/>
-                </a:solidFill>
-                <a:latin typeface="Comic Sans MS" pitchFamily="66" charset="0"/>
-              </a:rPr>
-              <a:t>L</a:t>
-            </a:r>
-            <a:r>
-              <a:rPr lang="en-US" sz="5400" dirty="0" smtClean="0">
-                <a:solidFill>
-                  <a:srgbClr val="FF03E3"/>
-                </a:solidFill>
-                <a:latin typeface="Comic Sans MS" pitchFamily="66" charset="0"/>
-              </a:rPr>
-              <a:t>aw</a:t>
-            </a:r>
-            <a:endParaRPr lang="en-US" sz="5400" dirty="0">
-              <a:solidFill>
-                <a:srgbClr val="FF03E3"/>
-              </a:solidFill>
-              <a:latin typeface="Comic Sans MS" pitchFamily="66" charset="0"/>
-            </a:endParaRPr>
-          </a:p>
-        </p:txBody>
-      </p:sp>
-      <p:sp>
-        <p:nvSpPr>
-          <p:cNvPr id="9" name="Title 1"/>
-          <p:cNvSpPr>
-            <a:spLocks noGrp="1"/>
-          </p:cNvSpPr>
-          <p:nvPr>
-            <p:ph type="title"/>
-          </p:nvPr>
-        </p:nvSpPr>
-        <p:spPr>
-          <a:xfrm>
-            <a:off x="1651000" y="363538"/>
-            <a:ext cx="6794500" cy="1003300"/>
-          </a:xfrm>
-        </p:spPr>
-        <p:txBody>
-          <a:bodyPr/>
-          <a:lstStyle/>
-          <a:p>
-            <a:r>
-              <a:rPr lang="en-US" sz="4000" dirty="0" smtClean="0"/>
-              <a:t>Algebra for Equivalence</a:t>
-            </a:r>
-            <a:endParaRPr lang="en-US" sz="4000" dirty="0"/>
-          </a:p>
-        </p:txBody>
-      </p:sp>
-      <p:sp>
-        <p:nvSpPr>
-          <p:cNvPr id="4" name="Slide Number Placeholder 2"/>
-          <p:cNvSpPr>
-            <a:spLocks noGrp="1"/>
-          </p:cNvSpPr>
-          <p:nvPr>
-            <p:ph type="sldNum" sz="quarter" idx="10"/>
-          </p:nvPr>
-        </p:nvSpPr>
-        <p:spPr>
-          <a:xfrm>
-            <a:off x="7333815" y="6553200"/>
-            <a:ext cx="1810186" cy="276999"/>
-          </a:xfrm>
-        </p:spPr>
-        <p:txBody>
-          <a:bodyPr/>
-          <a:lstStyle/>
-          <a:p>
-            <a:r>
-              <a:rPr lang="en-US" dirty="0" smtClean="0"/>
-              <a:t>propositional algebra.</a:t>
-            </a:r>
-            <a:fld id="{3251DA95-B240-47FE-901D-B78FC8E8E532}" type="slidenum">
-              <a:rPr lang="en-US" smtClean="0"/>
-              <a:pPr/>
-              <a:t>6</a:t>
-            </a:fld>
-            <a:endParaRPr lang="en-US" dirty="0"/>
-          </a:p>
-        </p:txBody>
-      </p:sp>
-      <p:graphicFrame>
-        <p:nvGraphicFramePr>
-          <p:cNvPr id="3" name="Object 2"/>
-          <p:cNvGraphicFramePr>
-            <a:graphicFrameLocks noChangeAspect="1"/>
-          </p:cNvGraphicFramePr>
-          <p:nvPr>
-            <p:extLst>
-              <p:ext uri="{D42A27DB-BD31-4B8C-83A1-F6EECF244321}">
-                <p14:modId xmlns:p14="http://schemas.microsoft.com/office/powerpoint/2010/main" val="142813295"/>
-              </p:ext>
-            </p:extLst>
-          </p:nvPr>
-        </p:nvGraphicFramePr>
-        <p:xfrm>
-          <a:off x="508265" y="2273300"/>
-          <a:ext cx="7933796" cy="2025650"/>
-        </p:xfrm>
-        <a:graphic>
-          <a:graphicData uri="http://schemas.openxmlformats.org/presentationml/2006/ole">
-            <mc:AlternateContent xmlns:mc="http://schemas.openxmlformats.org/markup-compatibility/2006">
-              <mc:Choice xmlns:v="urn:schemas-microsoft-com:vml" Requires="v">
-                <p:oleObj spid="_x0000_s418842" name="Equation" r:id="rId4" imgW="1790700" imgH="457200" progId="Equation.DSMT4">
-                  <p:embed/>
-                </p:oleObj>
-              </mc:Choice>
-              <mc:Fallback>
-                <p:oleObj name="Equation" r:id="rId4" imgW="1790700" imgH="457200" progId="Equation.DSMT4">
-                  <p:embed/>
-                  <p:pic>
-                    <p:nvPicPr>
-                      <p:cNvPr id="0" name=""/>
-                      <p:cNvPicPr/>
-                      <p:nvPr/>
-                    </p:nvPicPr>
-                    <p:blipFill>
-                      <a:blip r:embed="rId5"/>
-                      <a:stretch>
-                        <a:fillRect/>
-                      </a:stretch>
-                    </p:blipFill>
-                    <p:spPr>
-                      <a:xfrm>
-                        <a:off x="508265" y="2273300"/>
-                        <a:ext cx="7933796" cy="2025650"/>
-                      </a:xfrm>
-                      <a:prstGeom prst="rect">
-                        <a:avLst/>
-                      </a:prstGeom>
-                    </p:spPr>
-                  </p:pic>
-                </p:oleObj>
-              </mc:Fallback>
-            </mc:AlternateContent>
-          </a:graphicData>
-        </a:graphic>
-      </p:graphicFrame>
-      <p:sp>
-        <p:nvSpPr>
-          <p:cNvPr id="6" name="TextBox 5"/>
-          <p:cNvSpPr txBox="1"/>
-          <p:nvPr/>
-        </p:nvSpPr>
-        <p:spPr>
-          <a:xfrm>
-            <a:off x="406400" y="4336177"/>
-            <a:ext cx="8421935" cy="1754327"/>
-          </a:xfrm>
-          <a:prstGeom prst="rect">
-            <a:avLst/>
-          </a:prstGeom>
-          <a:noFill/>
-        </p:spPr>
-        <p:txBody>
-          <a:bodyPr wrap="none" rtlCol="0">
-            <a:spAutoFit/>
-          </a:bodyPr>
-          <a:lstStyle/>
-          <a:p>
-            <a:pPr algn="l"/>
-            <a:r>
-              <a:rPr lang="en-US" sz="5400" dirty="0" smtClean="0">
-                <a:latin typeface="Comic Sans MS" pitchFamily="66" charset="0"/>
-              </a:rPr>
-              <a:t>rewrite left to right until</a:t>
-            </a:r>
-          </a:p>
-          <a:p>
-            <a:pPr algn="l"/>
-            <a:r>
-              <a:rPr lang="en-US" sz="5400" dirty="0" smtClean="0">
-                <a:solidFill>
-                  <a:srgbClr val="006600"/>
-                </a:solidFill>
-                <a:latin typeface="Comic Sans MS" pitchFamily="66" charset="0"/>
-              </a:rPr>
-              <a:t>       “sum of products”</a:t>
-            </a:r>
-          </a:p>
-        </p:txBody>
-      </p:sp>
-    </p:spTree>
-    <p:extLst>
-      <p:ext uri="{BB962C8B-B14F-4D97-AF65-F5344CB8AC3E}">
-        <p14:creationId xmlns:p14="http://schemas.microsoft.com/office/powerpoint/2010/main" val="3051394283"/>
-      </p:ext>
-    </p:extLst>
-  </p:cSld>
-  <p:clrMapOvr>
-    <a:masterClrMapping/>
-  </p:clrMapOvr>
-  <p:transition xmlns:p14="http://schemas.microsoft.com/office/powerpoint/2010/main" spd="slow" advClick="0">
-    <p:fade/>
-  </p:transition>
-  <p:timing>
-    <p:tnLst>
-      <p:par>
-        <p:cTn xmlns:p14="http://schemas.microsoft.com/office/powerpoint/2010/main" id="1" dur="indefinite" restart="never" nodeType="tmRoot">
-          <p:childTnLst>
-            <p:seq concurrent="1" nextAc="seek">
-              <p:cTn id="2" dur="indefinite" nodeType="mainSeq">
-                <p:childTnLst>
                   <p:par>
-                    <p:cTn id="3" fill="hold">
+                    <p:cTn id="8" fill="hold">
                       <p:stCondLst>
                         <p:cond delay="indefinite"/>
                       </p:stCondLst>
                       <p:childTnLst>
                         <p:par>
-                          <p:cTn id="4" fill="hold">
+                          <p:cTn id="9" fill="hold">
                             <p:stCondLst>
                               <p:cond delay="0"/>
                             </p:stCondLst>
                             <p:childTnLst>
                               <p:par>
-                                <p:cTn id="5" presetID="22" presetClass="entr" presetSubtype="1" fill="hold" nodeType="clickEffect">
+                                <p:cTn id="10" presetID="22" presetClass="entr" presetSubtype="1" fill="hold" nodeType="clickEffect">
                                   <p:stCondLst>
                                     <p:cond delay="0"/>
                                   </p:stCondLst>
                                   <p:childTnLst>
                                     <p:set>
                                       <p:cBhvr>
-                                        <p:cTn id="6" dur="1" fill="hold">
+                                        <p:cTn id="11" dur="1" fill="hold">
                                           <p:stCondLst>
                                             <p:cond delay="0"/>
                                           </p:stCondLst>
                                         </p:cTn>
                                         <p:tgtEl>
-                                          <p:spTgt spid="3"/>
+                                          <p:spTgt spid="6"/>
                                         </p:tgtEl>
                                         <p:attrNameLst>
                                           <p:attrName>style.visibility</p:attrName>
@@ -6846,9 +7410,9 @@
                                     </p:set>
                                     <p:animEffect transition="in" filter="wipe(up)">
                                       <p:cBhvr>
-                                        <p:cTn id="7" dur="1000"/>
+                                        <p:cTn id="12" dur="1000"/>
                                         <p:tgtEl>
-                                          <p:spTgt spid="3"/>
+                                          <p:spTgt spid="6"/>
                                         </p:tgtEl>
                                       </p:cBhvr>
                                     </p:animEffect>
@@ -6886,7 +7450,7 @@
 </p:sld>
 </file>
 
-<file path=ppt/slides/slide7.xml><?xml version="1.0" encoding="utf-8"?>
+<file path=ppt/slides/slide12.xml><?xml version="1.0" encoding="utf-8"?>
 <p:sld xmlns:a="http://schemas.openxmlformats.org/drawingml/2006/main" xmlns:r="http://schemas.openxmlformats.org/officeDocument/2006/relationships" xmlns:p="http://schemas.openxmlformats.org/presentationml/2006/main">
   <p:cSld>
     <p:spTree>
@@ -6903,6 +7467,332 @@
           <a:chExt cx="0" cy="0"/>
         </a:xfrm>
       </p:grpSpPr>
+      <p:graphicFrame>
+        <p:nvGraphicFramePr>
+          <p:cNvPr id="24" name="Object 23"/>
+          <p:cNvGraphicFramePr>
+            <a:graphicFrameLocks noChangeAspect="1"/>
+          </p:cNvGraphicFramePr>
+          <p:nvPr>
+            <p:extLst>
+              <p:ext uri="{D42A27DB-BD31-4B8C-83A1-F6EECF244321}">
+                <p14:modId xmlns:p14="http://schemas.microsoft.com/office/powerpoint/2010/main" val="4041046133"/>
+              </p:ext>
+            </p:extLst>
+          </p:nvPr>
+        </p:nvGraphicFramePr>
+        <p:xfrm>
+          <a:off x="1397794" y="1282700"/>
+          <a:ext cx="6484937" cy="1689100"/>
+        </p:xfrm>
+        <a:graphic>
+          <a:graphicData uri="http://schemas.openxmlformats.org/presentationml/2006/ole">
+            <mc:AlternateContent xmlns:mc="http://schemas.openxmlformats.org/markup-compatibility/2006">
+              <mc:Choice xmlns:v="urn:schemas-microsoft-com:vml" Requires="v">
+                <p:oleObj spid="_x0000_s425994" name="Equation" r:id="rId4" imgW="1854200" imgH="482600" progId="Equation.DSMT4">
+                  <p:embed/>
+                </p:oleObj>
+              </mc:Choice>
+              <mc:Fallback>
+                <p:oleObj name="Equation" r:id="rId4" imgW="1854200" imgH="482600" progId="Equation.DSMT4">
+                  <p:embed/>
+                  <p:pic>
+                    <p:nvPicPr>
+                      <p:cNvPr id="0" name=""/>
+                      <p:cNvPicPr/>
+                      <p:nvPr/>
+                    </p:nvPicPr>
+                    <p:blipFill>
+                      <a:blip r:embed="rId5"/>
+                      <a:stretch>
+                        <a:fillRect/>
+                      </a:stretch>
+                    </p:blipFill>
+                    <p:spPr>
+                      <a:xfrm>
+                        <a:off x="1397794" y="1282700"/>
+                        <a:ext cx="6484937" cy="1689100"/>
+                      </a:xfrm>
+                      <a:prstGeom prst="rect">
+                        <a:avLst/>
+                      </a:prstGeom>
+                    </p:spPr>
+                  </p:pic>
+                </p:oleObj>
+              </mc:Fallback>
+            </mc:AlternateContent>
+          </a:graphicData>
+        </a:graphic>
+      </p:graphicFrame>
+      <p:sp>
+        <p:nvSpPr>
+          <p:cNvPr id="9" name="Title 1"/>
+          <p:cNvSpPr>
+            <a:spLocks noGrp="1"/>
+          </p:cNvSpPr>
+          <p:nvPr>
+            <p:ph type="title"/>
+          </p:nvPr>
+        </p:nvSpPr>
+        <p:spPr>
+          <a:xfrm>
+            <a:off x="1651000" y="363538"/>
+            <a:ext cx="6794500" cy="1003300"/>
+          </a:xfrm>
+        </p:spPr>
+        <p:txBody>
+          <a:bodyPr/>
+          <a:lstStyle/>
+          <a:p>
+            <a:r>
+              <a:rPr lang="en-US" sz="4000" dirty="0" smtClean="0"/>
+              <a:t>Algebra for Equivalence</a:t>
+            </a:r>
+            <a:endParaRPr lang="en-US" sz="4000" dirty="0"/>
+          </a:p>
+        </p:txBody>
+      </p:sp>
+      <p:sp>
+        <p:nvSpPr>
+          <p:cNvPr id="4" name="Slide Number Placeholder 2"/>
+          <p:cNvSpPr>
+            <a:spLocks noGrp="1"/>
+          </p:cNvSpPr>
+          <p:nvPr>
+            <p:ph type="sldNum" sz="quarter" idx="10"/>
+          </p:nvPr>
+        </p:nvSpPr>
+        <p:spPr>
+          <a:xfrm>
+            <a:off x="7333815" y="6553200"/>
+            <a:ext cx="1810186" cy="276999"/>
+          </a:xfrm>
+        </p:spPr>
+        <p:txBody>
+          <a:bodyPr/>
+          <a:lstStyle/>
+          <a:p>
+            <a:r>
+              <a:rPr lang="en-US" dirty="0" smtClean="0"/>
+              <a:t>propositional algebra.</a:t>
+            </a:r>
+            <a:fld id="{3251DA95-B240-47FE-901D-B78FC8E8E532}" type="slidenum">
+              <a:rPr lang="en-US" smtClean="0"/>
+              <a:pPr/>
+              <a:t>12</a:t>
+            </a:fld>
+            <a:endParaRPr lang="en-US" dirty="0"/>
+          </a:p>
+        </p:txBody>
+      </p:sp>
+      <p:graphicFrame>
+        <p:nvGraphicFramePr>
+          <p:cNvPr id="14" name="Object 13"/>
+          <p:cNvGraphicFramePr>
+            <a:graphicFrameLocks noChangeAspect="1"/>
+          </p:cNvGraphicFramePr>
+          <p:nvPr>
+            <p:extLst>
+              <p:ext uri="{D42A27DB-BD31-4B8C-83A1-F6EECF244321}">
+                <p14:modId xmlns:p14="http://schemas.microsoft.com/office/powerpoint/2010/main" val="2329275555"/>
+              </p:ext>
+            </p:extLst>
+          </p:nvPr>
+        </p:nvGraphicFramePr>
+        <p:xfrm>
+          <a:off x="350837" y="1593850"/>
+          <a:ext cx="8793163" cy="889000"/>
+        </p:xfrm>
+        <a:graphic>
+          <a:graphicData uri="http://schemas.openxmlformats.org/presentationml/2006/ole">
+            <mc:AlternateContent xmlns:mc="http://schemas.openxmlformats.org/markup-compatibility/2006">
+              <mc:Choice xmlns:v="urn:schemas-microsoft-com:vml" Requires="v">
+                <p:oleObj spid="_x0000_s425995" name="Equation" r:id="rId6" imgW="2514600" imgH="254000" progId="Equation.DSMT4">
+                  <p:embed/>
+                </p:oleObj>
+              </mc:Choice>
+              <mc:Fallback>
+                <p:oleObj name="Equation" r:id="rId6" imgW="2514600" imgH="254000" progId="Equation.DSMT4">
+                  <p:embed/>
+                  <p:pic>
+                    <p:nvPicPr>
+                      <p:cNvPr id="0" name=""/>
+                      <p:cNvPicPr/>
+                      <p:nvPr/>
+                    </p:nvPicPr>
+                    <p:blipFill>
+                      <a:blip r:embed="rId7"/>
+                      <a:stretch>
+                        <a:fillRect/>
+                      </a:stretch>
+                    </p:blipFill>
+                    <p:spPr>
+                      <a:xfrm>
+                        <a:off x="350837" y="1593850"/>
+                        <a:ext cx="8793163" cy="889000"/>
+                      </a:xfrm>
+                      <a:prstGeom prst="rect">
+                        <a:avLst/>
+                      </a:prstGeom>
+                    </p:spPr>
+                  </p:pic>
+                </p:oleObj>
+              </mc:Fallback>
+            </mc:AlternateContent>
+          </a:graphicData>
+        </a:graphic>
+      </p:graphicFrame>
+    </p:spTree>
+    <p:extLst>
+      <p:ext uri="{BB962C8B-B14F-4D97-AF65-F5344CB8AC3E}">
+        <p14:creationId xmlns:p14="http://schemas.microsoft.com/office/powerpoint/2010/main" val="2033548101"/>
+      </p:ext>
+    </p:extLst>
+  </p:cSld>
+  <p:clrMapOvr>
+    <a:masterClrMapping/>
+  </p:clrMapOvr>
+  <p:transition xmlns:p14="http://schemas.microsoft.com/office/powerpoint/2010/main" spd="slow" advClick="0">
+    <p:fade/>
+  </p:transition>
+  <p:timing>
+    <p:tnLst>
+      <p:par>
+        <p:cTn xmlns:p14="http://schemas.microsoft.com/office/powerpoint/2010/main" id="1" dur="indefinite" restart="never" nodeType="tmRoot">
+          <p:childTnLst>
+            <p:seq concurrent="1" nextAc="seek">
+              <p:cTn id="2" dur="indefinite" nodeType="mainSeq">
+                <p:childTnLst>
+                  <p:par>
+                    <p:cTn id="3" fill="hold">
+                      <p:stCondLst>
+                        <p:cond delay="indefinite"/>
+                      </p:stCondLst>
+                      <p:childTnLst>
+                        <p:par>
+                          <p:cTn id="4" fill="hold">
+                            <p:stCondLst>
+                              <p:cond delay="0"/>
+                            </p:stCondLst>
+                            <p:childTnLst>
+                              <p:par>
+                                <p:cTn id="5" presetID="10" presetClass="entr" presetSubtype="0" fill="hold" nodeType="clickEffect">
+                                  <p:stCondLst>
+                                    <p:cond delay="0"/>
+                                  </p:stCondLst>
+                                  <p:childTnLst>
+                                    <p:set>
+                                      <p:cBhvr>
+                                        <p:cTn id="6" dur="1" fill="hold">
+                                          <p:stCondLst>
+                                            <p:cond delay="0"/>
+                                          </p:stCondLst>
+                                        </p:cTn>
+                                        <p:tgtEl>
+                                          <p:spTgt spid="14"/>
+                                        </p:tgtEl>
+                                        <p:attrNameLst>
+                                          <p:attrName>style.visibility</p:attrName>
+                                        </p:attrNameLst>
+                                      </p:cBhvr>
+                                      <p:to>
+                                        <p:strVal val="visible"/>
+                                      </p:to>
+                                    </p:set>
+                                    <p:animEffect transition="in" filter="fade">
+                                      <p:cBhvr>
+                                        <p:cTn id="7" dur="1000"/>
+                                        <p:tgtEl>
+                                          <p:spTgt spid="14"/>
+                                        </p:tgtEl>
+                                      </p:cBhvr>
+                                    </p:animEffect>
+                                  </p:childTnLst>
+                                </p:cTn>
+                              </p:par>
+                              <p:par>
+                                <p:cTn id="8" presetID="9" presetClass="exit" presetSubtype="0" fill="hold" nodeType="withEffect">
+                                  <p:stCondLst>
+                                    <p:cond delay="0"/>
+                                  </p:stCondLst>
+                                  <p:childTnLst>
+                                    <p:animEffect transition="out" filter="dissolve">
+                                      <p:cBhvr>
+                                        <p:cTn id="9" dur="500"/>
+                                        <p:tgtEl>
+                                          <p:spTgt spid="24"/>
+                                        </p:tgtEl>
+                                      </p:cBhvr>
+                                    </p:animEffect>
+                                    <p:set>
+                                      <p:cBhvr>
+                                        <p:cTn id="10" dur="1" fill="hold">
+                                          <p:stCondLst>
+                                            <p:cond delay="499"/>
+                                          </p:stCondLst>
+                                        </p:cTn>
+                                        <p:tgtEl>
+                                          <p:spTgt spid="24"/>
+                                        </p:tgtEl>
+                                        <p:attrNameLst>
+                                          <p:attrName>style.visibility</p:attrName>
+                                        </p:attrNameLst>
+                                      </p:cBhvr>
+                                      <p:to>
+                                        <p:strVal val="hidden"/>
+                                      </p:to>
+                                    </p:set>
+                                  </p:childTnLst>
+                                </p:cTn>
+                              </p:par>
+                            </p:childTnLst>
+                          </p:cTn>
+                        </p:par>
+                      </p:childTnLst>
+                    </p:cTn>
+                  </p:par>
+                </p:childTnLst>
+              </p:cTn>
+              <p:prevCondLst>
+                <p:cond evt="onPrev" delay="0">
+                  <p:tgtEl>
+                    <p:sldTgt/>
+                  </p:tgtEl>
+                </p:cond>
+              </p:prevCondLst>
+              <p:nextCondLst>
+                <p:cond evt="onNext" delay="0">
+                  <p:tgtEl>
+                    <p:sldTgt/>
+                  </p:tgtEl>
+                </p:cond>
+              </p:nextCondLst>
+            </p:seq>
+          </p:childTnLst>
+        </p:cTn>
+      </p:par>
+    </p:tnLst>
+  </p:timing>
+</p:sld>
+</file>
+
+<file path=ppt/slides/slide13.xml><?xml version="1.0" encoding="utf-8"?>
+<p:sld xmlns:a="http://schemas.openxmlformats.org/drawingml/2006/main" xmlns:r="http://schemas.openxmlformats.org/officeDocument/2006/relationships" xmlns:p="http://schemas.openxmlformats.org/presentationml/2006/main">
+  <p:cSld>
+    <p:spTree>
+      <p:nvGrpSpPr>
+        <p:cNvPr id="1" name=""/>
+        <p:cNvGrpSpPr/>
+        <p:nvPr/>
+      </p:nvGrpSpPr>
+      <p:grpSpPr>
+        <a:xfrm>
+          <a:off x="0" y="0"/>
+          <a:ext cx="0" cy="0"/>
+          <a:chOff x="0" y="0"/>
+          <a:chExt cx="0" cy="0"/>
+        </a:xfrm>
+      </p:grpSpPr>
       <p:sp>
         <p:nvSpPr>
           <p:cNvPr id="5" name="TextBox 4"/>
@@ -7092,7 +7982,7 @@
             <a:fld id="{3251DA95-B240-47FE-901D-B78FC8E8E532}" type="slidenum">
               <a:rPr lang="en-US" smtClean="0"/>
               <a:pPr/>
-              <a:t>7</a:t>
+              <a:t>13</a:t>
             </a:fld>
             <a:endParaRPr lang="en-US" dirty="0"/>
           </a:p>
@@ -7121,7 +8011,7 @@
 </p:sld>
 </file>
 
-<file path=ppt/slides/slide8.xml><?xml version="1.0" encoding="utf-8"?>
+<file path=ppt/slides/slide14.xml><?xml version="1.0" encoding="utf-8"?>
 <p:sld xmlns:a="http://schemas.openxmlformats.org/drawingml/2006/main" xmlns:r="http://schemas.openxmlformats.org/officeDocument/2006/relationships" xmlns:p="http://schemas.openxmlformats.org/presentationml/2006/main">
   <p:cSld>
     <p:spTree>
@@ -7279,7 +8169,7 @@
             <a:fld id="{3251DA95-B240-47FE-901D-B78FC8E8E532}" type="slidenum">
               <a:rPr lang="en-US" smtClean="0"/>
               <a:pPr/>
-              <a:t>8</a:t>
+              <a:t>14</a:t>
             </a:fld>
             <a:endParaRPr lang="en-US" dirty="0"/>
           </a:p>
@@ -7426,6 +8316,3749 @@
         </p:cTn>
       </p:par>
     </p:tnLst>
+  </p:timing>
+</p:sld>
+</file>
+
+<file path=ppt/slides/slide2.xml><?xml version="1.0" encoding="utf-8"?>
+<p:sld xmlns:a="http://schemas.openxmlformats.org/drawingml/2006/main" xmlns:r="http://schemas.openxmlformats.org/officeDocument/2006/relationships" xmlns:p="http://schemas.openxmlformats.org/presentationml/2006/main">
+  <p:cSld>
+    <p:spTree>
+      <p:nvGrpSpPr>
+        <p:cNvPr id="1" name=""/>
+        <p:cNvGrpSpPr/>
+        <p:nvPr/>
+      </p:nvGrpSpPr>
+      <p:grpSpPr>
+        <a:xfrm>
+          <a:off x="0" y="0"/>
+          <a:ext cx="0" cy="0"/>
+          <a:chOff x="0" y="0"/>
+          <a:chExt cx="0" cy="0"/>
+        </a:xfrm>
+      </p:grpSpPr>
+      <p:sp>
+        <p:nvSpPr>
+          <p:cNvPr id="5" name="TextBox 4"/>
+          <p:cNvSpPr txBox="1"/>
+          <p:nvPr/>
+        </p:nvSpPr>
+        <p:spPr>
+          <a:xfrm>
+            <a:off x="531140" y="1844664"/>
+            <a:ext cx="8117560" cy="3139321"/>
+          </a:xfrm>
+          <a:prstGeom prst="rect">
+            <a:avLst/>
+          </a:prstGeom>
+          <a:noFill/>
+        </p:spPr>
+        <p:txBody>
+          <a:bodyPr wrap="square" rtlCol="0">
+            <a:spAutoFit/>
+          </a:bodyPr>
+          <a:lstStyle/>
+          <a:p>
+            <a:pPr algn="l"/>
+            <a:r>
+              <a:rPr lang="en-US" sz="6600" dirty="0" smtClean="0">
+                <a:solidFill>
+                  <a:srgbClr val="000000"/>
+                </a:solidFill>
+                <a:latin typeface="Comic Sans MS" pitchFamily="66" charset="0"/>
+              </a:rPr>
+              <a:t>Use </a:t>
+            </a:r>
+            <a:r>
+              <a:rPr lang="en-US" sz="6600" dirty="0" smtClean="0">
+                <a:solidFill>
+                  <a:srgbClr val="000000"/>
+                </a:solidFill>
+                <a:latin typeface="Comic Sans MS" pitchFamily="66" charset="0"/>
+              </a:rPr>
+              <a:t>an</a:t>
+            </a:r>
+            <a:r>
+              <a:rPr lang="en-US" sz="6600" dirty="0" smtClean="0">
+                <a:solidFill>
+                  <a:srgbClr val="BB0FAB"/>
+                </a:solidFill>
+                <a:latin typeface="Comic Sans MS" pitchFamily="66" charset="0"/>
+              </a:rPr>
+              <a:t> algebra of equivalence</a:t>
+            </a:r>
+            <a:r>
+              <a:rPr lang="en-US" sz="6600" dirty="0" smtClean="0">
+                <a:latin typeface="Comic Sans MS" pitchFamily="66" charset="0"/>
+              </a:rPr>
+              <a:t> to prove</a:t>
+            </a:r>
+          </a:p>
+          <a:p>
+            <a:pPr algn="l"/>
+            <a:r>
+              <a:rPr lang="en-US" sz="6600" dirty="0" smtClean="0">
+                <a:latin typeface="Comic Sans MS" pitchFamily="66" charset="0"/>
+              </a:rPr>
+              <a:t>formulas equivalent</a:t>
+            </a:r>
+            <a:r>
+              <a:rPr lang="en-US" sz="6600" dirty="0" smtClean="0">
+                <a:latin typeface="Comic Sans MS" pitchFamily="66" charset="0"/>
+              </a:rPr>
+              <a:t>.</a:t>
+            </a:r>
+            <a:endParaRPr lang="en-US" sz="6600" dirty="0">
+              <a:latin typeface="Comic Sans MS" pitchFamily="66" charset="0"/>
+            </a:endParaRPr>
+          </a:p>
+        </p:txBody>
+      </p:sp>
+      <p:sp>
+        <p:nvSpPr>
+          <p:cNvPr id="9" name="Title 1"/>
+          <p:cNvSpPr>
+            <a:spLocks noGrp="1"/>
+          </p:cNvSpPr>
+          <p:nvPr>
+            <p:ph type="title"/>
+          </p:nvPr>
+        </p:nvSpPr>
+        <p:spPr>
+          <a:xfrm>
+            <a:off x="1663700" y="363538"/>
+            <a:ext cx="6794500" cy="1003300"/>
+          </a:xfrm>
+        </p:spPr>
+        <p:txBody>
+          <a:bodyPr/>
+          <a:lstStyle/>
+          <a:p>
+            <a:r>
+              <a:rPr lang="en-US" sz="4000" dirty="0" smtClean="0"/>
+              <a:t>Proving Equivalence</a:t>
+            </a:r>
+            <a:endParaRPr lang="en-US" sz="4000" dirty="0"/>
+          </a:p>
+        </p:txBody>
+      </p:sp>
+      <p:sp>
+        <p:nvSpPr>
+          <p:cNvPr id="4" name="Slide Number Placeholder 2"/>
+          <p:cNvSpPr>
+            <a:spLocks noGrp="1"/>
+          </p:cNvSpPr>
+          <p:nvPr>
+            <p:ph type="sldNum" sz="quarter" idx="10"/>
+          </p:nvPr>
+        </p:nvSpPr>
+        <p:spPr>
+          <a:xfrm>
+            <a:off x="7333815" y="6553200"/>
+            <a:ext cx="1810186" cy="276999"/>
+          </a:xfrm>
+        </p:spPr>
+        <p:txBody>
+          <a:bodyPr/>
+          <a:lstStyle/>
+          <a:p>
+            <a:r>
+              <a:rPr lang="en-US" dirty="0" smtClean="0"/>
+              <a:t>propositional algebra.</a:t>
+            </a:r>
+            <a:fld id="{3251DA95-B240-47FE-901D-B78FC8E8E532}" type="slidenum">
+              <a:rPr lang="en-US" smtClean="0"/>
+              <a:pPr/>
+              <a:t>2</a:t>
+            </a:fld>
+            <a:endParaRPr lang="en-US" dirty="0"/>
+          </a:p>
+        </p:txBody>
+      </p:sp>
+    </p:spTree>
+  </p:cSld>
+  <p:clrMapOvr>
+    <a:masterClrMapping/>
+  </p:clrMapOvr>
+  <p:transition xmlns:p14="http://schemas.microsoft.com/office/powerpoint/2010/main" spd="slow" advClick="0">
+    <p:fade/>
+  </p:transition>
+  <p:timing>
+    <p:tnLst>
+      <p:par>
+        <p:cTn xmlns:p14="http://schemas.microsoft.com/office/powerpoint/2010/main" id="1" dur="indefinite" restart="never" nodeType="tmRoot"/>
+      </p:par>
+    </p:tnLst>
+  </p:timing>
+</p:sld>
+</file>
+
+<file path=ppt/slides/slide3.xml><?xml version="1.0" encoding="utf-8"?>
+<p:sld xmlns:a="http://schemas.openxmlformats.org/drawingml/2006/main" xmlns:r="http://schemas.openxmlformats.org/officeDocument/2006/relationships" xmlns:p="http://schemas.openxmlformats.org/presentationml/2006/main" show="0">
+  <p:cSld>
+    <p:spTree>
+      <p:nvGrpSpPr>
+        <p:cNvPr id="1" name=""/>
+        <p:cNvGrpSpPr/>
+        <p:nvPr/>
+      </p:nvGrpSpPr>
+      <p:grpSpPr>
+        <a:xfrm>
+          <a:off x="0" y="0"/>
+          <a:ext cx="0" cy="0"/>
+          <a:chOff x="0" y="0"/>
+          <a:chExt cx="0" cy="0"/>
+        </a:xfrm>
+      </p:grpSpPr>
+      <p:sp>
+        <p:nvSpPr>
+          <p:cNvPr id="5" name="TextBox 4"/>
+          <p:cNvSpPr txBox="1"/>
+          <p:nvPr/>
+        </p:nvSpPr>
+        <p:spPr>
+          <a:xfrm>
+            <a:off x="124740" y="1717665"/>
+            <a:ext cx="8985240" cy="4247317"/>
+          </a:xfrm>
+          <a:prstGeom prst="rect">
+            <a:avLst/>
+          </a:prstGeom>
+          <a:noFill/>
+        </p:spPr>
+        <p:txBody>
+          <a:bodyPr wrap="square" rtlCol="0">
+            <a:spAutoFit/>
+          </a:bodyPr>
+          <a:lstStyle/>
+          <a:p>
+            <a:pPr algn="l"/>
+            <a:r>
+              <a:rPr lang="en-US" sz="5400" dirty="0" smtClean="0">
+                <a:latin typeface="Comic Sans MS" pitchFamily="66" charset="0"/>
+              </a:rPr>
+              <a:t>The text describes a bunch of algebraic rules to prove that propositional formulas are equivalent</a:t>
+            </a:r>
+          </a:p>
+          <a:p>
+            <a:pPr algn="l"/>
+            <a:endParaRPr lang="en-US" sz="5400" dirty="0">
+              <a:latin typeface="Comic Sans MS" pitchFamily="66" charset="0"/>
+            </a:endParaRPr>
+          </a:p>
+        </p:txBody>
+      </p:sp>
+      <p:sp>
+        <p:nvSpPr>
+          <p:cNvPr id="9" name="Title 1"/>
+          <p:cNvSpPr>
+            <a:spLocks noGrp="1"/>
+          </p:cNvSpPr>
+          <p:nvPr>
+            <p:ph type="title"/>
+          </p:nvPr>
+        </p:nvSpPr>
+        <p:spPr>
+          <a:xfrm>
+            <a:off x="1651000" y="363538"/>
+            <a:ext cx="6794500" cy="1003300"/>
+          </a:xfrm>
+        </p:spPr>
+        <p:txBody>
+          <a:bodyPr/>
+          <a:lstStyle/>
+          <a:p>
+            <a:r>
+              <a:rPr lang="en-US" sz="4000" dirty="0" smtClean="0"/>
+              <a:t>Proving Validity</a:t>
+            </a:r>
+            <a:endParaRPr lang="en-US" sz="4000" dirty="0"/>
+          </a:p>
+        </p:txBody>
+      </p:sp>
+      <p:sp>
+        <p:nvSpPr>
+          <p:cNvPr id="4" name="Slide Number Placeholder 2"/>
+          <p:cNvSpPr>
+            <a:spLocks noGrp="1"/>
+          </p:cNvSpPr>
+          <p:nvPr>
+            <p:ph type="sldNum" sz="quarter" idx="10"/>
+          </p:nvPr>
+        </p:nvSpPr>
+        <p:spPr>
+          <a:xfrm>
+            <a:off x="7333815" y="6553200"/>
+            <a:ext cx="1810186" cy="276999"/>
+          </a:xfrm>
+        </p:spPr>
+        <p:txBody>
+          <a:bodyPr/>
+          <a:lstStyle/>
+          <a:p>
+            <a:r>
+              <a:rPr lang="en-US" dirty="0" smtClean="0"/>
+              <a:t>propositional algebra.</a:t>
+            </a:r>
+            <a:fld id="{3251DA95-B240-47FE-901D-B78FC8E8E532}" type="slidenum">
+              <a:rPr lang="en-US" smtClean="0"/>
+              <a:pPr/>
+              <a:t>3</a:t>
+            </a:fld>
+            <a:endParaRPr lang="en-US" dirty="0"/>
+          </a:p>
+        </p:txBody>
+      </p:sp>
+    </p:spTree>
+    <p:extLst>
+      <p:ext uri="{BB962C8B-B14F-4D97-AF65-F5344CB8AC3E}">
+        <p14:creationId xmlns:p14="http://schemas.microsoft.com/office/powerpoint/2010/main" val="2402037063"/>
+      </p:ext>
+    </p:extLst>
+  </p:cSld>
+  <p:clrMapOvr>
+    <a:masterClrMapping/>
+  </p:clrMapOvr>
+  <p:transition xmlns:p14="http://schemas.microsoft.com/office/powerpoint/2010/main" spd="slow" advClick="0">
+    <p:fade/>
+  </p:transition>
+  <p:timing>
+    <p:tnLst>
+      <p:par>
+        <p:cTn xmlns:p14="http://schemas.microsoft.com/office/powerpoint/2010/main" id="1" dur="indefinite" restart="never" nodeType="tmRoot"/>
+      </p:par>
+    </p:tnLst>
+  </p:timing>
+</p:sld>
+</file>
+
+<file path=ppt/slides/slide4.xml><?xml version="1.0" encoding="utf-8"?>
+<p:sld xmlns:a="http://schemas.openxmlformats.org/drawingml/2006/main" xmlns:r="http://schemas.openxmlformats.org/officeDocument/2006/relationships" xmlns:p="http://schemas.openxmlformats.org/presentationml/2006/main">
+  <p:cSld>
+    <p:spTree>
+      <p:nvGrpSpPr>
+        <p:cNvPr id="1" name=""/>
+        <p:cNvGrpSpPr/>
+        <p:nvPr/>
+      </p:nvGrpSpPr>
+      <p:grpSpPr>
+        <a:xfrm>
+          <a:off x="0" y="0"/>
+          <a:ext cx="0" cy="0"/>
+          <a:chOff x="0" y="0"/>
+          <a:chExt cx="0" cy="0"/>
+        </a:xfrm>
+      </p:grpSpPr>
+      <p:sp>
+        <p:nvSpPr>
+          <p:cNvPr id="5" name="TextBox 4"/>
+          <p:cNvSpPr txBox="1"/>
+          <p:nvPr/>
+        </p:nvSpPr>
+        <p:spPr>
+          <a:xfrm>
+            <a:off x="1724483" y="1320800"/>
+            <a:ext cx="5729960" cy="923330"/>
+          </a:xfrm>
+          <a:prstGeom prst="rect">
+            <a:avLst/>
+          </a:prstGeom>
+          <a:noFill/>
+        </p:spPr>
+        <p:txBody>
+          <a:bodyPr wrap="square" rtlCol="0">
+            <a:spAutoFit/>
+          </a:bodyPr>
+          <a:lstStyle/>
+          <a:p>
+            <a:pPr algn="l"/>
+            <a:r>
+              <a:rPr lang="en-US" sz="5400" dirty="0" smtClean="0">
+                <a:solidFill>
+                  <a:srgbClr val="FF03E3"/>
+                </a:solidFill>
+                <a:latin typeface="Comic Sans MS" pitchFamily="66" charset="0"/>
+              </a:rPr>
+              <a:t>Double Negation</a:t>
+            </a:r>
+            <a:endParaRPr lang="en-US" sz="5400" dirty="0">
+              <a:solidFill>
+                <a:srgbClr val="FF03E3"/>
+              </a:solidFill>
+              <a:latin typeface="Comic Sans MS" pitchFamily="66" charset="0"/>
+            </a:endParaRPr>
+          </a:p>
+        </p:txBody>
+      </p:sp>
+      <p:sp>
+        <p:nvSpPr>
+          <p:cNvPr id="9" name="Title 1"/>
+          <p:cNvSpPr>
+            <a:spLocks noGrp="1"/>
+          </p:cNvSpPr>
+          <p:nvPr>
+            <p:ph type="title"/>
+          </p:nvPr>
+        </p:nvSpPr>
+        <p:spPr>
+          <a:xfrm>
+            <a:off x="1651000" y="363538"/>
+            <a:ext cx="6794500" cy="1003300"/>
+          </a:xfrm>
+        </p:spPr>
+        <p:txBody>
+          <a:bodyPr/>
+          <a:lstStyle/>
+          <a:p>
+            <a:r>
+              <a:rPr lang="en-US" sz="4000" dirty="0" smtClean="0"/>
+              <a:t>Algebra for Equivalence</a:t>
+            </a:r>
+            <a:endParaRPr lang="en-US" sz="4000" dirty="0"/>
+          </a:p>
+        </p:txBody>
+      </p:sp>
+      <p:sp>
+        <p:nvSpPr>
+          <p:cNvPr id="4" name="Slide Number Placeholder 2"/>
+          <p:cNvSpPr>
+            <a:spLocks noGrp="1"/>
+          </p:cNvSpPr>
+          <p:nvPr>
+            <p:ph type="sldNum" sz="quarter" idx="10"/>
+          </p:nvPr>
+        </p:nvSpPr>
+        <p:spPr>
+          <a:xfrm>
+            <a:off x="7333815" y="6553200"/>
+            <a:ext cx="1810186" cy="276999"/>
+          </a:xfrm>
+        </p:spPr>
+        <p:txBody>
+          <a:bodyPr/>
+          <a:lstStyle/>
+          <a:p>
+            <a:r>
+              <a:rPr lang="en-US" dirty="0" smtClean="0"/>
+              <a:t>propositional algebra.</a:t>
+            </a:r>
+            <a:fld id="{3251DA95-B240-47FE-901D-B78FC8E8E532}" type="slidenum">
+              <a:rPr lang="en-US" smtClean="0"/>
+              <a:pPr/>
+              <a:t>4</a:t>
+            </a:fld>
+            <a:endParaRPr lang="en-US" dirty="0"/>
+          </a:p>
+        </p:txBody>
+      </p:sp>
+      <p:graphicFrame>
+        <p:nvGraphicFramePr>
+          <p:cNvPr id="3" name="Object 2"/>
+          <p:cNvGraphicFramePr>
+            <a:graphicFrameLocks noChangeAspect="1"/>
+          </p:cNvGraphicFramePr>
+          <p:nvPr>
+            <p:extLst>
+              <p:ext uri="{D42A27DB-BD31-4B8C-83A1-F6EECF244321}">
+                <p14:modId xmlns:p14="http://schemas.microsoft.com/office/powerpoint/2010/main" val="3219183914"/>
+              </p:ext>
+            </p:extLst>
+          </p:nvPr>
+        </p:nvGraphicFramePr>
+        <p:xfrm>
+          <a:off x="1090751" y="2590801"/>
+          <a:ext cx="7099024" cy="1252538"/>
+        </p:xfrm>
+        <a:graphic>
+          <a:graphicData uri="http://schemas.openxmlformats.org/presentationml/2006/ole">
+            <mc:AlternateContent xmlns:mc="http://schemas.openxmlformats.org/markup-compatibility/2006">
+              <mc:Choice xmlns:v="urn:schemas-microsoft-com:vml" Requires="v">
+                <p:oleObj spid="_x0000_s1035" name="Equation" r:id="rId4" imgW="1295400" imgH="228600" progId="Equation.DSMT4">
+                  <p:embed/>
+                </p:oleObj>
+              </mc:Choice>
+              <mc:Fallback>
+                <p:oleObj name="Equation" r:id="rId4" imgW="1295400" imgH="228600" progId="Equation.DSMT4">
+                  <p:embed/>
+                  <p:pic>
+                    <p:nvPicPr>
+                      <p:cNvPr id="0" name=""/>
+                      <p:cNvPicPr/>
+                      <p:nvPr/>
+                    </p:nvPicPr>
+                    <p:blipFill>
+                      <a:blip r:embed="rId5"/>
+                      <a:stretch>
+                        <a:fillRect/>
+                      </a:stretch>
+                    </p:blipFill>
+                    <p:spPr>
+                      <a:xfrm>
+                        <a:off x="1090751" y="2590801"/>
+                        <a:ext cx="7099024" cy="1252538"/>
+                      </a:xfrm>
+                      <a:prstGeom prst="rect">
+                        <a:avLst/>
+                      </a:prstGeom>
+                    </p:spPr>
+                  </p:pic>
+                </p:oleObj>
+              </mc:Fallback>
+            </mc:AlternateContent>
+          </a:graphicData>
+        </a:graphic>
+      </p:graphicFrame>
+    </p:spTree>
+    <p:extLst>
+      <p:ext uri="{BB962C8B-B14F-4D97-AF65-F5344CB8AC3E}">
+        <p14:creationId xmlns:p14="http://schemas.microsoft.com/office/powerpoint/2010/main" val="2749065415"/>
+      </p:ext>
+    </p:extLst>
+  </p:cSld>
+  <p:clrMapOvr>
+    <a:masterClrMapping/>
+  </p:clrMapOvr>
+  <p:transition xmlns:p14="http://schemas.microsoft.com/office/powerpoint/2010/main" spd="slow" advClick="0">
+    <p:fade/>
+  </p:transition>
+  <p:timing>
+    <p:tnLst>
+      <p:par>
+        <p:cTn xmlns:p14="http://schemas.microsoft.com/office/powerpoint/2010/main" id="1" dur="indefinite" restart="never" nodeType="tmRoot">
+          <p:childTnLst>
+            <p:seq concurrent="1" nextAc="seek">
+              <p:cTn id="2" dur="indefinite" nodeType="mainSeq">
+                <p:childTnLst>
+                  <p:par>
+                    <p:cTn id="3" fill="hold">
+                      <p:stCondLst>
+                        <p:cond delay="indefinite"/>
+                      </p:stCondLst>
+                      <p:childTnLst>
+                        <p:par>
+                          <p:cTn id="4" fill="hold">
+                            <p:stCondLst>
+                              <p:cond delay="0"/>
+                            </p:stCondLst>
+                            <p:childTnLst>
+                              <p:par>
+                                <p:cTn id="5" presetID="22" presetClass="entr" presetSubtype="1" fill="hold" nodeType="clickEffect">
+                                  <p:stCondLst>
+                                    <p:cond delay="0"/>
+                                  </p:stCondLst>
+                                  <p:childTnLst>
+                                    <p:set>
+                                      <p:cBhvr>
+                                        <p:cTn id="6" dur="1" fill="hold">
+                                          <p:stCondLst>
+                                            <p:cond delay="0"/>
+                                          </p:stCondLst>
+                                        </p:cTn>
+                                        <p:tgtEl>
+                                          <p:spTgt spid="3"/>
+                                        </p:tgtEl>
+                                        <p:attrNameLst>
+                                          <p:attrName>style.visibility</p:attrName>
+                                        </p:attrNameLst>
+                                      </p:cBhvr>
+                                      <p:to>
+                                        <p:strVal val="visible"/>
+                                      </p:to>
+                                    </p:set>
+                                    <p:animEffect transition="in" filter="wipe(up)">
+                                      <p:cBhvr>
+                                        <p:cTn id="7" dur="1000"/>
+                                        <p:tgtEl>
+                                          <p:spTgt spid="3"/>
+                                        </p:tgtEl>
+                                      </p:cBhvr>
+                                    </p:animEffect>
+                                  </p:childTnLst>
+                                </p:cTn>
+                              </p:par>
+                            </p:childTnLst>
+                          </p:cTn>
+                        </p:par>
+                      </p:childTnLst>
+                    </p:cTn>
+                  </p:par>
+                </p:childTnLst>
+              </p:cTn>
+              <p:prevCondLst>
+                <p:cond evt="onPrev" delay="0">
+                  <p:tgtEl>
+                    <p:sldTgt/>
+                  </p:tgtEl>
+                </p:cond>
+              </p:prevCondLst>
+              <p:nextCondLst>
+                <p:cond evt="onNext" delay="0">
+                  <p:tgtEl>
+                    <p:sldTgt/>
+                  </p:tgtEl>
+                </p:cond>
+              </p:nextCondLst>
+            </p:seq>
+          </p:childTnLst>
+        </p:cTn>
+      </p:par>
+    </p:tnLst>
+  </p:timing>
+</p:sld>
+</file>
+
+<file path=ppt/slides/slide5.xml><?xml version="1.0" encoding="utf-8"?>
+<p:sld xmlns:a="http://schemas.openxmlformats.org/drawingml/2006/main" xmlns:r="http://schemas.openxmlformats.org/officeDocument/2006/relationships" xmlns:p="http://schemas.openxmlformats.org/presentationml/2006/main">
+  <p:cSld>
+    <p:spTree>
+      <p:nvGrpSpPr>
+        <p:cNvPr id="1" name=""/>
+        <p:cNvGrpSpPr/>
+        <p:nvPr/>
+      </p:nvGrpSpPr>
+      <p:grpSpPr>
+        <a:xfrm>
+          <a:off x="0" y="0"/>
+          <a:ext cx="0" cy="0"/>
+          <a:chOff x="0" y="0"/>
+          <a:chExt cx="0" cy="0"/>
+        </a:xfrm>
+      </p:grpSpPr>
+      <p:sp>
+        <p:nvSpPr>
+          <p:cNvPr id="5" name="TextBox 4"/>
+          <p:cNvSpPr txBox="1"/>
+          <p:nvPr/>
+        </p:nvSpPr>
+        <p:spPr>
+          <a:xfrm>
+            <a:off x="455613" y="1270000"/>
+            <a:ext cx="8267700" cy="939800"/>
+          </a:xfrm>
+          <a:prstGeom prst="rect">
+            <a:avLst/>
+          </a:prstGeom>
+          <a:noFill/>
+        </p:spPr>
+        <p:txBody>
+          <a:bodyPr wrap="square" rtlCol="0">
+            <a:spAutoFit/>
+          </a:bodyPr>
+          <a:lstStyle/>
+          <a:p>
+            <a:pPr algn="l"/>
+            <a:r>
+              <a:rPr lang="en-US" sz="5400" dirty="0" smtClean="0">
+                <a:solidFill>
+                  <a:schemeClr val="accent1">
+                    <a:lumMod val="50000"/>
+                  </a:schemeClr>
+                </a:solidFill>
+                <a:latin typeface="Comic Sans MS" pitchFamily="66" charset="0"/>
+              </a:rPr>
+              <a:t>Rules </a:t>
+            </a:r>
+            <a:r>
+              <a:rPr lang="en-US" sz="5400" dirty="0" smtClean="0">
+                <a:solidFill>
+                  <a:schemeClr val="accent1">
+                    <a:lumMod val="50000"/>
+                  </a:schemeClr>
+                </a:solidFill>
+                <a:latin typeface="Comic Sans MS" pitchFamily="66" charset="0"/>
+              </a:rPr>
+              <a:t>for </a:t>
+            </a:r>
+            <a:r>
+              <a:rPr lang="en-US" sz="4000" dirty="0" smtClean="0">
+                <a:solidFill>
+                  <a:schemeClr val="accent1">
+                    <a:lumMod val="50000"/>
+                  </a:schemeClr>
+                </a:solidFill>
+                <a:latin typeface="Comic Sans MS" pitchFamily="66" charset="0"/>
+              </a:rPr>
+              <a:t>XOR</a:t>
+            </a:r>
+            <a:r>
+              <a:rPr lang="en-US" sz="5400" dirty="0" smtClean="0">
+                <a:solidFill>
+                  <a:srgbClr val="FF03E3"/>
+                </a:solidFill>
+                <a:latin typeface="Comic Sans MS" pitchFamily="66" charset="0"/>
+              </a:rPr>
+              <a:t> and </a:t>
+            </a:r>
+            <a:r>
+              <a:rPr lang="en-US" sz="4000" dirty="0" smtClean="0">
+                <a:solidFill>
+                  <a:srgbClr val="0000E5"/>
+                </a:solidFill>
+                <a:latin typeface="Comic Sans MS" pitchFamily="66" charset="0"/>
+              </a:rPr>
+              <a:t>IMPLIES</a:t>
+            </a:r>
+            <a:endParaRPr lang="en-US" sz="4000" dirty="0">
+              <a:solidFill>
+                <a:srgbClr val="0000E5"/>
+              </a:solidFill>
+              <a:latin typeface="Comic Sans MS" pitchFamily="66" charset="0"/>
+            </a:endParaRPr>
+          </a:p>
+        </p:txBody>
+      </p:sp>
+      <p:sp>
+        <p:nvSpPr>
+          <p:cNvPr id="9" name="Title 1"/>
+          <p:cNvSpPr>
+            <a:spLocks noGrp="1"/>
+          </p:cNvSpPr>
+          <p:nvPr>
+            <p:ph type="title"/>
+          </p:nvPr>
+        </p:nvSpPr>
+        <p:spPr>
+          <a:xfrm>
+            <a:off x="1651000" y="363538"/>
+            <a:ext cx="6794500" cy="1003300"/>
+          </a:xfrm>
+        </p:spPr>
+        <p:txBody>
+          <a:bodyPr/>
+          <a:lstStyle/>
+          <a:p>
+            <a:r>
+              <a:rPr lang="en-US" sz="4000" dirty="0" smtClean="0"/>
+              <a:t>Algebra for Equivalence</a:t>
+            </a:r>
+            <a:endParaRPr lang="en-US" sz="4000" dirty="0"/>
+          </a:p>
+        </p:txBody>
+      </p:sp>
+      <p:sp>
+        <p:nvSpPr>
+          <p:cNvPr id="4" name="Slide Number Placeholder 2"/>
+          <p:cNvSpPr>
+            <a:spLocks noGrp="1"/>
+          </p:cNvSpPr>
+          <p:nvPr>
+            <p:ph type="sldNum" sz="quarter" idx="10"/>
+          </p:nvPr>
+        </p:nvSpPr>
+        <p:spPr>
+          <a:xfrm>
+            <a:off x="7333815" y="6553200"/>
+            <a:ext cx="1810186" cy="276999"/>
+          </a:xfrm>
+        </p:spPr>
+        <p:txBody>
+          <a:bodyPr/>
+          <a:lstStyle/>
+          <a:p>
+            <a:r>
+              <a:rPr lang="en-US" dirty="0" smtClean="0"/>
+              <a:t>propositional algebra.</a:t>
+            </a:r>
+            <a:fld id="{3251DA95-B240-47FE-901D-B78FC8E8E532}" type="slidenum">
+              <a:rPr lang="en-US" smtClean="0"/>
+              <a:pPr/>
+              <a:t>5</a:t>
+            </a:fld>
+            <a:endParaRPr lang="en-US" dirty="0"/>
+          </a:p>
+        </p:txBody>
+      </p:sp>
+      <p:sp>
+        <p:nvSpPr>
+          <p:cNvPr id="2" name="TextBox 1"/>
+          <p:cNvSpPr txBox="1"/>
+          <p:nvPr/>
+        </p:nvSpPr>
+        <p:spPr>
+          <a:xfrm>
+            <a:off x="203200" y="5377576"/>
+            <a:ext cx="8775700" cy="923330"/>
+          </a:xfrm>
+          <a:prstGeom prst="rect">
+            <a:avLst/>
+          </a:prstGeom>
+          <a:noFill/>
+        </p:spPr>
+        <p:txBody>
+          <a:bodyPr wrap="square" rtlCol="0">
+            <a:spAutoFit/>
+          </a:bodyPr>
+          <a:lstStyle/>
+          <a:p>
+            <a:pPr algn="l"/>
+            <a:r>
+              <a:rPr lang="en-US" sz="5400" dirty="0" smtClean="0">
+                <a:latin typeface="Comic Sans MS" pitchFamily="66" charset="0"/>
+              </a:rPr>
+              <a:t>Use to get just </a:t>
+            </a:r>
+            <a:r>
+              <a:rPr lang="en-US" sz="3800" dirty="0" smtClean="0">
+                <a:solidFill>
+                  <a:srgbClr val="CCCCFF">
+                    <a:lumMod val="50000"/>
+                  </a:srgbClr>
+                </a:solidFill>
+                <a:latin typeface="Comic Sans MS" pitchFamily="66" charset="0"/>
+              </a:rPr>
+              <a:t>AND</a:t>
+            </a:r>
+            <a:r>
+              <a:rPr lang="en-US" sz="3800" dirty="0" smtClean="0">
+                <a:latin typeface="Comic Sans MS" pitchFamily="66" charset="0"/>
+              </a:rPr>
+              <a:t>,</a:t>
+            </a:r>
+            <a:r>
+              <a:rPr lang="en-US" sz="3800" dirty="0" smtClean="0">
+                <a:solidFill>
+                  <a:srgbClr val="CCCCFF">
+                    <a:lumMod val="50000"/>
+                  </a:srgbClr>
+                </a:solidFill>
+                <a:latin typeface="Comic Sans MS" pitchFamily="66" charset="0"/>
+              </a:rPr>
+              <a:t> OR</a:t>
+            </a:r>
+            <a:r>
+              <a:rPr lang="en-US" sz="3800" dirty="0" smtClean="0">
+                <a:solidFill>
+                  <a:srgbClr val="000000"/>
+                </a:solidFill>
+                <a:latin typeface="Comic Sans MS" pitchFamily="66" charset="0"/>
+              </a:rPr>
+              <a:t>,</a:t>
+            </a:r>
+            <a:r>
+              <a:rPr lang="en-US" sz="3800" dirty="0" smtClean="0">
+                <a:solidFill>
+                  <a:srgbClr val="CCCCFF">
+                    <a:lumMod val="50000"/>
+                  </a:srgbClr>
+                </a:solidFill>
+                <a:latin typeface="Comic Sans MS" pitchFamily="66" charset="0"/>
+              </a:rPr>
+              <a:t> NOT</a:t>
+            </a:r>
+            <a:endParaRPr lang="en-US" sz="3800" dirty="0" smtClean="0">
+              <a:latin typeface="Comic Sans MS" pitchFamily="66" charset="0"/>
+            </a:endParaRPr>
+          </a:p>
+        </p:txBody>
+      </p:sp>
+      <p:graphicFrame>
+        <p:nvGraphicFramePr>
+          <p:cNvPr id="6" name="Object 5"/>
+          <p:cNvGraphicFramePr>
+            <a:graphicFrameLocks noChangeAspect="1"/>
+          </p:cNvGraphicFramePr>
+          <p:nvPr>
+            <p:extLst>
+              <p:ext uri="{D42A27DB-BD31-4B8C-83A1-F6EECF244321}">
+                <p14:modId xmlns:p14="http://schemas.microsoft.com/office/powerpoint/2010/main" val="2631726815"/>
+              </p:ext>
+            </p:extLst>
+          </p:nvPr>
+        </p:nvGraphicFramePr>
+        <p:xfrm>
+          <a:off x="5397500" y="4064000"/>
+          <a:ext cx="139700" cy="215900"/>
+        </p:xfrm>
+        <a:graphic>
+          <a:graphicData uri="http://schemas.openxmlformats.org/presentationml/2006/ole">
+            <mc:AlternateContent xmlns:mc="http://schemas.openxmlformats.org/markup-compatibility/2006">
+              <mc:Choice xmlns:v="urn:schemas-microsoft-com:vml" Requires="v">
+                <p:oleObj spid="_x0000_s419887" name="Equation" r:id="rId4" imgW="139700" imgH="215900" progId="Equation.DSMT4">
+                  <p:embed/>
+                </p:oleObj>
+              </mc:Choice>
+              <mc:Fallback>
+                <p:oleObj name="Equation" r:id="rId4" imgW="139700" imgH="215900" progId="Equation.DSMT4">
+                  <p:embed/>
+                  <p:pic>
+                    <p:nvPicPr>
+                      <p:cNvPr id="0" name=""/>
+                      <p:cNvPicPr/>
+                      <p:nvPr/>
+                    </p:nvPicPr>
+                    <p:blipFill>
+                      <a:blip r:embed="rId5"/>
+                      <a:stretch>
+                        <a:fillRect/>
+                      </a:stretch>
+                    </p:blipFill>
+                    <p:spPr>
+                      <a:xfrm>
+                        <a:off x="5397500" y="4064000"/>
+                        <a:ext cx="139700" cy="215900"/>
+                      </a:xfrm>
+                      <a:prstGeom prst="rect">
+                        <a:avLst/>
+                      </a:prstGeom>
+                    </p:spPr>
+                  </p:pic>
+                </p:oleObj>
+              </mc:Fallback>
+            </mc:AlternateContent>
+          </a:graphicData>
+        </a:graphic>
+      </p:graphicFrame>
+      <p:graphicFrame>
+        <p:nvGraphicFramePr>
+          <p:cNvPr id="7" name="Object 6"/>
+          <p:cNvGraphicFramePr>
+            <a:graphicFrameLocks noChangeAspect="1"/>
+          </p:cNvGraphicFramePr>
+          <p:nvPr>
+            <p:extLst>
+              <p:ext uri="{D42A27DB-BD31-4B8C-83A1-F6EECF244321}">
+                <p14:modId xmlns:p14="http://schemas.microsoft.com/office/powerpoint/2010/main" val="4035129883"/>
+              </p:ext>
+            </p:extLst>
+          </p:nvPr>
+        </p:nvGraphicFramePr>
+        <p:xfrm>
+          <a:off x="452438" y="2495550"/>
+          <a:ext cx="8275637" cy="2628900"/>
+        </p:xfrm>
+        <a:graphic>
+          <a:graphicData uri="http://schemas.openxmlformats.org/presentationml/2006/ole">
+            <mc:AlternateContent xmlns:mc="http://schemas.openxmlformats.org/markup-compatibility/2006">
+              <mc:Choice xmlns:v="urn:schemas-microsoft-com:vml" Requires="v">
+                <p:oleObj spid="_x0000_s419888" name="Equation" r:id="rId6" imgW="2159000" imgH="685800" progId="Equation.DSMT4">
+                  <p:embed/>
+                </p:oleObj>
+              </mc:Choice>
+              <mc:Fallback>
+                <p:oleObj name="Equation" r:id="rId6" imgW="2159000" imgH="685800" progId="Equation.DSMT4">
+                  <p:embed/>
+                  <p:pic>
+                    <p:nvPicPr>
+                      <p:cNvPr id="0" name=""/>
+                      <p:cNvPicPr/>
+                      <p:nvPr/>
+                    </p:nvPicPr>
+                    <p:blipFill>
+                      <a:blip r:embed="rId7"/>
+                      <a:stretch>
+                        <a:fillRect/>
+                      </a:stretch>
+                    </p:blipFill>
+                    <p:spPr>
+                      <a:xfrm>
+                        <a:off x="452438" y="2495550"/>
+                        <a:ext cx="8275637" cy="2628900"/>
+                      </a:xfrm>
+                      <a:prstGeom prst="rect">
+                        <a:avLst/>
+                      </a:prstGeom>
+                    </p:spPr>
+                  </p:pic>
+                </p:oleObj>
+              </mc:Fallback>
+            </mc:AlternateContent>
+          </a:graphicData>
+        </a:graphic>
+      </p:graphicFrame>
+    </p:spTree>
+    <p:extLst>
+      <p:ext uri="{BB962C8B-B14F-4D97-AF65-F5344CB8AC3E}">
+        <p14:creationId xmlns:p14="http://schemas.microsoft.com/office/powerpoint/2010/main" val="427619550"/>
+      </p:ext>
+    </p:extLst>
+  </p:cSld>
+  <p:clrMapOvr>
+    <a:masterClrMapping/>
+  </p:clrMapOvr>
+  <p:transition xmlns:p14="http://schemas.microsoft.com/office/powerpoint/2010/main" spd="slow" advClick="0">
+    <p:fade/>
+  </p:transition>
+  <p:timing>
+    <p:tnLst>
+      <p:par>
+        <p:cTn xmlns:p14="http://schemas.microsoft.com/office/powerpoint/2010/main" id="1" dur="indefinite" restart="never" nodeType="tmRoot">
+          <p:childTnLst>
+            <p:seq concurrent="1" nextAc="seek">
+              <p:cTn id="2" dur="indefinite" nodeType="mainSeq">
+                <p:childTnLst>
+                  <p:par>
+                    <p:cTn id="3" fill="hold">
+                      <p:stCondLst>
+                        <p:cond delay="indefinite"/>
+                      </p:stCondLst>
+                      <p:childTnLst>
+                        <p:par>
+                          <p:cTn id="4" fill="hold">
+                            <p:stCondLst>
+                              <p:cond delay="0"/>
+                            </p:stCondLst>
+                            <p:childTnLst>
+                              <p:par>
+                                <p:cTn id="5" presetID="22" presetClass="entr" presetSubtype="8" fill="hold" nodeType="clickEffect">
+                                  <p:stCondLst>
+                                    <p:cond delay="0"/>
+                                  </p:stCondLst>
+                                  <p:childTnLst>
+                                    <p:set>
+                                      <p:cBhvr>
+                                        <p:cTn id="6" dur="1" fill="hold">
+                                          <p:stCondLst>
+                                            <p:cond delay="0"/>
+                                          </p:stCondLst>
+                                        </p:cTn>
+                                        <p:tgtEl>
+                                          <p:spTgt spid="7"/>
+                                        </p:tgtEl>
+                                        <p:attrNameLst>
+                                          <p:attrName>style.visibility</p:attrName>
+                                        </p:attrNameLst>
+                                      </p:cBhvr>
+                                      <p:to>
+                                        <p:strVal val="visible"/>
+                                      </p:to>
+                                    </p:set>
+                                    <p:animEffect transition="in" filter="wipe(left)">
+                                      <p:cBhvr>
+                                        <p:cTn id="7" dur="1000"/>
+                                        <p:tgtEl>
+                                          <p:spTgt spid="7"/>
+                                        </p:tgtEl>
+                                      </p:cBhvr>
+                                    </p:animEffect>
+                                  </p:childTnLst>
+                                </p:cTn>
+                              </p:par>
+                            </p:childTnLst>
+                          </p:cTn>
+                        </p:par>
+                      </p:childTnLst>
+                    </p:cTn>
+                  </p:par>
+                  <p:par>
+                    <p:cTn id="8" fill="hold">
+                      <p:stCondLst>
+                        <p:cond delay="indefinite"/>
+                      </p:stCondLst>
+                      <p:childTnLst>
+                        <p:par>
+                          <p:cTn id="9" fill="hold">
+                            <p:stCondLst>
+                              <p:cond delay="0"/>
+                            </p:stCondLst>
+                            <p:childTnLst>
+                              <p:par>
+                                <p:cTn id="10" presetID="10" presetClass="entr" presetSubtype="0" fill="hold" grpId="0" nodeType="clickEffect">
+                                  <p:stCondLst>
+                                    <p:cond delay="0"/>
+                                  </p:stCondLst>
+                                  <p:childTnLst>
+                                    <p:set>
+                                      <p:cBhvr>
+                                        <p:cTn id="11" dur="1" fill="hold">
+                                          <p:stCondLst>
+                                            <p:cond delay="0"/>
+                                          </p:stCondLst>
+                                        </p:cTn>
+                                        <p:tgtEl>
+                                          <p:spTgt spid="2"/>
+                                        </p:tgtEl>
+                                        <p:attrNameLst>
+                                          <p:attrName>style.visibility</p:attrName>
+                                        </p:attrNameLst>
+                                      </p:cBhvr>
+                                      <p:to>
+                                        <p:strVal val="visible"/>
+                                      </p:to>
+                                    </p:set>
+                                    <p:animEffect transition="in" filter="fade">
+                                      <p:cBhvr>
+                                        <p:cTn id="12" dur="500"/>
+                                        <p:tgtEl>
+                                          <p:spTgt spid="2"/>
+                                        </p:tgtEl>
+                                      </p:cBhvr>
+                                    </p:animEffect>
+                                  </p:childTnLst>
+                                </p:cTn>
+                              </p:par>
+                            </p:childTnLst>
+                          </p:cTn>
+                        </p:par>
+                      </p:childTnLst>
+                    </p:cTn>
+                  </p:par>
+                </p:childTnLst>
+              </p:cTn>
+              <p:prevCondLst>
+                <p:cond evt="onPrev" delay="0">
+                  <p:tgtEl>
+                    <p:sldTgt/>
+                  </p:tgtEl>
+                </p:cond>
+              </p:prevCondLst>
+              <p:nextCondLst>
+                <p:cond evt="onNext" delay="0">
+                  <p:tgtEl>
+                    <p:sldTgt/>
+                  </p:tgtEl>
+                </p:cond>
+              </p:nextCondLst>
+            </p:seq>
+          </p:childTnLst>
+        </p:cTn>
+      </p:par>
+    </p:tnLst>
+    <p:bldLst>
+      <p:bldP spid="2" grpId="0"/>
+    </p:bldLst>
+  </p:timing>
+</p:sld>
+</file>
+
+<file path=ppt/slides/slide6.xml><?xml version="1.0" encoding="utf-8"?>
+<p:sld xmlns:a="http://schemas.openxmlformats.org/drawingml/2006/main" xmlns:r="http://schemas.openxmlformats.org/officeDocument/2006/relationships" xmlns:p="http://schemas.openxmlformats.org/presentationml/2006/main">
+  <p:cSld>
+    <p:spTree>
+      <p:nvGrpSpPr>
+        <p:cNvPr id="1" name=""/>
+        <p:cNvGrpSpPr/>
+        <p:nvPr/>
+      </p:nvGrpSpPr>
+      <p:grpSpPr>
+        <a:xfrm>
+          <a:off x="0" y="0"/>
+          <a:ext cx="0" cy="0"/>
+          <a:chOff x="0" y="0"/>
+          <a:chExt cx="0" cy="0"/>
+        </a:xfrm>
+      </p:grpSpPr>
+      <p:sp>
+        <p:nvSpPr>
+          <p:cNvPr id="5" name="TextBox 4"/>
+          <p:cNvSpPr txBox="1"/>
+          <p:nvPr/>
+        </p:nvSpPr>
+        <p:spPr>
+          <a:xfrm>
+            <a:off x="1724483" y="1320800"/>
+            <a:ext cx="5729960" cy="923330"/>
+          </a:xfrm>
+          <a:prstGeom prst="rect">
+            <a:avLst/>
+          </a:prstGeom>
+          <a:noFill/>
+        </p:spPr>
+        <p:txBody>
+          <a:bodyPr wrap="square" rtlCol="0">
+            <a:spAutoFit/>
+          </a:bodyPr>
+          <a:lstStyle/>
+          <a:p>
+            <a:pPr algn="l"/>
+            <a:r>
+              <a:rPr lang="en-US" sz="5400" dirty="0" err="1" smtClean="0">
+                <a:solidFill>
+                  <a:srgbClr val="FF03E3"/>
+                </a:solidFill>
+                <a:latin typeface="Comic Sans MS" pitchFamily="66" charset="0"/>
+              </a:rPr>
+              <a:t>DeMorgan’s</a:t>
+            </a:r>
+            <a:r>
+              <a:rPr lang="en-US" sz="5400" dirty="0" smtClean="0">
+                <a:solidFill>
+                  <a:srgbClr val="FF03E3"/>
+                </a:solidFill>
+                <a:latin typeface="Comic Sans MS" pitchFamily="66" charset="0"/>
+              </a:rPr>
+              <a:t> law</a:t>
+            </a:r>
+            <a:endParaRPr lang="en-US" sz="5400" dirty="0">
+              <a:solidFill>
+                <a:srgbClr val="FF03E3"/>
+              </a:solidFill>
+              <a:latin typeface="Comic Sans MS" pitchFamily="66" charset="0"/>
+            </a:endParaRPr>
+          </a:p>
+        </p:txBody>
+      </p:sp>
+      <p:sp>
+        <p:nvSpPr>
+          <p:cNvPr id="9" name="Title 1"/>
+          <p:cNvSpPr>
+            <a:spLocks noGrp="1"/>
+          </p:cNvSpPr>
+          <p:nvPr>
+            <p:ph type="title"/>
+          </p:nvPr>
+        </p:nvSpPr>
+        <p:spPr>
+          <a:xfrm>
+            <a:off x="1651000" y="363538"/>
+            <a:ext cx="6794500" cy="1003300"/>
+          </a:xfrm>
+        </p:spPr>
+        <p:txBody>
+          <a:bodyPr/>
+          <a:lstStyle/>
+          <a:p>
+            <a:r>
+              <a:rPr lang="en-US" sz="4000" dirty="0" smtClean="0"/>
+              <a:t>Algebra for Equivalence</a:t>
+            </a:r>
+            <a:endParaRPr lang="en-US" sz="4000" dirty="0"/>
+          </a:p>
+        </p:txBody>
+      </p:sp>
+      <p:sp>
+        <p:nvSpPr>
+          <p:cNvPr id="4" name="Slide Number Placeholder 2"/>
+          <p:cNvSpPr>
+            <a:spLocks noGrp="1"/>
+          </p:cNvSpPr>
+          <p:nvPr>
+            <p:ph type="sldNum" sz="quarter" idx="10"/>
+          </p:nvPr>
+        </p:nvSpPr>
+        <p:spPr>
+          <a:xfrm>
+            <a:off x="7333815" y="6553200"/>
+            <a:ext cx="1810186" cy="276999"/>
+          </a:xfrm>
+        </p:spPr>
+        <p:txBody>
+          <a:bodyPr/>
+          <a:lstStyle/>
+          <a:p>
+            <a:r>
+              <a:rPr lang="en-US" dirty="0" smtClean="0"/>
+              <a:t>propositional algebra.</a:t>
+            </a:r>
+            <a:fld id="{3251DA95-B240-47FE-901D-B78FC8E8E532}" type="slidenum">
+              <a:rPr lang="en-US" smtClean="0"/>
+              <a:pPr/>
+              <a:t>6</a:t>
+            </a:fld>
+            <a:endParaRPr lang="en-US" dirty="0"/>
+          </a:p>
+        </p:txBody>
+      </p:sp>
+      <p:graphicFrame>
+        <p:nvGraphicFramePr>
+          <p:cNvPr id="3" name="Object 2"/>
+          <p:cNvGraphicFramePr>
+            <a:graphicFrameLocks noChangeAspect="1"/>
+          </p:cNvGraphicFramePr>
+          <p:nvPr>
+            <p:extLst>
+              <p:ext uri="{D42A27DB-BD31-4B8C-83A1-F6EECF244321}">
+                <p14:modId xmlns:p14="http://schemas.microsoft.com/office/powerpoint/2010/main" val="3660180198"/>
+              </p:ext>
+            </p:extLst>
+          </p:nvPr>
+        </p:nvGraphicFramePr>
+        <p:xfrm>
+          <a:off x="1166813" y="2387600"/>
+          <a:ext cx="6640512" cy="2025650"/>
+        </p:xfrm>
+        <a:graphic>
+          <a:graphicData uri="http://schemas.openxmlformats.org/presentationml/2006/ole">
+            <mc:AlternateContent xmlns:mc="http://schemas.openxmlformats.org/markup-compatibility/2006">
+              <mc:Choice xmlns:v="urn:schemas-microsoft-com:vml" Requires="v">
+                <p:oleObj spid="_x0000_s422916" name="Equation" r:id="rId4" imgW="1498600" imgH="457200" progId="Equation.DSMT4">
+                  <p:embed/>
+                </p:oleObj>
+              </mc:Choice>
+              <mc:Fallback>
+                <p:oleObj name="Equation" r:id="rId4" imgW="1498600" imgH="457200" progId="Equation.DSMT4">
+                  <p:embed/>
+                  <p:pic>
+                    <p:nvPicPr>
+                      <p:cNvPr id="0" name=""/>
+                      <p:cNvPicPr/>
+                      <p:nvPr/>
+                    </p:nvPicPr>
+                    <p:blipFill>
+                      <a:blip r:embed="rId5"/>
+                      <a:stretch>
+                        <a:fillRect/>
+                      </a:stretch>
+                    </p:blipFill>
+                    <p:spPr>
+                      <a:xfrm>
+                        <a:off x="1166813" y="2387600"/>
+                        <a:ext cx="6640512" cy="2025650"/>
+                      </a:xfrm>
+                      <a:prstGeom prst="rect">
+                        <a:avLst/>
+                      </a:prstGeom>
+                    </p:spPr>
+                  </p:pic>
+                </p:oleObj>
+              </mc:Fallback>
+            </mc:AlternateContent>
+          </a:graphicData>
+        </a:graphic>
+      </p:graphicFrame>
+    </p:spTree>
+    <p:extLst>
+      <p:ext uri="{BB962C8B-B14F-4D97-AF65-F5344CB8AC3E}">
+        <p14:creationId xmlns:p14="http://schemas.microsoft.com/office/powerpoint/2010/main" val="3622106637"/>
+      </p:ext>
+    </p:extLst>
+  </p:cSld>
+  <p:clrMapOvr>
+    <a:masterClrMapping/>
+  </p:clrMapOvr>
+  <p:transition xmlns:p14="http://schemas.microsoft.com/office/powerpoint/2010/main" spd="slow" advClick="0">
+    <p:fade/>
+  </p:transition>
+  <p:timing>
+    <p:tnLst>
+      <p:par>
+        <p:cTn xmlns:p14="http://schemas.microsoft.com/office/powerpoint/2010/main" id="1" dur="indefinite" restart="never" nodeType="tmRoot">
+          <p:childTnLst>
+            <p:seq concurrent="1" nextAc="seek">
+              <p:cTn id="2" dur="indefinite" nodeType="mainSeq">
+                <p:childTnLst>
+                  <p:par>
+                    <p:cTn id="3" fill="hold">
+                      <p:stCondLst>
+                        <p:cond delay="indefinite"/>
+                      </p:stCondLst>
+                      <p:childTnLst>
+                        <p:par>
+                          <p:cTn id="4" fill="hold">
+                            <p:stCondLst>
+                              <p:cond delay="0"/>
+                            </p:stCondLst>
+                            <p:childTnLst>
+                              <p:par>
+                                <p:cTn id="5" presetID="22" presetClass="entr" presetSubtype="1" fill="hold" nodeType="clickEffect">
+                                  <p:stCondLst>
+                                    <p:cond delay="0"/>
+                                  </p:stCondLst>
+                                  <p:childTnLst>
+                                    <p:set>
+                                      <p:cBhvr>
+                                        <p:cTn id="6" dur="1" fill="hold">
+                                          <p:stCondLst>
+                                            <p:cond delay="0"/>
+                                          </p:stCondLst>
+                                        </p:cTn>
+                                        <p:tgtEl>
+                                          <p:spTgt spid="3"/>
+                                        </p:tgtEl>
+                                        <p:attrNameLst>
+                                          <p:attrName>style.visibility</p:attrName>
+                                        </p:attrNameLst>
+                                      </p:cBhvr>
+                                      <p:to>
+                                        <p:strVal val="visible"/>
+                                      </p:to>
+                                    </p:set>
+                                    <p:animEffect transition="in" filter="wipe(up)">
+                                      <p:cBhvr>
+                                        <p:cTn id="7" dur="1000"/>
+                                        <p:tgtEl>
+                                          <p:spTgt spid="3"/>
+                                        </p:tgtEl>
+                                      </p:cBhvr>
+                                    </p:animEffect>
+                                  </p:childTnLst>
+                                </p:cTn>
+                              </p:par>
+                            </p:childTnLst>
+                          </p:cTn>
+                        </p:par>
+                      </p:childTnLst>
+                    </p:cTn>
+                  </p:par>
+                </p:childTnLst>
+              </p:cTn>
+              <p:prevCondLst>
+                <p:cond evt="onPrev" delay="0">
+                  <p:tgtEl>
+                    <p:sldTgt/>
+                  </p:tgtEl>
+                </p:cond>
+              </p:prevCondLst>
+              <p:nextCondLst>
+                <p:cond evt="onNext" delay="0">
+                  <p:tgtEl>
+                    <p:sldTgt/>
+                  </p:tgtEl>
+                </p:cond>
+              </p:nextCondLst>
+            </p:seq>
+          </p:childTnLst>
+        </p:cTn>
+      </p:par>
+    </p:tnLst>
+  </p:timing>
+</p:sld>
+</file>
+
+<file path=ppt/slides/slide7.xml><?xml version="1.0" encoding="utf-8"?>
+<p:sld xmlns:a="http://schemas.openxmlformats.org/drawingml/2006/main" xmlns:r="http://schemas.openxmlformats.org/officeDocument/2006/relationships" xmlns:p="http://schemas.openxmlformats.org/presentationml/2006/main">
+  <p:cSld>
+    <p:spTree>
+      <p:nvGrpSpPr>
+        <p:cNvPr id="1" name=""/>
+        <p:cNvGrpSpPr/>
+        <p:nvPr/>
+      </p:nvGrpSpPr>
+      <p:grpSpPr>
+        <a:xfrm>
+          <a:off x="0" y="0"/>
+          <a:ext cx="0" cy="0"/>
+          <a:chOff x="0" y="0"/>
+          <a:chExt cx="0" cy="0"/>
+        </a:xfrm>
+      </p:grpSpPr>
+      <p:sp>
+        <p:nvSpPr>
+          <p:cNvPr id="5" name="TextBox 4"/>
+          <p:cNvSpPr txBox="1"/>
+          <p:nvPr/>
+        </p:nvSpPr>
+        <p:spPr>
+          <a:xfrm>
+            <a:off x="1724483" y="1320800"/>
+            <a:ext cx="5729960" cy="923330"/>
+          </a:xfrm>
+          <a:prstGeom prst="rect">
+            <a:avLst/>
+          </a:prstGeom>
+          <a:noFill/>
+        </p:spPr>
+        <p:txBody>
+          <a:bodyPr wrap="square" rtlCol="0">
+            <a:spAutoFit/>
+          </a:bodyPr>
+          <a:lstStyle/>
+          <a:p>
+            <a:pPr algn="l"/>
+            <a:r>
+              <a:rPr lang="en-US" sz="5400" dirty="0" err="1" smtClean="0">
+                <a:solidFill>
+                  <a:srgbClr val="FF03E3"/>
+                </a:solidFill>
+                <a:latin typeface="Comic Sans MS" pitchFamily="66" charset="0"/>
+              </a:rPr>
+              <a:t>DeMorgan’s</a:t>
+            </a:r>
+            <a:r>
+              <a:rPr lang="en-US" sz="5400" dirty="0" smtClean="0">
+                <a:solidFill>
+                  <a:srgbClr val="FF03E3"/>
+                </a:solidFill>
+                <a:latin typeface="Comic Sans MS" pitchFamily="66" charset="0"/>
+              </a:rPr>
+              <a:t> law</a:t>
+            </a:r>
+            <a:endParaRPr lang="en-US" sz="5400" dirty="0">
+              <a:solidFill>
+                <a:srgbClr val="FF03E3"/>
+              </a:solidFill>
+              <a:latin typeface="Comic Sans MS" pitchFamily="66" charset="0"/>
+            </a:endParaRPr>
+          </a:p>
+        </p:txBody>
+      </p:sp>
+      <p:sp>
+        <p:nvSpPr>
+          <p:cNvPr id="9" name="Title 1"/>
+          <p:cNvSpPr>
+            <a:spLocks noGrp="1"/>
+          </p:cNvSpPr>
+          <p:nvPr>
+            <p:ph type="title"/>
+          </p:nvPr>
+        </p:nvSpPr>
+        <p:spPr>
+          <a:xfrm>
+            <a:off x="1651000" y="363538"/>
+            <a:ext cx="6794500" cy="1003300"/>
+          </a:xfrm>
+        </p:spPr>
+        <p:txBody>
+          <a:bodyPr/>
+          <a:lstStyle/>
+          <a:p>
+            <a:r>
+              <a:rPr lang="en-US" sz="4000" dirty="0" smtClean="0"/>
+              <a:t>Algebra for Equivalence</a:t>
+            </a:r>
+            <a:endParaRPr lang="en-US" sz="4000" dirty="0"/>
+          </a:p>
+        </p:txBody>
+      </p:sp>
+      <p:sp>
+        <p:nvSpPr>
+          <p:cNvPr id="4" name="Slide Number Placeholder 2"/>
+          <p:cNvSpPr>
+            <a:spLocks noGrp="1"/>
+          </p:cNvSpPr>
+          <p:nvPr>
+            <p:ph type="sldNum" sz="quarter" idx="10"/>
+          </p:nvPr>
+        </p:nvSpPr>
+        <p:spPr>
+          <a:xfrm>
+            <a:off x="7333815" y="6553200"/>
+            <a:ext cx="1810186" cy="276999"/>
+          </a:xfrm>
+        </p:spPr>
+        <p:txBody>
+          <a:bodyPr/>
+          <a:lstStyle/>
+          <a:p>
+            <a:r>
+              <a:rPr lang="en-US" dirty="0" smtClean="0"/>
+              <a:t>propositional algebra.</a:t>
+            </a:r>
+            <a:fld id="{3251DA95-B240-47FE-901D-B78FC8E8E532}" type="slidenum">
+              <a:rPr lang="en-US" smtClean="0"/>
+              <a:pPr/>
+              <a:t>7</a:t>
+            </a:fld>
+            <a:endParaRPr lang="en-US" dirty="0"/>
+          </a:p>
+        </p:txBody>
+      </p:sp>
+      <p:graphicFrame>
+        <p:nvGraphicFramePr>
+          <p:cNvPr id="3" name="Object 2"/>
+          <p:cNvGraphicFramePr>
+            <a:graphicFrameLocks noChangeAspect="1"/>
+          </p:cNvGraphicFramePr>
+          <p:nvPr>
+            <p:extLst>
+              <p:ext uri="{D42A27DB-BD31-4B8C-83A1-F6EECF244321}">
+                <p14:modId xmlns:p14="http://schemas.microsoft.com/office/powerpoint/2010/main" val="2989005758"/>
+              </p:ext>
+            </p:extLst>
+          </p:nvPr>
+        </p:nvGraphicFramePr>
+        <p:xfrm>
+          <a:off x="1628775" y="2387600"/>
+          <a:ext cx="7089775" cy="2025650"/>
+        </p:xfrm>
+        <a:graphic>
+          <a:graphicData uri="http://schemas.openxmlformats.org/presentationml/2006/ole">
+            <mc:AlternateContent xmlns:mc="http://schemas.openxmlformats.org/markup-compatibility/2006">
+              <mc:Choice xmlns:v="urn:schemas-microsoft-com:vml" Requires="v">
+                <p:oleObj spid="_x0000_s421893" name="Equation" r:id="rId4" imgW="1600200" imgH="457200" progId="Equation.DSMT4">
+                  <p:embed/>
+                </p:oleObj>
+              </mc:Choice>
+              <mc:Fallback>
+                <p:oleObj name="Equation" r:id="rId4" imgW="1600200" imgH="457200" progId="Equation.DSMT4">
+                  <p:embed/>
+                  <p:pic>
+                    <p:nvPicPr>
+                      <p:cNvPr id="0" name=""/>
+                      <p:cNvPicPr/>
+                      <p:nvPr/>
+                    </p:nvPicPr>
+                    <p:blipFill>
+                      <a:blip r:embed="rId5"/>
+                      <a:stretch>
+                        <a:fillRect/>
+                      </a:stretch>
+                    </p:blipFill>
+                    <p:spPr>
+                      <a:xfrm>
+                        <a:off x="1628775" y="2387600"/>
+                        <a:ext cx="7089775" cy="2025650"/>
+                      </a:xfrm>
+                      <a:prstGeom prst="rect">
+                        <a:avLst/>
+                      </a:prstGeom>
+                    </p:spPr>
+                  </p:pic>
+                </p:oleObj>
+              </mc:Fallback>
+            </mc:AlternateContent>
+          </a:graphicData>
+        </a:graphic>
+      </p:graphicFrame>
+      <p:sp>
+        <p:nvSpPr>
+          <p:cNvPr id="2" name="TextBox 1"/>
+          <p:cNvSpPr txBox="1"/>
+          <p:nvPr/>
+        </p:nvSpPr>
+        <p:spPr>
+          <a:xfrm>
+            <a:off x="406400" y="4323477"/>
+            <a:ext cx="8421935" cy="1754327"/>
+          </a:xfrm>
+          <a:prstGeom prst="rect">
+            <a:avLst/>
+          </a:prstGeom>
+          <a:noFill/>
+        </p:spPr>
+        <p:txBody>
+          <a:bodyPr wrap="none" rtlCol="0">
+            <a:spAutoFit/>
+          </a:bodyPr>
+          <a:lstStyle/>
+          <a:p>
+            <a:pPr algn="l"/>
+            <a:r>
+              <a:rPr lang="en-US" sz="5400" dirty="0" smtClean="0">
+                <a:latin typeface="Comic Sans MS" pitchFamily="66" charset="0"/>
+              </a:rPr>
+              <a:t>rewrite left to right until </a:t>
+            </a:r>
+          </a:p>
+          <a:p>
+            <a:pPr algn="l"/>
+            <a:r>
+              <a:rPr lang="en-US" sz="4000" dirty="0" smtClean="0">
+                <a:solidFill>
+                  <a:srgbClr val="0000FF"/>
+                </a:solidFill>
+                <a:latin typeface="Comic Sans MS" pitchFamily="66" charset="0"/>
+              </a:rPr>
+              <a:t>NOT</a:t>
+            </a:r>
+            <a:r>
+              <a:rPr lang="en-US" sz="5400" dirty="0" smtClean="0">
+                <a:latin typeface="Comic Sans MS" pitchFamily="66" charset="0"/>
+              </a:rPr>
+              <a:t>’s onl</a:t>
+            </a:r>
+            <a:r>
+              <a:rPr lang="en-US" sz="5400" dirty="0" smtClean="0">
+                <a:latin typeface="Comic Sans MS" pitchFamily="66" charset="0"/>
+              </a:rPr>
+              <a:t>y on variables</a:t>
+            </a:r>
+          </a:p>
+        </p:txBody>
+      </p:sp>
+    </p:spTree>
+    <p:extLst>
+      <p:ext uri="{BB962C8B-B14F-4D97-AF65-F5344CB8AC3E}">
+        <p14:creationId xmlns:p14="http://schemas.microsoft.com/office/powerpoint/2010/main" val="3524092592"/>
+      </p:ext>
+    </p:extLst>
+  </p:cSld>
+  <p:clrMapOvr>
+    <a:masterClrMapping/>
+  </p:clrMapOvr>
+  <p:transition xmlns:p14="http://schemas.microsoft.com/office/powerpoint/2010/main" advClick="0">
+    <p:fade/>
+  </p:transition>
+  <p:timing>
+    <p:tnLst>
+      <p:par>
+        <p:cTn xmlns:p14="http://schemas.microsoft.com/office/powerpoint/2010/main" id="1" dur="indefinite" restart="never" nodeType="tmRoot">
+          <p:childTnLst>
+            <p:seq concurrent="1" nextAc="seek">
+              <p:cTn id="2" dur="indefinite" nodeType="mainSeq">
+                <p:childTnLst>
+                  <p:par>
+                    <p:cTn id="3" fill="hold">
+                      <p:stCondLst>
+                        <p:cond delay="indefinite"/>
+                      </p:stCondLst>
+                      <p:childTnLst>
+                        <p:par>
+                          <p:cTn id="4" fill="hold">
+                            <p:stCondLst>
+                              <p:cond delay="0"/>
+                            </p:stCondLst>
+                            <p:childTnLst>
+                              <p:par>
+                                <p:cTn id="5" presetID="10" presetClass="entr" presetSubtype="0" fill="hold" grpId="0" nodeType="clickEffect">
+                                  <p:stCondLst>
+                                    <p:cond delay="0"/>
+                                  </p:stCondLst>
+                                  <p:childTnLst>
+                                    <p:set>
+                                      <p:cBhvr>
+                                        <p:cTn id="6" dur="1" fill="hold">
+                                          <p:stCondLst>
+                                            <p:cond delay="0"/>
+                                          </p:stCondLst>
+                                        </p:cTn>
+                                        <p:tgtEl>
+                                          <p:spTgt spid="2"/>
+                                        </p:tgtEl>
+                                        <p:attrNameLst>
+                                          <p:attrName>style.visibility</p:attrName>
+                                        </p:attrNameLst>
+                                      </p:cBhvr>
+                                      <p:to>
+                                        <p:strVal val="visible"/>
+                                      </p:to>
+                                    </p:set>
+                                    <p:animEffect transition="in" filter="fade">
+                                      <p:cBhvr>
+                                        <p:cTn id="7" dur="500"/>
+                                        <p:tgtEl>
+                                          <p:spTgt spid="2"/>
+                                        </p:tgtEl>
+                                      </p:cBhvr>
+                                    </p:animEffect>
+                                  </p:childTnLst>
+                                </p:cTn>
+                              </p:par>
+                            </p:childTnLst>
+                          </p:cTn>
+                        </p:par>
+                      </p:childTnLst>
+                    </p:cTn>
+                  </p:par>
+                </p:childTnLst>
+              </p:cTn>
+              <p:prevCondLst>
+                <p:cond evt="onPrev" delay="0">
+                  <p:tgtEl>
+                    <p:sldTgt/>
+                  </p:tgtEl>
+                </p:cond>
+              </p:prevCondLst>
+              <p:nextCondLst>
+                <p:cond evt="onNext" delay="0">
+                  <p:tgtEl>
+                    <p:sldTgt/>
+                  </p:tgtEl>
+                </p:cond>
+              </p:nextCondLst>
+            </p:seq>
+          </p:childTnLst>
+        </p:cTn>
+      </p:par>
+    </p:tnLst>
+    <p:bldLst>
+      <p:bldP spid="2" grpId="0"/>
+    </p:bldLst>
+  </p:timing>
+</p:sld>
+</file>
+
+<file path=ppt/slides/slide8.xml><?xml version="1.0" encoding="utf-8"?>
+<p:sld xmlns:a="http://schemas.openxmlformats.org/drawingml/2006/main" xmlns:r="http://schemas.openxmlformats.org/officeDocument/2006/relationships" xmlns:p="http://schemas.openxmlformats.org/presentationml/2006/main">
+  <p:cSld>
+    <p:spTree>
+      <p:nvGrpSpPr>
+        <p:cNvPr id="1" name=""/>
+        <p:cNvGrpSpPr/>
+        <p:nvPr/>
+      </p:nvGrpSpPr>
+      <p:grpSpPr>
+        <a:xfrm>
+          <a:off x="0" y="0"/>
+          <a:ext cx="0" cy="0"/>
+          <a:chOff x="0" y="0"/>
+          <a:chExt cx="0" cy="0"/>
+        </a:xfrm>
+      </p:grpSpPr>
+      <p:sp>
+        <p:nvSpPr>
+          <p:cNvPr id="5" name="TextBox 4"/>
+          <p:cNvSpPr txBox="1"/>
+          <p:nvPr/>
+        </p:nvSpPr>
+        <p:spPr>
+          <a:xfrm>
+            <a:off x="1636040" y="1331772"/>
+            <a:ext cx="5996660" cy="923330"/>
+          </a:xfrm>
+          <a:prstGeom prst="rect">
+            <a:avLst/>
+          </a:prstGeom>
+          <a:noFill/>
+        </p:spPr>
+        <p:txBody>
+          <a:bodyPr wrap="square" rtlCol="0">
+            <a:spAutoFit/>
+          </a:bodyPr>
+          <a:lstStyle/>
+          <a:p>
+            <a:pPr algn="l"/>
+            <a:r>
+              <a:rPr lang="en-US" sz="5400" dirty="0" smtClean="0">
+                <a:solidFill>
+                  <a:srgbClr val="FF03E3"/>
+                </a:solidFill>
+                <a:latin typeface="Comic Sans MS" pitchFamily="66" charset="0"/>
+              </a:rPr>
+              <a:t>Distributive </a:t>
+            </a:r>
+            <a:r>
+              <a:rPr lang="en-US" sz="5400" dirty="0" smtClean="0">
+                <a:solidFill>
+                  <a:srgbClr val="FF03E3"/>
+                </a:solidFill>
+                <a:latin typeface="Comic Sans MS" pitchFamily="66" charset="0"/>
+              </a:rPr>
+              <a:t>L</a:t>
+            </a:r>
+            <a:r>
+              <a:rPr lang="en-US" sz="5400" dirty="0" smtClean="0">
+                <a:solidFill>
+                  <a:srgbClr val="FF03E3"/>
+                </a:solidFill>
+                <a:latin typeface="Comic Sans MS" pitchFamily="66" charset="0"/>
+              </a:rPr>
+              <a:t>aw</a:t>
+            </a:r>
+            <a:endParaRPr lang="en-US" sz="5400" dirty="0">
+              <a:solidFill>
+                <a:srgbClr val="FF03E3"/>
+              </a:solidFill>
+              <a:latin typeface="Comic Sans MS" pitchFamily="66" charset="0"/>
+            </a:endParaRPr>
+          </a:p>
+        </p:txBody>
+      </p:sp>
+      <p:sp>
+        <p:nvSpPr>
+          <p:cNvPr id="9" name="Title 1"/>
+          <p:cNvSpPr>
+            <a:spLocks noGrp="1"/>
+          </p:cNvSpPr>
+          <p:nvPr>
+            <p:ph type="title"/>
+          </p:nvPr>
+        </p:nvSpPr>
+        <p:spPr>
+          <a:xfrm>
+            <a:off x="1651000" y="363538"/>
+            <a:ext cx="6794500" cy="1003300"/>
+          </a:xfrm>
+        </p:spPr>
+        <p:txBody>
+          <a:bodyPr/>
+          <a:lstStyle/>
+          <a:p>
+            <a:r>
+              <a:rPr lang="en-US" sz="4000" dirty="0" smtClean="0"/>
+              <a:t>Algebra for Equivalence</a:t>
+            </a:r>
+            <a:endParaRPr lang="en-US" sz="4000" dirty="0"/>
+          </a:p>
+        </p:txBody>
+      </p:sp>
+      <p:sp>
+        <p:nvSpPr>
+          <p:cNvPr id="4" name="Slide Number Placeholder 2"/>
+          <p:cNvSpPr>
+            <a:spLocks noGrp="1"/>
+          </p:cNvSpPr>
+          <p:nvPr>
+            <p:ph type="sldNum" sz="quarter" idx="10"/>
+          </p:nvPr>
+        </p:nvSpPr>
+        <p:spPr>
+          <a:xfrm>
+            <a:off x="7333815" y="6553200"/>
+            <a:ext cx="1810186" cy="276999"/>
+          </a:xfrm>
+        </p:spPr>
+        <p:txBody>
+          <a:bodyPr/>
+          <a:lstStyle/>
+          <a:p>
+            <a:r>
+              <a:rPr lang="en-US" dirty="0" smtClean="0"/>
+              <a:t>propositional algebra.</a:t>
+            </a:r>
+            <a:fld id="{3251DA95-B240-47FE-901D-B78FC8E8E532}" type="slidenum">
+              <a:rPr lang="en-US" smtClean="0"/>
+              <a:pPr/>
+              <a:t>8</a:t>
+            </a:fld>
+            <a:endParaRPr lang="en-US" dirty="0"/>
+          </a:p>
+        </p:txBody>
+      </p:sp>
+      <p:sp>
+        <p:nvSpPr>
+          <p:cNvPr id="6" name="TextBox 5"/>
+          <p:cNvSpPr txBox="1"/>
+          <p:nvPr/>
+        </p:nvSpPr>
+        <p:spPr>
+          <a:xfrm>
+            <a:off x="406400" y="4336177"/>
+            <a:ext cx="8421935" cy="1754327"/>
+          </a:xfrm>
+          <a:prstGeom prst="rect">
+            <a:avLst/>
+          </a:prstGeom>
+          <a:noFill/>
+        </p:spPr>
+        <p:txBody>
+          <a:bodyPr wrap="none" rtlCol="0">
+            <a:spAutoFit/>
+          </a:bodyPr>
+          <a:lstStyle/>
+          <a:p>
+            <a:pPr algn="l"/>
+            <a:r>
+              <a:rPr lang="en-US" sz="5400" dirty="0" smtClean="0">
+                <a:latin typeface="Comic Sans MS" pitchFamily="66" charset="0"/>
+              </a:rPr>
+              <a:t>rewrite left to right until</a:t>
+            </a:r>
+          </a:p>
+          <a:p>
+            <a:pPr algn="l"/>
+            <a:r>
+              <a:rPr lang="en-US" sz="5400" dirty="0" smtClean="0">
+                <a:solidFill>
+                  <a:srgbClr val="006600"/>
+                </a:solidFill>
+                <a:latin typeface="Comic Sans MS" pitchFamily="66" charset="0"/>
+              </a:rPr>
+              <a:t>       “sum of products”</a:t>
+            </a:r>
+          </a:p>
+        </p:txBody>
+      </p:sp>
+      <p:sp useBgFill="1">
+        <p:nvSpPr>
+          <p:cNvPr id="2" name="TextBox 1"/>
+          <p:cNvSpPr txBox="1"/>
+          <p:nvPr/>
+        </p:nvSpPr>
+        <p:spPr>
+          <a:xfrm>
+            <a:off x="2222500" y="5159970"/>
+            <a:ext cx="5181600" cy="923330"/>
+          </a:xfrm>
+          <a:prstGeom prst="rect">
+            <a:avLst/>
+          </a:prstGeom>
+        </p:spPr>
+        <p:txBody>
+          <a:bodyPr wrap="square" rtlCol="0">
+            <a:spAutoFit/>
+          </a:bodyPr>
+          <a:lstStyle/>
+          <a:p>
+            <a:pPr algn="l"/>
+            <a:r>
+              <a:rPr lang="en-US" sz="4400" dirty="0" smtClean="0">
+                <a:solidFill>
+                  <a:schemeClr val="accent1">
+                    <a:lumMod val="50000"/>
+                  </a:schemeClr>
+                </a:solidFill>
+                <a:latin typeface="Comic Sans MS" pitchFamily="66" charset="0"/>
+              </a:rPr>
+              <a:t>    OR</a:t>
+            </a:r>
+            <a:r>
+              <a:rPr lang="en-US" sz="5400" dirty="0" smtClean="0">
+                <a:latin typeface="Comic Sans MS" pitchFamily="66" charset="0"/>
+              </a:rPr>
+              <a:t> of </a:t>
+            </a:r>
+            <a:r>
+              <a:rPr lang="en-US" sz="4400" dirty="0" smtClean="0">
+                <a:solidFill>
+                  <a:srgbClr val="0000E5"/>
+                </a:solidFill>
+                <a:latin typeface="Comic Sans MS" pitchFamily="66" charset="0"/>
+              </a:rPr>
+              <a:t>AND</a:t>
+            </a:r>
+            <a:r>
+              <a:rPr lang="en-US" sz="5400" dirty="0" smtClean="0">
+                <a:latin typeface="Comic Sans MS" pitchFamily="66" charset="0"/>
+              </a:rPr>
+              <a:t>’s     </a:t>
+            </a:r>
+            <a:endParaRPr lang="en-US" sz="5400" dirty="0" smtClean="0">
+              <a:latin typeface="Comic Sans MS" pitchFamily="66" charset="0"/>
+            </a:endParaRPr>
+          </a:p>
+        </p:txBody>
+      </p:sp>
+      <p:graphicFrame>
+        <p:nvGraphicFramePr>
+          <p:cNvPr id="8" name="Object 7"/>
+          <p:cNvGraphicFramePr>
+            <a:graphicFrameLocks noChangeAspect="1"/>
+          </p:cNvGraphicFramePr>
+          <p:nvPr>
+            <p:extLst>
+              <p:ext uri="{D42A27DB-BD31-4B8C-83A1-F6EECF244321}">
+                <p14:modId xmlns:p14="http://schemas.microsoft.com/office/powerpoint/2010/main" val="4028426109"/>
+              </p:ext>
+            </p:extLst>
+          </p:nvPr>
+        </p:nvGraphicFramePr>
+        <p:xfrm>
+          <a:off x="642938" y="2273300"/>
+          <a:ext cx="8272462" cy="2025650"/>
+        </p:xfrm>
+        <a:graphic>
+          <a:graphicData uri="http://schemas.openxmlformats.org/presentationml/2006/ole">
+            <mc:AlternateContent xmlns:mc="http://schemas.openxmlformats.org/markup-compatibility/2006">
+              <mc:Choice xmlns:v="urn:schemas-microsoft-com:vml" Requires="v">
+                <p:oleObj spid="_x0000_s418859" name="Equation" r:id="rId4" imgW="1866900" imgH="457200" progId="Equation.DSMT4">
+                  <p:embed/>
+                </p:oleObj>
+              </mc:Choice>
+              <mc:Fallback>
+                <p:oleObj name="Equation" r:id="rId4" imgW="1866900" imgH="457200" progId="Equation.DSMT4">
+                  <p:embed/>
+                  <p:pic>
+                    <p:nvPicPr>
+                      <p:cNvPr id="0" name=""/>
+                      <p:cNvPicPr/>
+                      <p:nvPr/>
+                    </p:nvPicPr>
+                    <p:blipFill>
+                      <a:blip r:embed="rId5"/>
+                      <a:stretch>
+                        <a:fillRect/>
+                      </a:stretch>
+                    </p:blipFill>
+                    <p:spPr>
+                      <a:xfrm>
+                        <a:off x="642938" y="2273300"/>
+                        <a:ext cx="8272462" cy="2025650"/>
+                      </a:xfrm>
+                      <a:prstGeom prst="rect">
+                        <a:avLst/>
+                      </a:prstGeom>
+                    </p:spPr>
+                  </p:pic>
+                </p:oleObj>
+              </mc:Fallback>
+            </mc:AlternateContent>
+          </a:graphicData>
+        </a:graphic>
+      </p:graphicFrame>
+      <p:graphicFrame>
+        <p:nvGraphicFramePr>
+          <p:cNvPr id="10" name="Object 9"/>
+          <p:cNvGraphicFramePr>
+            <a:graphicFrameLocks noChangeAspect="1"/>
+          </p:cNvGraphicFramePr>
+          <p:nvPr>
+            <p:extLst>
+              <p:ext uri="{D42A27DB-BD31-4B8C-83A1-F6EECF244321}">
+                <p14:modId xmlns:p14="http://schemas.microsoft.com/office/powerpoint/2010/main" val="3187679613"/>
+              </p:ext>
+            </p:extLst>
+          </p:nvPr>
+        </p:nvGraphicFramePr>
+        <p:xfrm>
+          <a:off x="622565" y="2273300"/>
+          <a:ext cx="7933796" cy="2025650"/>
+        </p:xfrm>
+        <a:graphic>
+          <a:graphicData uri="http://schemas.openxmlformats.org/presentationml/2006/ole">
+            <mc:AlternateContent xmlns:mc="http://schemas.openxmlformats.org/markup-compatibility/2006">
+              <mc:Choice xmlns:v="urn:schemas-microsoft-com:vml" Requires="v">
+                <p:oleObj spid="_x0000_s418860" name="Equation" r:id="rId6" imgW="1790700" imgH="457200" progId="Equation.DSMT4">
+                  <p:embed/>
+                </p:oleObj>
+              </mc:Choice>
+              <mc:Fallback>
+                <p:oleObj name="Equation" r:id="rId6" imgW="1790700" imgH="457200" progId="Equation.DSMT4">
+                  <p:embed/>
+                  <p:pic>
+                    <p:nvPicPr>
+                      <p:cNvPr id="0" name=""/>
+                      <p:cNvPicPr/>
+                      <p:nvPr/>
+                    </p:nvPicPr>
+                    <p:blipFill>
+                      <a:blip r:embed="rId7"/>
+                      <a:stretch>
+                        <a:fillRect/>
+                      </a:stretch>
+                    </p:blipFill>
+                    <p:spPr>
+                      <a:xfrm>
+                        <a:off x="622565" y="2273300"/>
+                        <a:ext cx="7933796" cy="2025650"/>
+                      </a:xfrm>
+                      <a:prstGeom prst="rect">
+                        <a:avLst/>
+                      </a:prstGeom>
+                    </p:spPr>
+                  </p:pic>
+                </p:oleObj>
+              </mc:Fallback>
+            </mc:AlternateContent>
+          </a:graphicData>
+        </a:graphic>
+      </p:graphicFrame>
+    </p:spTree>
+    <p:extLst>
+      <p:ext uri="{BB962C8B-B14F-4D97-AF65-F5344CB8AC3E}">
+        <p14:creationId xmlns:p14="http://schemas.microsoft.com/office/powerpoint/2010/main" val="3051394283"/>
+      </p:ext>
+    </p:extLst>
+  </p:cSld>
+  <p:clrMapOvr>
+    <a:masterClrMapping/>
+  </p:clrMapOvr>
+  <mc:AlternateContent xmlns:mc="http://schemas.openxmlformats.org/markup-compatibility/2006">
+    <mc:Choice xmlns:p14="http://schemas.microsoft.com/office/powerpoint/2010/main" Requires="p14">
+      <p:transition spd="slow" p14:dur="800" advClick="0">
+        <p:fade thruBlk="1"/>
+      </p:transition>
+    </mc:Choice>
+    <mc:Fallback>
+      <p:transition xmlns:p14="http://schemas.microsoft.com/office/powerpoint/2010/main" spd="slow" advClick="0">
+        <p:fade thruBlk="1"/>
+      </p:transition>
+    </mc:Fallback>
+  </mc:AlternateContent>
+  <p:timing>
+    <p:tnLst>
+      <p:par>
+        <p:cTn xmlns:p14="http://schemas.microsoft.com/office/powerpoint/2010/main" id="1" dur="indefinite" restart="never" nodeType="tmRoot">
+          <p:childTnLst>
+            <p:seq concurrent="1" nextAc="seek">
+              <p:cTn id="2" dur="indefinite" nodeType="mainSeq">
+                <p:childTnLst>
+                  <p:par>
+                    <p:cTn id="3" fill="hold">
+                      <p:stCondLst>
+                        <p:cond delay="indefinite"/>
+                      </p:stCondLst>
+                      <p:childTnLst>
+                        <p:par>
+                          <p:cTn id="4" fill="hold">
+                            <p:stCondLst>
+                              <p:cond delay="0"/>
+                            </p:stCondLst>
+                            <p:childTnLst>
+                              <p:par>
+                                <p:cTn id="5" presetID="22" presetClass="entr" presetSubtype="8" fill="hold" nodeType="clickEffect">
+                                  <p:stCondLst>
+                                    <p:cond delay="0"/>
+                                  </p:stCondLst>
+                                  <p:childTnLst>
+                                    <p:set>
+                                      <p:cBhvr>
+                                        <p:cTn id="6" dur="1" fill="hold">
+                                          <p:stCondLst>
+                                            <p:cond delay="0"/>
+                                          </p:stCondLst>
+                                        </p:cTn>
+                                        <p:tgtEl>
+                                          <p:spTgt spid="8"/>
+                                        </p:tgtEl>
+                                        <p:attrNameLst>
+                                          <p:attrName>style.visibility</p:attrName>
+                                        </p:attrNameLst>
+                                      </p:cBhvr>
+                                      <p:to>
+                                        <p:strVal val="visible"/>
+                                      </p:to>
+                                    </p:set>
+                                    <p:animEffect transition="in" filter="wipe(left)">
+                                      <p:cBhvr>
+                                        <p:cTn id="7" dur="2000"/>
+                                        <p:tgtEl>
+                                          <p:spTgt spid="8"/>
+                                        </p:tgtEl>
+                                      </p:cBhvr>
+                                    </p:animEffect>
+                                  </p:childTnLst>
+                                </p:cTn>
+                              </p:par>
+                            </p:childTnLst>
+                          </p:cTn>
+                        </p:par>
+                      </p:childTnLst>
+                    </p:cTn>
+                  </p:par>
+                  <p:par>
+                    <p:cTn id="8" fill="hold">
+                      <p:stCondLst>
+                        <p:cond delay="indefinite"/>
+                      </p:stCondLst>
+                      <p:childTnLst>
+                        <p:par>
+                          <p:cTn id="9" fill="hold">
+                            <p:stCondLst>
+                              <p:cond delay="0"/>
+                            </p:stCondLst>
+                            <p:childTnLst>
+                              <p:par>
+                                <p:cTn id="10" presetID="22" presetClass="entr" presetSubtype="8" fill="hold" nodeType="clickEffect">
+                                  <p:stCondLst>
+                                    <p:cond delay="0"/>
+                                  </p:stCondLst>
+                                  <p:childTnLst>
+                                    <p:set>
+                                      <p:cBhvr>
+                                        <p:cTn id="11" dur="1" fill="hold">
+                                          <p:stCondLst>
+                                            <p:cond delay="0"/>
+                                          </p:stCondLst>
+                                        </p:cTn>
+                                        <p:tgtEl>
+                                          <p:spTgt spid="10"/>
+                                        </p:tgtEl>
+                                        <p:attrNameLst>
+                                          <p:attrName>style.visibility</p:attrName>
+                                        </p:attrNameLst>
+                                      </p:cBhvr>
+                                      <p:to>
+                                        <p:strVal val="visible"/>
+                                      </p:to>
+                                    </p:set>
+                                    <p:animEffect transition="in" filter="wipe(left)">
+                                      <p:cBhvr>
+                                        <p:cTn id="12" dur="1000"/>
+                                        <p:tgtEl>
+                                          <p:spTgt spid="10"/>
+                                        </p:tgtEl>
+                                      </p:cBhvr>
+                                    </p:animEffect>
+                                  </p:childTnLst>
+                                </p:cTn>
+                              </p:par>
+                              <p:par>
+                                <p:cTn id="13" presetID="9" presetClass="exit" presetSubtype="0" fill="hold" nodeType="withEffect">
+                                  <p:stCondLst>
+                                    <p:cond delay="0"/>
+                                  </p:stCondLst>
+                                  <p:childTnLst>
+                                    <p:animEffect transition="out" filter="dissolve">
+                                      <p:cBhvr>
+                                        <p:cTn id="14" dur="500"/>
+                                        <p:tgtEl>
+                                          <p:spTgt spid="8"/>
+                                        </p:tgtEl>
+                                      </p:cBhvr>
+                                    </p:animEffect>
+                                    <p:set>
+                                      <p:cBhvr>
+                                        <p:cTn id="15" dur="1" fill="hold">
+                                          <p:stCondLst>
+                                            <p:cond delay="499"/>
+                                          </p:stCondLst>
+                                        </p:cTn>
+                                        <p:tgtEl>
+                                          <p:spTgt spid="8"/>
+                                        </p:tgtEl>
+                                        <p:attrNameLst>
+                                          <p:attrName>style.visibility</p:attrName>
+                                        </p:attrNameLst>
+                                      </p:cBhvr>
+                                      <p:to>
+                                        <p:strVal val="hidden"/>
+                                      </p:to>
+                                    </p:set>
+                                  </p:childTnLst>
+                                </p:cTn>
+                              </p:par>
+                            </p:childTnLst>
+                          </p:cTn>
+                        </p:par>
+                      </p:childTnLst>
+                    </p:cTn>
+                  </p:par>
+                  <p:par>
+                    <p:cTn id="16" fill="hold">
+                      <p:stCondLst>
+                        <p:cond delay="indefinite"/>
+                      </p:stCondLst>
+                      <p:childTnLst>
+                        <p:par>
+                          <p:cTn id="17" fill="hold">
+                            <p:stCondLst>
+                              <p:cond delay="0"/>
+                            </p:stCondLst>
+                            <p:childTnLst>
+                              <p:par>
+                                <p:cTn id="18" presetID="22" presetClass="entr" presetSubtype="1" fill="hold" grpId="0" nodeType="clickEffect">
+                                  <p:stCondLst>
+                                    <p:cond delay="0"/>
+                                  </p:stCondLst>
+                                  <p:childTnLst>
+                                    <p:set>
+                                      <p:cBhvr>
+                                        <p:cTn id="19" dur="1" fill="hold">
+                                          <p:stCondLst>
+                                            <p:cond delay="0"/>
+                                          </p:stCondLst>
+                                        </p:cTn>
+                                        <p:tgtEl>
+                                          <p:spTgt spid="6"/>
+                                        </p:tgtEl>
+                                        <p:attrNameLst>
+                                          <p:attrName>style.visibility</p:attrName>
+                                        </p:attrNameLst>
+                                      </p:cBhvr>
+                                      <p:to>
+                                        <p:strVal val="visible"/>
+                                      </p:to>
+                                    </p:set>
+                                    <p:animEffect transition="in" filter="wipe(up)">
+                                      <p:cBhvr>
+                                        <p:cTn id="20" dur="1000"/>
+                                        <p:tgtEl>
+                                          <p:spTgt spid="6"/>
+                                        </p:tgtEl>
+                                      </p:cBhvr>
+                                    </p:animEffect>
+                                  </p:childTnLst>
+                                </p:cTn>
+                              </p:par>
+                            </p:childTnLst>
+                          </p:cTn>
+                        </p:par>
+                      </p:childTnLst>
+                    </p:cTn>
+                  </p:par>
+                  <p:par>
+                    <p:cTn id="21" fill="hold">
+                      <p:stCondLst>
+                        <p:cond delay="indefinite"/>
+                      </p:stCondLst>
+                      <p:childTnLst>
+                        <p:par>
+                          <p:cTn id="22" fill="hold">
+                            <p:stCondLst>
+                              <p:cond delay="0"/>
+                            </p:stCondLst>
+                            <p:childTnLst>
+                              <p:par>
+                                <p:cTn id="23" presetID="9" presetClass="entr" presetSubtype="0" fill="hold" grpId="0" nodeType="clickEffect">
+                                  <p:stCondLst>
+                                    <p:cond delay="0"/>
+                                  </p:stCondLst>
+                                  <p:childTnLst>
+                                    <p:set>
+                                      <p:cBhvr>
+                                        <p:cTn id="24" dur="1" fill="hold">
+                                          <p:stCondLst>
+                                            <p:cond delay="0"/>
+                                          </p:stCondLst>
+                                        </p:cTn>
+                                        <p:tgtEl>
+                                          <p:spTgt spid="2"/>
+                                        </p:tgtEl>
+                                        <p:attrNameLst>
+                                          <p:attrName>style.visibility</p:attrName>
+                                        </p:attrNameLst>
+                                      </p:cBhvr>
+                                      <p:to>
+                                        <p:strVal val="visible"/>
+                                      </p:to>
+                                    </p:set>
+                                    <p:animEffect transition="in" filter="dissolve">
+                                      <p:cBhvr>
+                                        <p:cTn id="25" dur="500"/>
+                                        <p:tgtEl>
+                                          <p:spTgt spid="2"/>
+                                        </p:tgtEl>
+                                      </p:cBhvr>
+                                    </p:animEffect>
+                                  </p:childTnLst>
+                                </p:cTn>
+                              </p:par>
+                            </p:childTnLst>
+                          </p:cTn>
+                        </p:par>
+                      </p:childTnLst>
+                    </p:cTn>
+                  </p:par>
+                </p:childTnLst>
+              </p:cTn>
+              <p:prevCondLst>
+                <p:cond evt="onPrev" delay="0">
+                  <p:tgtEl>
+                    <p:sldTgt/>
+                  </p:tgtEl>
+                </p:cond>
+              </p:prevCondLst>
+              <p:nextCondLst>
+                <p:cond evt="onNext" delay="0">
+                  <p:tgtEl>
+                    <p:sldTgt/>
+                  </p:tgtEl>
+                </p:cond>
+              </p:nextCondLst>
+            </p:seq>
+          </p:childTnLst>
+        </p:cTn>
+      </p:par>
+    </p:tnLst>
+    <p:bldLst>
+      <p:bldP spid="6" grpId="0"/>
+      <p:bldP spid="2" grpId="0" animBg="1"/>
+    </p:bldLst>
+  </p:timing>
+</p:sld>
+</file>
+
+<file path=ppt/slides/slide9.xml><?xml version="1.0" encoding="utf-8"?>
+<p:sld xmlns:a="http://schemas.openxmlformats.org/drawingml/2006/main" xmlns:r="http://schemas.openxmlformats.org/officeDocument/2006/relationships" xmlns:p="http://schemas.openxmlformats.org/presentationml/2006/main">
+  <p:cSld>
+    <p:spTree>
+      <p:nvGrpSpPr>
+        <p:cNvPr id="1" name=""/>
+        <p:cNvGrpSpPr/>
+        <p:nvPr/>
+      </p:nvGrpSpPr>
+      <p:grpSpPr>
+        <a:xfrm>
+          <a:off x="0" y="0"/>
+          <a:ext cx="0" cy="0"/>
+          <a:chOff x="0" y="0"/>
+          <a:chExt cx="0" cy="0"/>
+        </a:xfrm>
+      </p:grpSpPr>
+      <p:graphicFrame>
+        <p:nvGraphicFramePr>
+          <p:cNvPr id="16" name="Object 15"/>
+          <p:cNvGraphicFramePr>
+            <a:graphicFrameLocks noChangeAspect="1"/>
+          </p:cNvGraphicFramePr>
+          <p:nvPr>
+            <p:extLst>
+              <p:ext uri="{D42A27DB-BD31-4B8C-83A1-F6EECF244321}">
+                <p14:modId xmlns:p14="http://schemas.microsoft.com/office/powerpoint/2010/main" val="2092044596"/>
+              </p:ext>
+            </p:extLst>
+          </p:nvPr>
+        </p:nvGraphicFramePr>
+        <p:xfrm>
+          <a:off x="2387600" y="4838700"/>
+          <a:ext cx="4797425" cy="1689100"/>
+        </p:xfrm>
+        <a:graphic>
+          <a:graphicData uri="http://schemas.openxmlformats.org/presentationml/2006/ole">
+            <mc:AlternateContent xmlns:mc="http://schemas.openxmlformats.org/markup-compatibility/2006">
+              <mc:Choice xmlns:v="urn:schemas-microsoft-com:vml" Requires="v">
+                <p:oleObj spid="_x0000_s420919" name="Equation" r:id="rId4" imgW="1371600" imgH="482600" progId="Equation.DSMT4">
+                  <p:embed/>
+                </p:oleObj>
+              </mc:Choice>
+              <mc:Fallback>
+                <p:oleObj name="Equation" r:id="rId4" imgW="1371600" imgH="482600" progId="Equation.DSMT4">
+                  <p:embed/>
+                  <p:pic>
+                    <p:nvPicPr>
+                      <p:cNvPr id="0" name=""/>
+                      <p:cNvPicPr/>
+                      <p:nvPr/>
+                    </p:nvPicPr>
+                    <p:blipFill>
+                      <a:blip r:embed="rId5"/>
+                      <a:stretch>
+                        <a:fillRect/>
+                      </a:stretch>
+                    </p:blipFill>
+                    <p:spPr>
+                      <a:xfrm>
+                        <a:off x="2387600" y="4838700"/>
+                        <a:ext cx="4797425" cy="1689100"/>
+                      </a:xfrm>
+                      <a:prstGeom prst="rect">
+                        <a:avLst/>
+                      </a:prstGeom>
+                    </p:spPr>
+                  </p:pic>
+                </p:oleObj>
+              </mc:Fallback>
+            </mc:AlternateContent>
+          </a:graphicData>
+        </a:graphic>
+      </p:graphicFrame>
+      <p:sp>
+        <p:nvSpPr>
+          <p:cNvPr id="9" name="Title 1"/>
+          <p:cNvSpPr>
+            <a:spLocks noGrp="1"/>
+          </p:cNvSpPr>
+          <p:nvPr>
+            <p:ph type="title"/>
+          </p:nvPr>
+        </p:nvSpPr>
+        <p:spPr>
+          <a:xfrm>
+            <a:off x="1651000" y="363538"/>
+            <a:ext cx="6794500" cy="1003300"/>
+          </a:xfrm>
+        </p:spPr>
+        <p:txBody>
+          <a:bodyPr/>
+          <a:lstStyle/>
+          <a:p>
+            <a:r>
+              <a:rPr lang="en-US" sz="4000" dirty="0" smtClean="0"/>
+              <a:t>Algebra for Equivalence</a:t>
+            </a:r>
+            <a:endParaRPr lang="en-US" sz="4000" dirty="0"/>
+          </a:p>
+        </p:txBody>
+      </p:sp>
+      <p:sp>
+        <p:nvSpPr>
+          <p:cNvPr id="4" name="Slide Number Placeholder 2"/>
+          <p:cNvSpPr>
+            <a:spLocks noGrp="1"/>
+          </p:cNvSpPr>
+          <p:nvPr>
+            <p:ph type="sldNum" sz="quarter" idx="10"/>
+          </p:nvPr>
+        </p:nvSpPr>
+        <p:spPr>
+          <a:xfrm>
+            <a:off x="7333815" y="6553200"/>
+            <a:ext cx="1810186" cy="276999"/>
+          </a:xfrm>
+        </p:spPr>
+        <p:txBody>
+          <a:bodyPr/>
+          <a:lstStyle/>
+          <a:p>
+            <a:r>
+              <a:rPr lang="en-US" dirty="0" smtClean="0"/>
+              <a:t>propositional algebra.</a:t>
+            </a:r>
+            <a:fld id="{3251DA95-B240-47FE-901D-B78FC8E8E532}" type="slidenum">
+              <a:rPr lang="en-US" smtClean="0"/>
+              <a:pPr/>
+              <a:t>9</a:t>
+            </a:fld>
+            <a:endParaRPr lang="en-US" dirty="0"/>
+          </a:p>
+        </p:txBody>
+      </p:sp>
+      <p:graphicFrame>
+        <p:nvGraphicFramePr>
+          <p:cNvPr id="7" name="Object 6"/>
+          <p:cNvGraphicFramePr>
+            <a:graphicFrameLocks noChangeAspect="1"/>
+          </p:cNvGraphicFramePr>
+          <p:nvPr>
+            <p:extLst>
+              <p:ext uri="{D42A27DB-BD31-4B8C-83A1-F6EECF244321}">
+                <p14:modId xmlns:p14="http://schemas.microsoft.com/office/powerpoint/2010/main" val="520078389"/>
+              </p:ext>
+            </p:extLst>
+          </p:nvPr>
+        </p:nvGraphicFramePr>
+        <p:xfrm>
+          <a:off x="369888" y="1639294"/>
+          <a:ext cx="8540750" cy="926105"/>
+        </p:xfrm>
+        <a:graphic>
+          <a:graphicData uri="http://schemas.openxmlformats.org/presentationml/2006/ole">
+            <mc:AlternateContent xmlns:mc="http://schemas.openxmlformats.org/markup-compatibility/2006">
+              <mc:Choice xmlns:v="urn:schemas-microsoft-com:vml" Requires="v">
+                <p:oleObj spid="_x0000_s420920" name="Equation" r:id="rId6" imgW="2108200" imgH="228600" progId="Equation.DSMT4">
+                  <p:embed/>
+                </p:oleObj>
+              </mc:Choice>
+              <mc:Fallback>
+                <p:oleObj name="Equation" r:id="rId6" imgW="2108200" imgH="228600" progId="Equation.DSMT4">
+                  <p:embed/>
+                  <p:pic>
+                    <p:nvPicPr>
+                      <p:cNvPr id="0" name=""/>
+                      <p:cNvPicPr/>
+                      <p:nvPr/>
+                    </p:nvPicPr>
+                    <p:blipFill>
+                      <a:blip r:embed="rId7"/>
+                      <a:stretch>
+                        <a:fillRect/>
+                      </a:stretch>
+                    </p:blipFill>
+                    <p:spPr>
+                      <a:xfrm>
+                        <a:off x="369888" y="1639294"/>
+                        <a:ext cx="8540750" cy="926105"/>
+                      </a:xfrm>
+                      <a:prstGeom prst="rect">
+                        <a:avLst/>
+                      </a:prstGeom>
+                    </p:spPr>
+                  </p:pic>
+                </p:oleObj>
+              </mc:Fallback>
+            </mc:AlternateContent>
+          </a:graphicData>
+        </a:graphic>
+      </p:graphicFrame>
+      <p:graphicFrame>
+        <p:nvGraphicFramePr>
+          <p:cNvPr id="10" name="Object 9"/>
+          <p:cNvGraphicFramePr>
+            <a:graphicFrameLocks noChangeAspect="1"/>
+          </p:cNvGraphicFramePr>
+          <p:nvPr>
+            <p:extLst>
+              <p:ext uri="{D42A27DB-BD31-4B8C-83A1-F6EECF244321}">
+                <p14:modId xmlns:p14="http://schemas.microsoft.com/office/powerpoint/2010/main" val="3127556394"/>
+              </p:ext>
+            </p:extLst>
+          </p:nvPr>
+        </p:nvGraphicFramePr>
+        <p:xfrm>
+          <a:off x="233362" y="2597150"/>
+          <a:ext cx="8796338" cy="800539"/>
+        </p:xfrm>
+        <a:graphic>
+          <a:graphicData uri="http://schemas.openxmlformats.org/presentationml/2006/ole">
+            <mc:AlternateContent xmlns:mc="http://schemas.openxmlformats.org/markup-compatibility/2006">
+              <mc:Choice xmlns:v="urn:schemas-microsoft-com:vml" Requires="v">
+                <p:oleObj spid="_x0000_s420921" name="Equation" r:id="rId8" imgW="2514600" imgH="228600" progId="Equation.DSMT4">
+                  <p:embed/>
+                </p:oleObj>
+              </mc:Choice>
+              <mc:Fallback>
+                <p:oleObj name="Equation" r:id="rId8" imgW="2514600" imgH="228600" progId="Equation.DSMT4">
+                  <p:embed/>
+                  <p:pic>
+                    <p:nvPicPr>
+                      <p:cNvPr id="0" name=""/>
+                      <p:cNvPicPr/>
+                      <p:nvPr/>
+                    </p:nvPicPr>
+                    <p:blipFill>
+                      <a:blip r:embed="rId9"/>
+                      <a:stretch>
+                        <a:fillRect/>
+                      </a:stretch>
+                    </p:blipFill>
+                    <p:spPr>
+                      <a:xfrm>
+                        <a:off x="233362" y="2597150"/>
+                        <a:ext cx="8796338" cy="800539"/>
+                      </a:xfrm>
+                      <a:prstGeom prst="rect">
+                        <a:avLst/>
+                      </a:prstGeom>
+                    </p:spPr>
+                  </p:pic>
+                </p:oleObj>
+              </mc:Fallback>
+            </mc:AlternateContent>
+          </a:graphicData>
+        </a:graphic>
+      </p:graphicFrame>
+      <p:sp>
+        <p:nvSpPr>
+          <p:cNvPr id="8" name="TextBox 7"/>
+          <p:cNvSpPr txBox="1"/>
+          <p:nvPr/>
+        </p:nvSpPr>
+        <p:spPr>
+          <a:xfrm>
+            <a:off x="3238001" y="1308100"/>
+            <a:ext cx="3011461" cy="923330"/>
+          </a:xfrm>
+          <a:prstGeom prst="rect">
+            <a:avLst/>
+          </a:prstGeom>
+          <a:noFill/>
+        </p:spPr>
+        <p:txBody>
+          <a:bodyPr wrap="none" rtlCol="0">
+            <a:spAutoFit/>
+          </a:bodyPr>
+          <a:lstStyle/>
+          <a:p>
+            <a:pPr algn="l"/>
+            <a:r>
+              <a:rPr lang="en-US" sz="5400" dirty="0" smtClean="0">
+                <a:solidFill>
+                  <a:srgbClr val="FF03E3"/>
+                </a:solidFill>
+                <a:latin typeface="Comic Sans MS" pitchFamily="66" charset="0"/>
+              </a:rPr>
+              <a:t>example:</a:t>
+            </a:r>
+            <a:endParaRPr lang="en-US" sz="5400" dirty="0" smtClean="0">
+              <a:solidFill>
+                <a:srgbClr val="FF03E3"/>
+              </a:solidFill>
+              <a:latin typeface="Comic Sans MS" pitchFamily="66" charset="0"/>
+            </a:endParaRPr>
+          </a:p>
+        </p:txBody>
+      </p:sp>
+      <p:sp>
+        <p:nvSpPr>
+          <p:cNvPr id="11" name="TextBox 10"/>
+          <p:cNvSpPr txBox="1"/>
+          <p:nvPr/>
+        </p:nvSpPr>
+        <p:spPr>
+          <a:xfrm>
+            <a:off x="2527300" y="2229703"/>
+            <a:ext cx="4233851" cy="830997"/>
+          </a:xfrm>
+          <a:prstGeom prst="rect">
+            <a:avLst/>
+          </a:prstGeom>
+          <a:noFill/>
+        </p:spPr>
+        <p:txBody>
+          <a:bodyPr wrap="none" rtlCol="0">
+            <a:spAutoFit/>
+          </a:bodyPr>
+          <a:lstStyle/>
+          <a:p>
+            <a:pPr algn="l"/>
+            <a:r>
+              <a:rPr lang="en-US" sz="4800" dirty="0" smtClean="0">
+                <a:latin typeface="Comic Sans MS" pitchFamily="66" charset="0"/>
+              </a:rPr>
+              <a:t>use</a:t>
+            </a:r>
+            <a:r>
+              <a:rPr lang="en-US" sz="4800" dirty="0" smtClean="0">
+                <a:solidFill>
+                  <a:srgbClr val="FF03E3"/>
+                </a:solidFill>
+                <a:latin typeface="Comic Sans MS" pitchFamily="66" charset="0"/>
+              </a:rPr>
+              <a:t> </a:t>
+            </a:r>
+            <a:r>
+              <a:rPr lang="en-US" sz="4800" dirty="0" err="1" smtClean="0">
+                <a:solidFill>
+                  <a:srgbClr val="FF03E3"/>
+                </a:solidFill>
+                <a:latin typeface="Comic Sans MS" pitchFamily="66" charset="0"/>
+              </a:rPr>
+              <a:t>DeMorgan</a:t>
+            </a:r>
+            <a:endParaRPr lang="en-US" sz="4800" dirty="0" smtClean="0">
+              <a:solidFill>
+                <a:srgbClr val="FF03E3"/>
+              </a:solidFill>
+              <a:latin typeface="Comic Sans MS" pitchFamily="66" charset="0"/>
+            </a:endParaRPr>
+          </a:p>
+        </p:txBody>
+      </p:sp>
+      <p:graphicFrame>
+        <p:nvGraphicFramePr>
+          <p:cNvPr id="12" name="Object 11"/>
+          <p:cNvGraphicFramePr>
+            <a:graphicFrameLocks noChangeAspect="1"/>
+          </p:cNvGraphicFramePr>
+          <p:nvPr>
+            <p:extLst>
+              <p:ext uri="{D42A27DB-BD31-4B8C-83A1-F6EECF244321}">
+                <p14:modId xmlns:p14="http://schemas.microsoft.com/office/powerpoint/2010/main" val="2895957920"/>
+              </p:ext>
+            </p:extLst>
+          </p:nvPr>
+        </p:nvGraphicFramePr>
+        <p:xfrm>
+          <a:off x="2462213" y="3441700"/>
+          <a:ext cx="6529387" cy="800100"/>
+        </p:xfrm>
+        <a:graphic>
+          <a:graphicData uri="http://schemas.openxmlformats.org/presentationml/2006/ole">
+            <mc:AlternateContent xmlns:mc="http://schemas.openxmlformats.org/markup-compatibility/2006">
+              <mc:Choice xmlns:v="urn:schemas-microsoft-com:vml" Requires="v">
+                <p:oleObj spid="_x0000_s420922" name="Equation" r:id="rId10" imgW="1866900" imgH="228600" progId="Equation.DSMT4">
+                  <p:embed/>
+                </p:oleObj>
+              </mc:Choice>
+              <mc:Fallback>
+                <p:oleObj name="Equation" r:id="rId10" imgW="1866900" imgH="228600" progId="Equation.DSMT4">
+                  <p:embed/>
+                  <p:pic>
+                    <p:nvPicPr>
+                      <p:cNvPr id="0" name=""/>
+                      <p:cNvPicPr/>
+                      <p:nvPr/>
+                    </p:nvPicPr>
+                    <p:blipFill>
+                      <a:blip r:embed="rId11"/>
+                      <a:stretch>
+                        <a:fillRect/>
+                      </a:stretch>
+                    </p:blipFill>
+                    <p:spPr>
+                      <a:xfrm>
+                        <a:off x="2462213" y="3441700"/>
+                        <a:ext cx="6529387" cy="800100"/>
+                      </a:xfrm>
+                      <a:prstGeom prst="rect">
+                        <a:avLst/>
+                      </a:prstGeom>
+                    </p:spPr>
+                  </p:pic>
+                </p:oleObj>
+              </mc:Fallback>
+            </mc:AlternateContent>
+          </a:graphicData>
+        </a:graphic>
+      </p:graphicFrame>
+      <p:sp>
+        <p:nvSpPr>
+          <p:cNvPr id="13" name="TextBox 12"/>
+          <p:cNvSpPr txBox="1"/>
+          <p:nvPr/>
+        </p:nvSpPr>
+        <p:spPr>
+          <a:xfrm>
+            <a:off x="4640263" y="3906103"/>
+            <a:ext cx="4233851" cy="830997"/>
+          </a:xfrm>
+          <a:prstGeom prst="rect">
+            <a:avLst/>
+          </a:prstGeom>
+          <a:noFill/>
+        </p:spPr>
+        <p:txBody>
+          <a:bodyPr wrap="none" rtlCol="0">
+            <a:spAutoFit/>
+          </a:bodyPr>
+          <a:lstStyle/>
+          <a:p>
+            <a:pPr algn="l"/>
+            <a:r>
+              <a:rPr lang="en-US" sz="4800" dirty="0" smtClean="0">
+                <a:latin typeface="Comic Sans MS" pitchFamily="66" charset="0"/>
+              </a:rPr>
+              <a:t>use</a:t>
+            </a:r>
+            <a:r>
+              <a:rPr lang="en-US" sz="4800" dirty="0" smtClean="0">
+                <a:solidFill>
+                  <a:srgbClr val="FF03E3"/>
+                </a:solidFill>
+                <a:latin typeface="Comic Sans MS" pitchFamily="66" charset="0"/>
+              </a:rPr>
+              <a:t> </a:t>
+            </a:r>
+            <a:r>
+              <a:rPr lang="en-US" sz="4800" dirty="0" err="1" smtClean="0">
+                <a:solidFill>
+                  <a:srgbClr val="FF03E3"/>
+                </a:solidFill>
+                <a:latin typeface="Comic Sans MS" pitchFamily="66" charset="0"/>
+              </a:rPr>
+              <a:t>DeMorgan</a:t>
+            </a:r>
+            <a:endParaRPr lang="en-US" sz="4800" dirty="0" smtClean="0">
+              <a:solidFill>
+                <a:srgbClr val="FF03E3"/>
+              </a:solidFill>
+              <a:latin typeface="Comic Sans MS" pitchFamily="66" charset="0"/>
+            </a:endParaRPr>
+          </a:p>
+        </p:txBody>
+      </p:sp>
+      <p:graphicFrame>
+        <p:nvGraphicFramePr>
+          <p:cNvPr id="14" name="Object 13"/>
+          <p:cNvGraphicFramePr>
+            <a:graphicFrameLocks noChangeAspect="1"/>
+          </p:cNvGraphicFramePr>
+          <p:nvPr>
+            <p:extLst>
+              <p:ext uri="{D42A27DB-BD31-4B8C-83A1-F6EECF244321}">
+                <p14:modId xmlns:p14="http://schemas.microsoft.com/office/powerpoint/2010/main" val="1750932847"/>
+              </p:ext>
+            </p:extLst>
+          </p:nvPr>
+        </p:nvGraphicFramePr>
+        <p:xfrm>
+          <a:off x="2470150" y="4070350"/>
+          <a:ext cx="5905500" cy="889000"/>
+        </p:xfrm>
+        <a:graphic>
+          <a:graphicData uri="http://schemas.openxmlformats.org/presentationml/2006/ole">
+            <mc:AlternateContent xmlns:mc="http://schemas.openxmlformats.org/markup-compatibility/2006">
+              <mc:Choice xmlns:v="urn:schemas-microsoft-com:vml" Requires="v">
+                <p:oleObj spid="_x0000_s420923" name="Equation" r:id="rId12" imgW="1689100" imgH="254000" progId="Equation.DSMT4">
+                  <p:embed/>
+                </p:oleObj>
+              </mc:Choice>
+              <mc:Fallback>
+                <p:oleObj name="Equation" r:id="rId12" imgW="1689100" imgH="254000" progId="Equation.DSMT4">
+                  <p:embed/>
+                  <p:pic>
+                    <p:nvPicPr>
+                      <p:cNvPr id="0" name=""/>
+                      <p:cNvPicPr/>
+                      <p:nvPr/>
+                    </p:nvPicPr>
+                    <p:blipFill>
+                      <a:blip r:embed="rId13"/>
+                      <a:stretch>
+                        <a:fillRect/>
+                      </a:stretch>
+                    </p:blipFill>
+                    <p:spPr>
+                      <a:xfrm>
+                        <a:off x="2470150" y="4070350"/>
+                        <a:ext cx="5905500" cy="889000"/>
+                      </a:xfrm>
+                      <a:prstGeom prst="rect">
+                        <a:avLst/>
+                      </a:prstGeom>
+                    </p:spPr>
+                  </p:pic>
+                </p:oleObj>
+              </mc:Fallback>
+            </mc:AlternateContent>
+          </a:graphicData>
+        </a:graphic>
+      </p:graphicFrame>
+      <p:sp>
+        <p:nvSpPr>
+          <p:cNvPr id="15" name="TextBox 14"/>
+          <p:cNvSpPr txBox="1"/>
+          <p:nvPr/>
+        </p:nvSpPr>
+        <p:spPr>
+          <a:xfrm>
+            <a:off x="190500" y="4668103"/>
+            <a:ext cx="4958108" cy="707886"/>
+          </a:xfrm>
+          <a:prstGeom prst="rect">
+            <a:avLst/>
+          </a:prstGeom>
+          <a:noFill/>
+        </p:spPr>
+        <p:txBody>
+          <a:bodyPr wrap="none" rtlCol="0">
+            <a:spAutoFit/>
+          </a:bodyPr>
+          <a:lstStyle/>
+          <a:p>
+            <a:pPr algn="l"/>
+            <a:r>
+              <a:rPr lang="en-US" sz="4000" dirty="0" smtClean="0">
+                <a:solidFill>
+                  <a:srgbClr val="FF03E3"/>
+                </a:solidFill>
+                <a:latin typeface="Comic Sans MS" pitchFamily="66" charset="0"/>
+              </a:rPr>
+              <a:t>Distribute </a:t>
+            </a:r>
+            <a:r>
+              <a:rPr lang="en-US" sz="4000" dirty="0" smtClean="0">
+                <a:latin typeface="Comic Sans MS" pitchFamily="66" charset="0"/>
+              </a:rPr>
+              <a:t>(</a:t>
+            </a:r>
+            <a:r>
+              <a:rPr lang="en-US" sz="4000" dirty="0" smtClean="0">
+                <a:solidFill>
+                  <a:srgbClr val="000000"/>
+                </a:solidFill>
+                <a:latin typeface="Comic Sans MS" pitchFamily="66" charset="0"/>
+              </a:rPr>
+              <a:t>P </a:t>
+            </a:r>
+            <a:r>
+              <a:rPr lang="en-US" sz="4000" dirty="0" smtClean="0">
+                <a:solidFill>
+                  <a:schemeClr val="accent1">
+                    <a:lumMod val="50000"/>
+                  </a:schemeClr>
+                </a:solidFill>
+                <a:latin typeface="Comic Sans MS" pitchFamily="66" charset="0"/>
+              </a:rPr>
+              <a:t>OR</a:t>
+            </a:r>
+            <a:r>
+              <a:rPr lang="en-US" sz="4000" dirty="0" smtClean="0">
+                <a:solidFill>
+                  <a:srgbClr val="000000"/>
+                </a:solidFill>
+                <a:latin typeface="Comic Sans MS" pitchFamily="66" charset="0"/>
+              </a:rPr>
+              <a:t> Q)</a:t>
+            </a:r>
+            <a:endParaRPr lang="en-US" sz="4000" dirty="0" smtClean="0">
+              <a:solidFill>
+                <a:srgbClr val="000000"/>
+              </a:solidFill>
+              <a:latin typeface="Comic Sans MS" pitchFamily="66" charset="0"/>
+            </a:endParaRPr>
+          </a:p>
+        </p:txBody>
+      </p:sp>
+      <p:sp>
+        <p:nvSpPr>
+          <p:cNvPr id="17" name="TextBox 16"/>
+          <p:cNvSpPr txBox="1"/>
+          <p:nvPr/>
+        </p:nvSpPr>
+        <p:spPr>
+          <a:xfrm>
+            <a:off x="614363" y="3042503"/>
+            <a:ext cx="3326552" cy="769441"/>
+          </a:xfrm>
+          <a:prstGeom prst="rect">
+            <a:avLst/>
+          </a:prstGeom>
+          <a:noFill/>
+        </p:spPr>
+        <p:txBody>
+          <a:bodyPr wrap="none" rtlCol="0">
+            <a:spAutoFit/>
+          </a:bodyPr>
+          <a:lstStyle/>
+          <a:p>
+            <a:pPr algn="l"/>
+            <a:r>
+              <a:rPr lang="en-US" sz="4400" dirty="0" smtClean="0">
+                <a:solidFill>
+                  <a:srgbClr val="FF03E3"/>
+                </a:solidFill>
+                <a:latin typeface="Comic Sans MS" pitchFamily="66" charset="0"/>
+              </a:rPr>
+              <a:t>Double </a:t>
+            </a:r>
+            <a:r>
+              <a:rPr lang="en-US" sz="3600" dirty="0" smtClean="0">
+                <a:solidFill>
+                  <a:schemeClr val="accent1">
+                    <a:lumMod val="50000"/>
+                  </a:schemeClr>
+                </a:solidFill>
+                <a:latin typeface="Comic Sans MS" pitchFamily="66" charset="0"/>
+              </a:rPr>
+              <a:t>NOT</a:t>
+            </a:r>
+            <a:endParaRPr lang="en-US" sz="4400" dirty="0" smtClean="0">
+              <a:solidFill>
+                <a:schemeClr val="accent1">
+                  <a:lumMod val="50000"/>
+                </a:schemeClr>
+              </a:solidFill>
+              <a:latin typeface="Comic Sans MS" pitchFamily="66" charset="0"/>
+            </a:endParaRPr>
+          </a:p>
+        </p:txBody>
+      </p:sp>
+    </p:spTree>
+    <p:extLst>
+      <p:ext uri="{BB962C8B-B14F-4D97-AF65-F5344CB8AC3E}">
+        <p14:creationId xmlns:p14="http://schemas.microsoft.com/office/powerpoint/2010/main" val="723930122"/>
+      </p:ext>
+    </p:extLst>
+  </p:cSld>
+  <p:clrMapOvr>
+    <a:masterClrMapping/>
+  </p:clrMapOvr>
+  <p:transition xmlns:p14="http://schemas.microsoft.com/office/powerpoint/2010/main" spd="slow" advClick="0">
+    <p:fade/>
+  </p:transition>
+  <p:timing>
+    <p:tnLst>
+      <p:par>
+        <p:cTn xmlns:p14="http://schemas.microsoft.com/office/powerpoint/2010/main" id="1" dur="indefinite" restart="never" nodeType="tmRoot">
+          <p:childTnLst>
+            <p:seq concurrent="1" nextAc="seek">
+              <p:cTn id="2" dur="indefinite" nodeType="mainSeq">
+                <p:childTnLst>
+                  <p:par>
+                    <p:cTn id="3" fill="hold">
+                      <p:stCondLst>
+                        <p:cond delay="indefinite"/>
+                      </p:stCondLst>
+                      <p:childTnLst>
+                        <p:par>
+                          <p:cTn id="4" fill="hold">
+                            <p:stCondLst>
+                              <p:cond delay="0"/>
+                            </p:stCondLst>
+                            <p:childTnLst>
+                              <p:par>
+                                <p:cTn id="5" presetID="22" presetClass="entr" presetSubtype="8" fill="hold" nodeType="clickEffect">
+                                  <p:stCondLst>
+                                    <p:cond delay="0"/>
+                                  </p:stCondLst>
+                                  <p:childTnLst>
+                                    <p:set>
+                                      <p:cBhvr>
+                                        <p:cTn id="6" dur="1" fill="hold">
+                                          <p:stCondLst>
+                                            <p:cond delay="0"/>
+                                          </p:stCondLst>
+                                        </p:cTn>
+                                        <p:tgtEl>
+                                          <p:spTgt spid="7"/>
+                                        </p:tgtEl>
+                                        <p:attrNameLst>
+                                          <p:attrName>style.visibility</p:attrName>
+                                        </p:attrNameLst>
+                                      </p:cBhvr>
+                                      <p:to>
+                                        <p:strVal val="visible"/>
+                                      </p:to>
+                                    </p:set>
+                                    <p:animEffect transition="in" filter="wipe(left)">
+                                      <p:cBhvr>
+                                        <p:cTn id="7" dur="1000"/>
+                                        <p:tgtEl>
+                                          <p:spTgt spid="7"/>
+                                        </p:tgtEl>
+                                      </p:cBhvr>
+                                    </p:animEffect>
+                                  </p:childTnLst>
+                                </p:cTn>
+                              </p:par>
+                              <p:par>
+                                <p:cTn id="8" presetID="9" presetClass="exit" presetSubtype="0" fill="hold" grpId="0" nodeType="withEffect">
+                                  <p:stCondLst>
+                                    <p:cond delay="0"/>
+                                  </p:stCondLst>
+                                  <p:childTnLst>
+                                    <p:animEffect transition="out" filter="dissolve">
+                                      <p:cBhvr>
+                                        <p:cTn id="9" dur="500"/>
+                                        <p:tgtEl>
+                                          <p:spTgt spid="8"/>
+                                        </p:tgtEl>
+                                      </p:cBhvr>
+                                    </p:animEffect>
+                                    <p:set>
+                                      <p:cBhvr>
+                                        <p:cTn id="10" dur="1" fill="hold">
+                                          <p:stCondLst>
+                                            <p:cond delay="499"/>
+                                          </p:stCondLst>
+                                        </p:cTn>
+                                        <p:tgtEl>
+                                          <p:spTgt spid="8"/>
+                                        </p:tgtEl>
+                                        <p:attrNameLst>
+                                          <p:attrName>style.visibility</p:attrName>
+                                        </p:attrNameLst>
+                                      </p:cBhvr>
+                                      <p:to>
+                                        <p:strVal val="hidden"/>
+                                      </p:to>
+                                    </p:set>
+                                  </p:childTnLst>
+                                </p:cTn>
+                              </p:par>
+                            </p:childTnLst>
+                          </p:cTn>
+                        </p:par>
+                      </p:childTnLst>
+                    </p:cTn>
+                  </p:par>
+                  <p:par>
+                    <p:cTn id="11" fill="hold">
+                      <p:stCondLst>
+                        <p:cond delay="indefinite"/>
+                      </p:stCondLst>
+                      <p:childTnLst>
+                        <p:par>
+                          <p:cTn id="12" fill="hold">
+                            <p:stCondLst>
+                              <p:cond delay="0"/>
+                            </p:stCondLst>
+                            <p:childTnLst>
+                              <p:par>
+                                <p:cTn id="13" presetID="10" presetClass="entr" presetSubtype="0" fill="hold" grpId="0" nodeType="clickEffect">
+                                  <p:stCondLst>
+                                    <p:cond delay="0"/>
+                                  </p:stCondLst>
+                                  <p:childTnLst>
+                                    <p:set>
+                                      <p:cBhvr>
+                                        <p:cTn id="14" dur="1" fill="hold">
+                                          <p:stCondLst>
+                                            <p:cond delay="0"/>
+                                          </p:stCondLst>
+                                        </p:cTn>
+                                        <p:tgtEl>
+                                          <p:spTgt spid="11"/>
+                                        </p:tgtEl>
+                                        <p:attrNameLst>
+                                          <p:attrName>style.visibility</p:attrName>
+                                        </p:attrNameLst>
+                                      </p:cBhvr>
+                                      <p:to>
+                                        <p:strVal val="visible"/>
+                                      </p:to>
+                                    </p:set>
+                                    <p:animEffect transition="in" filter="fade">
+                                      <p:cBhvr>
+                                        <p:cTn id="15" dur="500"/>
+                                        <p:tgtEl>
+                                          <p:spTgt spid="11"/>
+                                        </p:tgtEl>
+                                      </p:cBhvr>
+                                    </p:animEffect>
+                                  </p:childTnLst>
+                                </p:cTn>
+                              </p:par>
+                            </p:childTnLst>
+                          </p:cTn>
+                        </p:par>
+                      </p:childTnLst>
+                    </p:cTn>
+                  </p:par>
+                  <p:par>
+                    <p:cTn id="16" fill="hold">
+                      <p:stCondLst>
+                        <p:cond delay="indefinite"/>
+                      </p:stCondLst>
+                      <p:childTnLst>
+                        <p:par>
+                          <p:cTn id="17" fill="hold">
+                            <p:stCondLst>
+                              <p:cond delay="0"/>
+                            </p:stCondLst>
+                            <p:childTnLst>
+                              <p:par>
+                                <p:cTn id="18" presetID="22" presetClass="entr" presetSubtype="8" fill="hold" nodeType="clickEffect">
+                                  <p:stCondLst>
+                                    <p:cond delay="0"/>
+                                  </p:stCondLst>
+                                  <p:childTnLst>
+                                    <p:set>
+                                      <p:cBhvr>
+                                        <p:cTn id="19" dur="1" fill="hold">
+                                          <p:stCondLst>
+                                            <p:cond delay="0"/>
+                                          </p:stCondLst>
+                                        </p:cTn>
+                                        <p:tgtEl>
+                                          <p:spTgt spid="10"/>
+                                        </p:tgtEl>
+                                        <p:attrNameLst>
+                                          <p:attrName>style.visibility</p:attrName>
+                                        </p:attrNameLst>
+                                      </p:cBhvr>
+                                      <p:to>
+                                        <p:strVal val="visible"/>
+                                      </p:to>
+                                    </p:set>
+                                    <p:animEffect transition="in" filter="wipe(left)">
+                                      <p:cBhvr>
+                                        <p:cTn id="20" dur="1000"/>
+                                        <p:tgtEl>
+                                          <p:spTgt spid="10"/>
+                                        </p:tgtEl>
+                                      </p:cBhvr>
+                                    </p:animEffect>
+                                  </p:childTnLst>
+                                </p:cTn>
+                              </p:par>
+                              <p:par>
+                                <p:cTn id="21" presetID="9" presetClass="exit" presetSubtype="0" fill="hold" grpId="1" nodeType="withEffect">
+                                  <p:stCondLst>
+                                    <p:cond delay="0"/>
+                                  </p:stCondLst>
+                                  <p:childTnLst>
+                                    <p:animEffect transition="out" filter="dissolve">
+                                      <p:cBhvr>
+                                        <p:cTn id="22" dur="500"/>
+                                        <p:tgtEl>
+                                          <p:spTgt spid="11"/>
+                                        </p:tgtEl>
+                                      </p:cBhvr>
+                                    </p:animEffect>
+                                    <p:set>
+                                      <p:cBhvr>
+                                        <p:cTn id="23" dur="1" fill="hold">
+                                          <p:stCondLst>
+                                            <p:cond delay="499"/>
+                                          </p:stCondLst>
+                                        </p:cTn>
+                                        <p:tgtEl>
+                                          <p:spTgt spid="11"/>
+                                        </p:tgtEl>
+                                        <p:attrNameLst>
+                                          <p:attrName>style.visibility</p:attrName>
+                                        </p:attrNameLst>
+                                      </p:cBhvr>
+                                      <p:to>
+                                        <p:strVal val="hidden"/>
+                                      </p:to>
+                                    </p:set>
+                                  </p:childTnLst>
+                                </p:cTn>
+                              </p:par>
+                            </p:childTnLst>
+                          </p:cTn>
+                        </p:par>
+                      </p:childTnLst>
+                    </p:cTn>
+                  </p:par>
+                  <p:par>
+                    <p:cTn id="24" fill="hold">
+                      <p:stCondLst>
+                        <p:cond delay="indefinite"/>
+                      </p:stCondLst>
+                      <p:childTnLst>
+                        <p:par>
+                          <p:cTn id="25" fill="hold">
+                            <p:stCondLst>
+                              <p:cond delay="0"/>
+                            </p:stCondLst>
+                            <p:childTnLst>
+                              <p:par>
+                                <p:cTn id="26" presetID="10" presetClass="entr" presetSubtype="0" fill="hold" grpId="0" nodeType="clickEffect">
+                                  <p:stCondLst>
+                                    <p:cond delay="0"/>
+                                  </p:stCondLst>
+                                  <p:childTnLst>
+                                    <p:set>
+                                      <p:cBhvr>
+                                        <p:cTn id="27" dur="1" fill="hold">
+                                          <p:stCondLst>
+                                            <p:cond delay="0"/>
+                                          </p:stCondLst>
+                                        </p:cTn>
+                                        <p:tgtEl>
+                                          <p:spTgt spid="17"/>
+                                        </p:tgtEl>
+                                        <p:attrNameLst>
+                                          <p:attrName>style.visibility</p:attrName>
+                                        </p:attrNameLst>
+                                      </p:cBhvr>
+                                      <p:to>
+                                        <p:strVal val="visible"/>
+                                      </p:to>
+                                    </p:set>
+                                    <p:animEffect transition="in" filter="fade">
+                                      <p:cBhvr>
+                                        <p:cTn id="28" dur="500"/>
+                                        <p:tgtEl>
+                                          <p:spTgt spid="17"/>
+                                        </p:tgtEl>
+                                      </p:cBhvr>
+                                    </p:animEffect>
+                                  </p:childTnLst>
+                                </p:cTn>
+                              </p:par>
+                            </p:childTnLst>
+                          </p:cTn>
+                        </p:par>
+                      </p:childTnLst>
+                    </p:cTn>
+                  </p:par>
+                  <p:par>
+                    <p:cTn id="29" fill="hold">
+                      <p:stCondLst>
+                        <p:cond delay="indefinite"/>
+                      </p:stCondLst>
+                      <p:childTnLst>
+                        <p:par>
+                          <p:cTn id="30" fill="hold">
+                            <p:stCondLst>
+                              <p:cond delay="0"/>
+                            </p:stCondLst>
+                            <p:childTnLst>
+                              <p:par>
+                                <p:cTn id="31" presetID="22" presetClass="entr" presetSubtype="8" fill="hold" nodeType="clickEffect">
+                                  <p:stCondLst>
+                                    <p:cond delay="0"/>
+                                  </p:stCondLst>
+                                  <p:childTnLst>
+                                    <p:set>
+                                      <p:cBhvr>
+                                        <p:cTn id="32" dur="1" fill="hold">
+                                          <p:stCondLst>
+                                            <p:cond delay="0"/>
+                                          </p:stCondLst>
+                                        </p:cTn>
+                                        <p:tgtEl>
+                                          <p:spTgt spid="12"/>
+                                        </p:tgtEl>
+                                        <p:attrNameLst>
+                                          <p:attrName>style.visibility</p:attrName>
+                                        </p:attrNameLst>
+                                      </p:cBhvr>
+                                      <p:to>
+                                        <p:strVal val="visible"/>
+                                      </p:to>
+                                    </p:set>
+                                    <p:animEffect transition="in" filter="wipe(left)">
+                                      <p:cBhvr>
+                                        <p:cTn id="33" dur="1000"/>
+                                        <p:tgtEl>
+                                          <p:spTgt spid="12"/>
+                                        </p:tgtEl>
+                                      </p:cBhvr>
+                                    </p:animEffect>
+                                  </p:childTnLst>
+                                </p:cTn>
+                              </p:par>
+                              <p:par>
+                                <p:cTn id="34" presetID="9" presetClass="exit" presetSubtype="0" fill="hold" grpId="1" nodeType="withEffect">
+                                  <p:stCondLst>
+                                    <p:cond delay="0"/>
+                                  </p:stCondLst>
+                                  <p:childTnLst>
+                                    <p:animEffect transition="out" filter="dissolve">
+                                      <p:cBhvr>
+                                        <p:cTn id="35" dur="500"/>
+                                        <p:tgtEl>
+                                          <p:spTgt spid="17"/>
+                                        </p:tgtEl>
+                                      </p:cBhvr>
+                                    </p:animEffect>
+                                    <p:set>
+                                      <p:cBhvr>
+                                        <p:cTn id="36" dur="1" fill="hold">
+                                          <p:stCondLst>
+                                            <p:cond delay="499"/>
+                                          </p:stCondLst>
+                                        </p:cTn>
+                                        <p:tgtEl>
+                                          <p:spTgt spid="17"/>
+                                        </p:tgtEl>
+                                        <p:attrNameLst>
+                                          <p:attrName>style.visibility</p:attrName>
+                                        </p:attrNameLst>
+                                      </p:cBhvr>
+                                      <p:to>
+                                        <p:strVal val="hidden"/>
+                                      </p:to>
+                                    </p:set>
+                                  </p:childTnLst>
+                                </p:cTn>
+                              </p:par>
+                            </p:childTnLst>
+                          </p:cTn>
+                        </p:par>
+                      </p:childTnLst>
+                    </p:cTn>
+                  </p:par>
+                  <p:par>
+                    <p:cTn id="37" fill="hold">
+                      <p:stCondLst>
+                        <p:cond delay="indefinite"/>
+                      </p:stCondLst>
+                      <p:childTnLst>
+                        <p:par>
+                          <p:cTn id="38" fill="hold">
+                            <p:stCondLst>
+                              <p:cond delay="0"/>
+                            </p:stCondLst>
+                            <p:childTnLst>
+                              <p:par>
+                                <p:cTn id="39" presetID="10" presetClass="entr" presetSubtype="0" fill="hold" grpId="0" nodeType="clickEffect">
+                                  <p:stCondLst>
+                                    <p:cond delay="0"/>
+                                  </p:stCondLst>
+                                  <p:childTnLst>
+                                    <p:set>
+                                      <p:cBhvr>
+                                        <p:cTn id="40" dur="1" fill="hold">
+                                          <p:stCondLst>
+                                            <p:cond delay="0"/>
+                                          </p:stCondLst>
+                                        </p:cTn>
+                                        <p:tgtEl>
+                                          <p:spTgt spid="13"/>
+                                        </p:tgtEl>
+                                        <p:attrNameLst>
+                                          <p:attrName>style.visibility</p:attrName>
+                                        </p:attrNameLst>
+                                      </p:cBhvr>
+                                      <p:to>
+                                        <p:strVal val="visible"/>
+                                      </p:to>
+                                    </p:set>
+                                    <p:animEffect transition="in" filter="fade">
+                                      <p:cBhvr>
+                                        <p:cTn id="41" dur="500"/>
+                                        <p:tgtEl>
+                                          <p:spTgt spid="13"/>
+                                        </p:tgtEl>
+                                      </p:cBhvr>
+                                    </p:animEffect>
+                                  </p:childTnLst>
+                                </p:cTn>
+                              </p:par>
+                            </p:childTnLst>
+                          </p:cTn>
+                        </p:par>
+                      </p:childTnLst>
+                    </p:cTn>
+                  </p:par>
+                  <p:par>
+                    <p:cTn id="42" fill="hold">
+                      <p:stCondLst>
+                        <p:cond delay="indefinite"/>
+                      </p:stCondLst>
+                      <p:childTnLst>
+                        <p:par>
+                          <p:cTn id="43" fill="hold">
+                            <p:stCondLst>
+                              <p:cond delay="0"/>
+                            </p:stCondLst>
+                            <p:childTnLst>
+                              <p:par>
+                                <p:cTn id="44" presetID="10" presetClass="entr" presetSubtype="0" fill="hold" nodeType="clickEffect">
+                                  <p:stCondLst>
+                                    <p:cond delay="0"/>
+                                  </p:stCondLst>
+                                  <p:childTnLst>
+                                    <p:set>
+                                      <p:cBhvr>
+                                        <p:cTn id="45" dur="1" fill="hold">
+                                          <p:stCondLst>
+                                            <p:cond delay="0"/>
+                                          </p:stCondLst>
+                                        </p:cTn>
+                                        <p:tgtEl>
+                                          <p:spTgt spid="14"/>
+                                        </p:tgtEl>
+                                        <p:attrNameLst>
+                                          <p:attrName>style.visibility</p:attrName>
+                                        </p:attrNameLst>
+                                      </p:cBhvr>
+                                      <p:to>
+                                        <p:strVal val="visible"/>
+                                      </p:to>
+                                    </p:set>
+                                    <p:animEffect transition="in" filter="fade">
+                                      <p:cBhvr>
+                                        <p:cTn id="46" dur="500"/>
+                                        <p:tgtEl>
+                                          <p:spTgt spid="14"/>
+                                        </p:tgtEl>
+                                      </p:cBhvr>
+                                    </p:animEffect>
+                                  </p:childTnLst>
+                                </p:cTn>
+                              </p:par>
+                              <p:par>
+                                <p:cTn id="47" presetID="9" presetClass="exit" presetSubtype="0" fill="hold" grpId="1" nodeType="withEffect">
+                                  <p:stCondLst>
+                                    <p:cond delay="0"/>
+                                  </p:stCondLst>
+                                  <p:childTnLst>
+                                    <p:animEffect transition="out" filter="dissolve">
+                                      <p:cBhvr>
+                                        <p:cTn id="48" dur="500"/>
+                                        <p:tgtEl>
+                                          <p:spTgt spid="13"/>
+                                        </p:tgtEl>
+                                      </p:cBhvr>
+                                    </p:animEffect>
+                                    <p:set>
+                                      <p:cBhvr>
+                                        <p:cTn id="49" dur="1" fill="hold">
+                                          <p:stCondLst>
+                                            <p:cond delay="499"/>
+                                          </p:stCondLst>
+                                        </p:cTn>
+                                        <p:tgtEl>
+                                          <p:spTgt spid="13"/>
+                                        </p:tgtEl>
+                                        <p:attrNameLst>
+                                          <p:attrName>style.visibility</p:attrName>
+                                        </p:attrNameLst>
+                                      </p:cBhvr>
+                                      <p:to>
+                                        <p:strVal val="hidden"/>
+                                      </p:to>
+                                    </p:set>
+                                  </p:childTnLst>
+                                </p:cTn>
+                              </p:par>
+                            </p:childTnLst>
+                          </p:cTn>
+                        </p:par>
+                      </p:childTnLst>
+                    </p:cTn>
+                  </p:par>
+                  <p:par>
+                    <p:cTn id="50" fill="hold">
+                      <p:stCondLst>
+                        <p:cond delay="indefinite"/>
+                      </p:stCondLst>
+                      <p:childTnLst>
+                        <p:par>
+                          <p:cTn id="51" fill="hold">
+                            <p:stCondLst>
+                              <p:cond delay="0"/>
+                            </p:stCondLst>
+                            <p:childTnLst>
+                              <p:par>
+                                <p:cTn id="52" presetID="10" presetClass="entr" presetSubtype="0" fill="hold" grpId="0" nodeType="clickEffect">
+                                  <p:stCondLst>
+                                    <p:cond delay="0"/>
+                                  </p:stCondLst>
+                                  <p:childTnLst>
+                                    <p:set>
+                                      <p:cBhvr>
+                                        <p:cTn id="53" dur="1" fill="hold">
+                                          <p:stCondLst>
+                                            <p:cond delay="0"/>
+                                          </p:stCondLst>
+                                        </p:cTn>
+                                        <p:tgtEl>
+                                          <p:spTgt spid="15"/>
+                                        </p:tgtEl>
+                                        <p:attrNameLst>
+                                          <p:attrName>style.visibility</p:attrName>
+                                        </p:attrNameLst>
+                                      </p:cBhvr>
+                                      <p:to>
+                                        <p:strVal val="visible"/>
+                                      </p:to>
+                                    </p:set>
+                                    <p:animEffect transition="in" filter="fade">
+                                      <p:cBhvr>
+                                        <p:cTn id="54" dur="500"/>
+                                        <p:tgtEl>
+                                          <p:spTgt spid="15"/>
+                                        </p:tgtEl>
+                                      </p:cBhvr>
+                                    </p:animEffect>
+                                  </p:childTnLst>
+                                </p:cTn>
+                              </p:par>
+                            </p:childTnLst>
+                          </p:cTn>
+                        </p:par>
+                      </p:childTnLst>
+                    </p:cTn>
+                  </p:par>
+                  <p:par>
+                    <p:cTn id="55" fill="hold">
+                      <p:stCondLst>
+                        <p:cond delay="indefinite"/>
+                      </p:stCondLst>
+                      <p:childTnLst>
+                        <p:par>
+                          <p:cTn id="56" fill="hold">
+                            <p:stCondLst>
+                              <p:cond delay="0"/>
+                            </p:stCondLst>
+                            <p:childTnLst>
+                              <p:par>
+                                <p:cTn id="57" presetID="10" presetClass="entr" presetSubtype="0" fill="hold" nodeType="clickEffect">
+                                  <p:stCondLst>
+                                    <p:cond delay="0"/>
+                                  </p:stCondLst>
+                                  <p:childTnLst>
+                                    <p:set>
+                                      <p:cBhvr>
+                                        <p:cTn id="58" dur="1" fill="hold">
+                                          <p:stCondLst>
+                                            <p:cond delay="0"/>
+                                          </p:stCondLst>
+                                        </p:cTn>
+                                        <p:tgtEl>
+                                          <p:spTgt spid="16"/>
+                                        </p:tgtEl>
+                                        <p:attrNameLst>
+                                          <p:attrName>style.visibility</p:attrName>
+                                        </p:attrNameLst>
+                                      </p:cBhvr>
+                                      <p:to>
+                                        <p:strVal val="visible"/>
+                                      </p:to>
+                                    </p:set>
+                                    <p:animEffect transition="in" filter="fade">
+                                      <p:cBhvr>
+                                        <p:cTn id="59" dur="500"/>
+                                        <p:tgtEl>
+                                          <p:spTgt spid="16"/>
+                                        </p:tgtEl>
+                                      </p:cBhvr>
+                                    </p:animEffect>
+                                  </p:childTnLst>
+                                </p:cTn>
+                              </p:par>
+                              <p:par>
+                                <p:cTn id="60" presetID="9" presetClass="exit" presetSubtype="0" fill="hold" grpId="1" nodeType="withEffect">
+                                  <p:stCondLst>
+                                    <p:cond delay="0"/>
+                                  </p:stCondLst>
+                                  <p:childTnLst>
+                                    <p:animEffect transition="out" filter="dissolve">
+                                      <p:cBhvr>
+                                        <p:cTn id="61" dur="500"/>
+                                        <p:tgtEl>
+                                          <p:spTgt spid="15"/>
+                                        </p:tgtEl>
+                                      </p:cBhvr>
+                                    </p:animEffect>
+                                    <p:set>
+                                      <p:cBhvr>
+                                        <p:cTn id="62" dur="1" fill="hold">
+                                          <p:stCondLst>
+                                            <p:cond delay="499"/>
+                                          </p:stCondLst>
+                                        </p:cTn>
+                                        <p:tgtEl>
+                                          <p:spTgt spid="15"/>
+                                        </p:tgtEl>
+                                        <p:attrNameLst>
+                                          <p:attrName>style.visibility</p:attrName>
+                                        </p:attrNameLst>
+                                      </p:cBhvr>
+                                      <p:to>
+                                        <p:strVal val="hidden"/>
+                                      </p:to>
+                                    </p:set>
+                                  </p:childTnLst>
+                                </p:cTn>
+                              </p:par>
+                            </p:childTnLst>
+                          </p:cTn>
+                        </p:par>
+                      </p:childTnLst>
+                    </p:cTn>
+                  </p:par>
+                </p:childTnLst>
+              </p:cTn>
+              <p:prevCondLst>
+                <p:cond evt="onPrev" delay="0">
+                  <p:tgtEl>
+                    <p:sldTgt/>
+                  </p:tgtEl>
+                </p:cond>
+              </p:prevCondLst>
+              <p:nextCondLst>
+                <p:cond evt="onNext" delay="0">
+                  <p:tgtEl>
+                    <p:sldTgt/>
+                  </p:tgtEl>
+                </p:cond>
+              </p:nextCondLst>
+            </p:seq>
+          </p:childTnLst>
+        </p:cTn>
+      </p:par>
+    </p:tnLst>
+    <p:bldLst>
+      <p:bldP spid="8" grpId="0"/>
+      <p:bldP spid="11" grpId="0"/>
+      <p:bldP spid="11" grpId="1"/>
+      <p:bldP spid="13" grpId="0"/>
+      <p:bldP spid="13" grpId="1"/>
+      <p:bldP spid="15" grpId="0"/>
+      <p:bldP spid="15" grpId="1"/>
+      <p:bldP spid="17" grpId="0"/>
+      <p:bldP spid="17" grpId="1"/>
+    </p:bldLst>
   </p:timing>
 </p:sld>
 </file>

--- a/spring15/slidesS15/propositional-algebra.pptx
+++ b/spring15/slidesS15/propositional-algebra.pptx
@@ -4617,30 +4617,6 @@
           </a:p>
         </p:txBody>
       </p:sp>
-      <p:pic>
-        <p:nvPicPr>
-          <p:cNvPr id="8" name="Picture 7" descr="license.img"/>
-          <p:cNvPicPr>
-            <a:picLocks/>
-          </p:cNvPicPr>
-          <p:nvPr userDrawn="1"/>
-        </p:nvPicPr>
-        <p:blipFill>
-          <a:blip r:embed="rId11" cstate="print"/>
-          <a:stretch>
-            <a:fillRect/>
-          </a:stretch>
-        </p:blipFill>
-        <p:spPr>
-          <a:xfrm>
-            <a:off x="38415" y="6553200"/>
-            <a:ext cx="875985" cy="290315"/>
-          </a:xfrm>
-          <a:prstGeom prst="rect">
-            <a:avLst/>
-          </a:prstGeom>
-        </p:spPr>
-      </p:pic>
       <p:sp>
         <p:nvSpPr>
           <p:cNvPr id="9" name="TextBox 8"/>
@@ -4672,6 +4648,30 @@
           </a:p>
         </p:txBody>
       </p:sp>
+      <p:pic>
+        <p:nvPicPr>
+          <p:cNvPr id="10" name="Picture 9"/>
+          <p:cNvPicPr>
+            <a:picLocks noChangeAspect="1"/>
+          </p:cNvPicPr>
+          <p:nvPr userDrawn="1"/>
+        </p:nvPicPr>
+        <p:blipFill>
+          <a:blip r:embed="rId11"/>
+          <a:stretch>
+            <a:fillRect/>
+          </a:stretch>
+        </p:blipFill>
+        <p:spPr>
+          <a:xfrm>
+            <a:off x="0" y="6500090"/>
+            <a:ext cx="1016000" cy="357909"/>
+          </a:xfrm>
+          <a:prstGeom prst="rect">
+            <a:avLst/>
+          </a:prstGeom>
+        </p:spPr>
+      </p:pic>
     </p:spTree>
   </p:cSld>
   <p:clrMap bg1="lt1" tx1="dk1" bg2="lt2" tx2="dk2" accent1="accent1" accent2="accent2" accent3="accent3" accent4="accent4" accent5="accent5" accent6="accent6" hlink="hlink" folHlink="folHlink"/>
@@ -6047,11 +6047,11 @@
   <p:clrMapOvr>
     <a:masterClrMapping/>
   </p:clrMapOvr>
-  <mc:AlternateContent xmlns:mc="http://schemas.openxmlformats.org/markup-compatibility/2006">
-    <mc:Choice xmlns:p14="http://schemas.microsoft.com/office/powerpoint/2010/main" Requires="p14">
+  <mc:AlternateContent xmlns:mc="http://schemas.openxmlformats.org/markup-compatibility/2006" xmlns:p14="http://schemas.microsoft.com/office/powerpoint/2010/main">
+    <mc:Choice Requires="p14">
       <p:transition p14:dur="0" advClick="0"/>
     </mc:Choice>
-    <mc:Fallback>
+    <mc:Fallback xmlns="">
       <p:transition xmlns:p14="http://schemas.microsoft.com/office/powerpoint/2010/main" advClick="0"/>
     </mc:Fallback>
   </mc:AlternateContent>
@@ -6104,7 +6104,7 @@
           <a:graphicData uri="http://schemas.openxmlformats.org/presentationml/2006/ole">
             <mc:AlternateContent xmlns:mc="http://schemas.openxmlformats.org/markup-compatibility/2006">
               <mc:Choice xmlns:v="urn:schemas-microsoft-com:vml" Requires="v">
-                <p:oleObj spid="_x0000_s423976" name="Equation" r:id="rId4" imgW="1854200" imgH="482600" progId="Equation.DSMT4">
+                <p:oleObj spid="_x0000_s423987" name="Equation" r:id="rId4" imgW="1854200" imgH="482600" progId="Equation.DSMT4">
                   <p:embed/>
                 </p:oleObj>
               </mc:Choice>
@@ -6161,7 +6161,7 @@
           <a:graphicData uri="http://schemas.openxmlformats.org/presentationml/2006/ole">
             <mc:AlternateContent xmlns:mc="http://schemas.openxmlformats.org/markup-compatibility/2006">
               <mc:Choice xmlns:v="urn:schemas-microsoft-com:vml" Requires="v">
-                <p:oleObj spid="_x0000_s423977" name="Equation" r:id="rId6" imgW="1371600" imgH="482600" progId="Equation.DSMT4">
+                <p:oleObj spid="_x0000_s423988" name="Equation" r:id="rId6" imgW="1371600" imgH="482600" progId="Equation.DSMT4">
                   <p:embed/>
                 </p:oleObj>
               </mc:Choice>
@@ -6218,7 +6218,7 @@
           <a:graphicData uri="http://schemas.openxmlformats.org/presentationml/2006/ole">
             <mc:AlternateContent xmlns:mc="http://schemas.openxmlformats.org/markup-compatibility/2006">
               <mc:Choice xmlns:v="urn:schemas-microsoft-com:vml" Requires="v">
-                <p:oleObj spid="_x0000_s423978" name="Equation" r:id="rId8" imgW="1803400" imgH="482600" progId="Equation.DSMT4">
+                <p:oleObj spid="_x0000_s423989" name="Equation" r:id="rId8" imgW="1803400" imgH="482600" progId="Equation.DSMT4">
                   <p:embed/>
                 </p:oleObj>
               </mc:Choice>
@@ -6388,7 +6388,7 @@
             <a:graphicData uri="http://schemas.openxmlformats.org/presentationml/2006/ole">
               <mc:AlternateContent xmlns:mc="http://schemas.openxmlformats.org/markup-compatibility/2006">
                 <mc:Choice xmlns:v="urn:schemas-microsoft-com:vml" Requires="v">
-                  <p:oleObj spid="_x0000_s423979" name="Equation" r:id="rId10" imgW="139700" imgH="215900" progId="Equation.DSMT4">
+                  <p:oleObj spid="_x0000_s423990" name="Equation" r:id="rId10" imgW="139700" imgH="215900" progId="Equation.DSMT4">
                     <p:embed/>
                   </p:oleObj>
                 </mc:Choice>
@@ -6498,7 +6498,7 @@
             <a:graphicData uri="http://schemas.openxmlformats.org/presentationml/2006/ole">
               <mc:AlternateContent xmlns:mc="http://schemas.openxmlformats.org/markup-compatibility/2006">
                 <mc:Choice xmlns:v="urn:schemas-microsoft-com:vml" Requires="v">
-                  <p:oleObj spid="_x0000_s423980" name="Equation" r:id="rId12" imgW="177800" imgH="241300" progId="Equation.DSMT4">
+                  <p:oleObj spid="_x0000_s423991" name="Equation" r:id="rId12" imgW="177800" imgH="241300" progId="Equation.DSMT4">
                     <p:embed/>
                   </p:oleObj>
                 </mc:Choice>
@@ -7206,7 +7206,7 @@
           <a:graphicData uri="http://schemas.openxmlformats.org/presentationml/2006/ole">
             <mc:AlternateContent xmlns:mc="http://schemas.openxmlformats.org/markup-compatibility/2006">
               <mc:Choice xmlns:v="urn:schemas-microsoft-com:vml" Requires="v">
-                <p:oleObj spid="_x0000_s424968" name="Equation" r:id="rId4" imgW="1511300" imgH="254000" progId="Equation.DSMT4">
+                <p:oleObj spid="_x0000_s424973" name="Equation" r:id="rId4" imgW="1511300" imgH="254000" progId="Equation.DSMT4">
                   <p:embed/>
                 </p:oleObj>
               </mc:Choice>
@@ -7263,7 +7263,7 @@
           <a:graphicData uri="http://schemas.openxmlformats.org/presentationml/2006/ole">
             <mc:AlternateContent xmlns:mc="http://schemas.openxmlformats.org/markup-compatibility/2006">
               <mc:Choice xmlns:v="urn:schemas-microsoft-com:vml" Requires="v">
-                <p:oleObj spid="_x0000_s424969" name="Equation" r:id="rId6" imgW="1524000" imgH="254000" progId="Equation.DSMT4">
+                <p:oleObj spid="_x0000_s424974" name="Equation" r:id="rId6" imgW="1524000" imgH="254000" progId="Equation.DSMT4">
                   <p:embed/>
                 </p:oleObj>
               </mc:Choice>
@@ -7489,7 +7489,7 @@
           <a:graphicData uri="http://schemas.openxmlformats.org/presentationml/2006/ole">
             <mc:AlternateContent xmlns:mc="http://schemas.openxmlformats.org/markup-compatibility/2006">
               <mc:Choice xmlns:v="urn:schemas-microsoft-com:vml" Requires="v">
-                <p:oleObj spid="_x0000_s425994" name="Equation" r:id="rId4" imgW="1854200" imgH="482600" progId="Equation.DSMT4">
+                <p:oleObj spid="_x0000_s425999" name="Equation" r:id="rId4" imgW="1854200" imgH="482600" progId="Equation.DSMT4">
                   <p:embed/>
                 </p:oleObj>
               </mc:Choice>
@@ -7607,7 +7607,7 @@
           <a:graphicData uri="http://schemas.openxmlformats.org/presentationml/2006/ole">
             <mc:AlternateContent xmlns:mc="http://schemas.openxmlformats.org/markup-compatibility/2006">
               <mc:Choice xmlns:v="urn:schemas-microsoft-com:vml" Requires="v">
-                <p:oleObj spid="_x0000_s425995" name="Equation" r:id="rId6" imgW="2514600" imgH="254000" progId="Equation.DSMT4">
+                <p:oleObj spid="_x0000_s426000" name="Equation" r:id="rId6" imgW="2514600" imgH="254000" progId="Equation.DSMT4">
                   <p:embed/>
                 </p:oleObj>
               </mc:Choice>
@@ -8367,16 +8367,7 @@
                 </a:solidFill>
                 <a:latin typeface="Comic Sans MS" pitchFamily="66" charset="0"/>
               </a:rPr>
-              <a:t>Use </a:t>
-            </a:r>
-            <a:r>
-              <a:rPr lang="en-US" sz="6600" dirty="0" smtClean="0">
-                <a:solidFill>
-                  <a:srgbClr val="000000"/>
-                </a:solidFill>
-                <a:latin typeface="Comic Sans MS" pitchFamily="66" charset="0"/>
-              </a:rPr>
-              <a:t>an</a:t>
+              <a:t>Use an</a:t>
             </a:r>
             <a:r>
               <a:rPr lang="en-US" sz="6600" dirty="0" smtClean="0">
@@ -8400,13 +8391,7 @@
               <a:rPr lang="en-US" sz="6600" dirty="0" smtClean="0">
                 <a:latin typeface="Comic Sans MS" pitchFamily="66" charset="0"/>
               </a:rPr>
-              <a:t>formulas equivalent</a:t>
-            </a:r>
-            <a:r>
-              <a:rPr lang="en-US" sz="6600" dirty="0" smtClean="0">
-                <a:latin typeface="Comic Sans MS" pitchFamily="66" charset="0"/>
-              </a:rPr>
-              <a:t>.</a:t>
+              <a:t>formulas equivalent.</a:t>
             </a:r>
             <a:endParaRPr lang="en-US" sz="6600" dirty="0">
               <a:latin typeface="Comic Sans MS" pitchFamily="66" charset="0"/>
@@ -8773,7 +8758,7 @@
           <a:graphicData uri="http://schemas.openxmlformats.org/presentationml/2006/ole">
             <mc:AlternateContent xmlns:mc="http://schemas.openxmlformats.org/markup-compatibility/2006">
               <mc:Choice xmlns:v="urn:schemas-microsoft-com:vml" Requires="v">
-                <p:oleObj spid="_x0000_s1035" name="Equation" r:id="rId4" imgW="1295400" imgH="228600" progId="Equation.DSMT4">
+                <p:oleObj spid="_x0000_s1038" name="Equation" r:id="rId4" imgW="1295400" imgH="228600" progId="Equation.DSMT4">
                   <p:embed/>
                 </p:oleObj>
               </mc:Choice>
@@ -8956,18 +8941,7 @@
                 </a:solidFill>
                 <a:latin typeface="Comic Sans MS" pitchFamily="66" charset="0"/>
               </a:rPr>
-              <a:t>Rules </a:t>
-            </a:r>
-            <a:r>
-              <a:rPr lang="en-US" sz="5400" dirty="0" smtClean="0">
-                <a:solidFill>
-                  <a:schemeClr val="accent1">
-                    <a:lumMod val="50000"/>
-                  </a:schemeClr>
-                </a:solidFill>
-                <a:latin typeface="Comic Sans MS" pitchFamily="66" charset="0"/>
-              </a:rPr>
-              <a:t>for </a:t>
+              <a:t>Rules for </a:t>
             </a:r>
             <a:r>
               <a:rPr lang="en-US" sz="4000" dirty="0" smtClean="0">
@@ -9173,7 +9147,7 @@
           <a:graphicData uri="http://schemas.openxmlformats.org/presentationml/2006/ole">
             <mc:AlternateContent xmlns:mc="http://schemas.openxmlformats.org/markup-compatibility/2006">
               <mc:Choice xmlns:v="urn:schemas-microsoft-com:vml" Requires="v">
-                <p:oleObj spid="_x0000_s419887" name="Equation" r:id="rId4" imgW="139700" imgH="215900" progId="Equation.DSMT4">
+                <p:oleObj spid="_x0000_s419892" name="Equation" r:id="rId4" imgW="139700" imgH="215900" progId="Equation.DSMT4">
                   <p:embed/>
                 </p:oleObj>
               </mc:Choice>
@@ -9230,7 +9204,7 @@
           <a:graphicData uri="http://schemas.openxmlformats.org/presentationml/2006/ole">
             <mc:AlternateContent xmlns:mc="http://schemas.openxmlformats.org/markup-compatibility/2006">
               <mc:Choice xmlns:v="urn:schemas-microsoft-com:vml" Requires="v">
-                <p:oleObj spid="_x0000_s419888" name="Equation" r:id="rId6" imgW="2159000" imgH="685800" progId="Equation.DSMT4">
+                <p:oleObj spid="_x0000_s419893" name="Equation" r:id="rId6" imgW="2159000" imgH="685800" progId="Equation.DSMT4">
                   <p:embed/>
                 </p:oleObj>
               </mc:Choice>
@@ -9570,7 +9544,7 @@
           <a:graphicData uri="http://schemas.openxmlformats.org/presentationml/2006/ole">
             <mc:AlternateContent xmlns:mc="http://schemas.openxmlformats.org/markup-compatibility/2006">
               <mc:Choice xmlns:v="urn:schemas-microsoft-com:vml" Requires="v">
-                <p:oleObj spid="_x0000_s422916" name="Equation" r:id="rId4" imgW="1498600" imgH="457200" progId="Equation.DSMT4">
+                <p:oleObj spid="_x0000_s422919" name="Equation" r:id="rId4" imgW="1498600" imgH="457200" progId="Equation.DSMT4">
                   <p:embed/>
                 </p:oleObj>
               </mc:Choice>
@@ -9854,7 +9828,7 @@
           <a:graphicData uri="http://schemas.openxmlformats.org/presentationml/2006/ole">
             <mc:AlternateContent xmlns:mc="http://schemas.openxmlformats.org/markup-compatibility/2006">
               <mc:Choice xmlns:v="urn:schemas-microsoft-com:vml" Requires="v">
-                <p:oleObj spid="_x0000_s421893" name="Equation" r:id="rId4" imgW="1600200" imgH="457200" progId="Equation.DSMT4">
+                <p:oleObj spid="_x0000_s421896" name="Equation" r:id="rId4" imgW="1600200" imgH="457200" progId="Equation.DSMT4">
                   <p:embed/>
                 </p:oleObj>
               </mc:Choice>
@@ -9934,13 +9908,7 @@
               <a:rPr lang="en-US" sz="5400" dirty="0" smtClean="0">
                 <a:latin typeface="Comic Sans MS" pitchFamily="66" charset="0"/>
               </a:rPr>
-              <a:t>’s onl</a:t>
-            </a:r>
-            <a:r>
-              <a:rPr lang="en-US" sz="5400" dirty="0" smtClean="0">
-                <a:latin typeface="Comic Sans MS" pitchFamily="66" charset="0"/>
-              </a:rPr>
-              <a:t>y on variables</a:t>
+              <a:t>’s only on variables</a:t>
             </a:r>
           </a:p>
         </p:txBody>
@@ -10094,25 +10062,7 @@
                 </a:solidFill>
                 <a:latin typeface="Comic Sans MS" pitchFamily="66" charset="0"/>
               </a:rPr>
-              <a:t>Distributive </a:t>
-            </a:r>
-            <a:r>
-              <a:rPr lang="en-US" sz="5400" dirty="0" smtClean="0">
-                <a:solidFill>
-                  <a:srgbClr val="FF03E3"/>
-                </a:solidFill>
-                <a:latin typeface="Comic Sans MS" pitchFamily="66" charset="0"/>
-              </a:rPr>
-              <a:t>L</a:t>
-            </a:r>
-            <a:r>
-              <a:rPr lang="en-US" sz="5400" dirty="0" smtClean="0">
-                <a:solidFill>
-                  <a:srgbClr val="FF03E3"/>
-                </a:solidFill>
-                <a:latin typeface="Comic Sans MS" pitchFamily="66" charset="0"/>
-              </a:rPr>
-              <a:t>aw</a:t>
+              <a:t>Distributive Law</a:t>
             </a:r>
             <a:endParaRPr lang="en-US" sz="5400" dirty="0">
               <a:solidFill>
@@ -10282,9 +10232,6 @@
               </a:rPr>
               <a:t>’s     </a:t>
             </a:r>
-            <a:endParaRPr lang="en-US" sz="5400" dirty="0" smtClean="0">
-              <a:latin typeface="Comic Sans MS" pitchFamily="66" charset="0"/>
-            </a:endParaRPr>
           </a:p>
         </p:txBody>
       </p:sp>
@@ -10310,7 +10257,7 @@
           <a:graphicData uri="http://schemas.openxmlformats.org/presentationml/2006/ole">
             <mc:AlternateContent xmlns:mc="http://schemas.openxmlformats.org/markup-compatibility/2006">
               <mc:Choice xmlns:v="urn:schemas-microsoft-com:vml" Requires="v">
-                <p:oleObj spid="_x0000_s418859" name="Equation" r:id="rId4" imgW="1866900" imgH="457200" progId="Equation.DSMT4">
+                <p:oleObj spid="_x0000_s418864" name="Equation" r:id="rId4" imgW="1866900" imgH="457200" progId="Equation.DSMT4">
                   <p:embed/>
                 </p:oleObj>
               </mc:Choice>
@@ -10367,7 +10314,7 @@
           <a:graphicData uri="http://schemas.openxmlformats.org/presentationml/2006/ole">
             <mc:AlternateContent xmlns:mc="http://schemas.openxmlformats.org/markup-compatibility/2006">
               <mc:Choice xmlns:v="urn:schemas-microsoft-com:vml" Requires="v">
-                <p:oleObj spid="_x0000_s418860" name="Equation" r:id="rId6" imgW="1790700" imgH="457200" progId="Equation.DSMT4">
+                <p:oleObj spid="_x0000_s418865" name="Equation" r:id="rId6" imgW="1790700" imgH="457200" progId="Equation.DSMT4">
                   <p:embed/>
                 </p:oleObj>
               </mc:Choice>
@@ -10412,13 +10359,13 @@
   <p:clrMapOvr>
     <a:masterClrMapping/>
   </p:clrMapOvr>
-  <mc:AlternateContent xmlns:mc="http://schemas.openxmlformats.org/markup-compatibility/2006">
-    <mc:Choice xmlns:p14="http://schemas.microsoft.com/office/powerpoint/2010/main" Requires="p14">
+  <mc:AlternateContent xmlns:mc="http://schemas.openxmlformats.org/markup-compatibility/2006" xmlns:p14="http://schemas.microsoft.com/office/powerpoint/2010/main">
+    <mc:Choice Requires="p14">
       <p:transition spd="slow" p14:dur="800" advClick="0">
         <p:fade thruBlk="1"/>
       </p:transition>
     </mc:Choice>
-    <mc:Fallback>
+    <mc:Fallback xmlns="">
       <p:transition xmlns:p14="http://schemas.microsoft.com/office/powerpoint/2010/main" spd="slow" advClick="0">
         <p:fade thruBlk="1"/>
       </p:transition>
@@ -10747,7 +10694,7 @@
           <a:graphicData uri="http://schemas.openxmlformats.org/presentationml/2006/ole">
             <mc:AlternateContent xmlns:mc="http://schemas.openxmlformats.org/markup-compatibility/2006">
               <mc:Choice xmlns:v="urn:schemas-microsoft-com:vml" Requires="v">
-                <p:oleObj spid="_x0000_s420919" name="Equation" r:id="rId4" imgW="1371600" imgH="482600" progId="Equation.DSMT4">
+                <p:oleObj spid="_x0000_s420930" name="Equation" r:id="rId4" imgW="1371600" imgH="482600" progId="Equation.DSMT4">
                   <p:embed/>
                 </p:oleObj>
               </mc:Choice>
@@ -10865,7 +10812,7 @@
           <a:graphicData uri="http://schemas.openxmlformats.org/presentationml/2006/ole">
             <mc:AlternateContent xmlns:mc="http://schemas.openxmlformats.org/markup-compatibility/2006">
               <mc:Choice xmlns:v="urn:schemas-microsoft-com:vml" Requires="v">
-                <p:oleObj spid="_x0000_s420920" name="Equation" r:id="rId6" imgW="2108200" imgH="228600" progId="Equation.DSMT4">
+                <p:oleObj spid="_x0000_s420931" name="Equation" r:id="rId6" imgW="2108200" imgH="228600" progId="Equation.DSMT4">
                   <p:embed/>
                 </p:oleObj>
               </mc:Choice>
@@ -10922,7 +10869,7 @@
           <a:graphicData uri="http://schemas.openxmlformats.org/presentationml/2006/ole">
             <mc:AlternateContent xmlns:mc="http://schemas.openxmlformats.org/markup-compatibility/2006">
               <mc:Choice xmlns:v="urn:schemas-microsoft-com:vml" Requires="v">
-                <p:oleObj spid="_x0000_s420921" name="Equation" r:id="rId8" imgW="2514600" imgH="228600" progId="Equation.DSMT4">
+                <p:oleObj spid="_x0000_s420932" name="Equation" r:id="rId8" imgW="2514600" imgH="228600" progId="Equation.DSMT4">
                   <p:embed/>
                 </p:oleObj>
               </mc:Choice>
@@ -10989,12 +10936,6 @@
               </a:rPr>
               <a:t>example:</a:t>
             </a:r>
-            <a:endParaRPr lang="en-US" sz="5400" dirty="0" smtClean="0">
-              <a:solidFill>
-                <a:srgbClr val="FF03E3"/>
-              </a:solidFill>
-              <a:latin typeface="Comic Sans MS" pitchFamily="66" charset="0"/>
-            </a:endParaRPr>
           </a:p>
         </p:txBody>
       </p:sp>
@@ -11076,7 +11017,7 @@
           <a:graphicData uri="http://schemas.openxmlformats.org/presentationml/2006/ole">
             <mc:AlternateContent xmlns:mc="http://schemas.openxmlformats.org/markup-compatibility/2006">
               <mc:Choice xmlns:v="urn:schemas-microsoft-com:vml" Requires="v">
-                <p:oleObj spid="_x0000_s420922" name="Equation" r:id="rId10" imgW="1866900" imgH="228600" progId="Equation.DSMT4">
+                <p:oleObj spid="_x0000_s420933" name="Equation" r:id="rId10" imgW="1866900" imgH="228600" progId="Equation.DSMT4">
                   <p:embed/>
                 </p:oleObj>
               </mc:Choice>
@@ -11189,7 +11130,7 @@
           <a:graphicData uri="http://schemas.openxmlformats.org/presentationml/2006/ole">
             <mc:AlternateContent xmlns:mc="http://schemas.openxmlformats.org/markup-compatibility/2006">
               <mc:Choice xmlns:v="urn:schemas-microsoft-com:vml" Requires="v">
-                <p:oleObj spid="_x0000_s420923" name="Equation" r:id="rId12" imgW="1689100" imgH="254000" progId="Equation.DSMT4">
+                <p:oleObj spid="_x0000_s420934" name="Equation" r:id="rId12" imgW="1689100" imgH="254000" progId="Equation.DSMT4">
                   <p:embed/>
                 </p:oleObj>
               </mc:Choice>
@@ -11291,12 +11232,6 @@
               </a:rPr>
               <a:t> Q)</a:t>
             </a:r>
-            <a:endParaRPr lang="en-US" sz="4000" dirty="0" smtClean="0">
-              <a:solidFill>
-                <a:srgbClr val="000000"/>
-              </a:solidFill>
-              <a:latin typeface="Comic Sans MS" pitchFamily="66" charset="0"/>
-            </a:endParaRPr>
           </a:p>
         </p:txBody>
       </p:sp>
